--- a/2term/PSCA/TypeScript/myTypeScript.pptx
+++ b/2term/PSCA/TypeScript/myTypeScript.pptx
@@ -11,20 +11,53 @@
     <p:sldId id="259" r:id="rId5"/>
     <p:sldId id="260" r:id="rId6"/>
     <p:sldId id="262" r:id="rId7"/>
-    <p:sldId id="263" r:id="rId8"/>
-    <p:sldId id="264" r:id="rId9"/>
-    <p:sldId id="265" r:id="rId10"/>
-    <p:sldId id="266" r:id="rId11"/>
-    <p:sldId id="267" r:id="rId12"/>
-    <p:sldId id="268" r:id="rId13"/>
-    <p:sldId id="269" r:id="rId14"/>
-    <p:sldId id="270" r:id="rId15"/>
+    <p:sldId id="310" r:id="rId8"/>
+    <p:sldId id="263" r:id="rId9"/>
+    <p:sldId id="264" r:id="rId10"/>
+    <p:sldId id="265" r:id="rId11"/>
+    <p:sldId id="266" r:id="rId12"/>
+    <p:sldId id="267" r:id="rId13"/>
+    <p:sldId id="268" r:id="rId14"/>
+    <p:sldId id="269" r:id="rId15"/>
+    <p:sldId id="270" r:id="rId16"/>
+    <p:sldId id="307" r:id="rId17"/>
+    <p:sldId id="271" r:id="rId18"/>
+    <p:sldId id="272" r:id="rId19"/>
+    <p:sldId id="308" r:id="rId20"/>
+    <p:sldId id="275" r:id="rId21"/>
+    <p:sldId id="295" r:id="rId22"/>
+    <p:sldId id="276" r:id="rId23"/>
+    <p:sldId id="309" r:id="rId24"/>
+    <p:sldId id="280" r:id="rId25"/>
+    <p:sldId id="278" r:id="rId26"/>
+    <p:sldId id="279" r:id="rId27"/>
+    <p:sldId id="281" r:id="rId28"/>
+    <p:sldId id="282" r:id="rId29"/>
+    <p:sldId id="283" r:id="rId30"/>
+    <p:sldId id="296" r:id="rId31"/>
+    <p:sldId id="297" r:id="rId32"/>
+    <p:sldId id="284" r:id="rId33"/>
+    <p:sldId id="285" r:id="rId34"/>
+    <p:sldId id="306" r:id="rId35"/>
+    <p:sldId id="286" r:id="rId36"/>
+    <p:sldId id="287" r:id="rId37"/>
+    <p:sldId id="288" r:id="rId38"/>
+    <p:sldId id="289" r:id="rId39"/>
+    <p:sldId id="290" r:id="rId40"/>
+    <p:sldId id="291" r:id="rId41"/>
+    <p:sldId id="299" r:id="rId42"/>
+    <p:sldId id="300" r:id="rId43"/>
+    <p:sldId id="301" r:id="rId44"/>
+    <p:sldId id="302" r:id="rId45"/>
+    <p:sldId id="303" r:id="rId46"/>
+    <p:sldId id="304" r:id="rId47"/>
+    <p:sldId id="305" r:id="rId48"/>
   </p:sldIdLst>
   <p:sldSz cx="12192000" cy="6858000"/>
   <p:notesSz cx="6858000" cy="9144000"/>
   <p:defaultTextStyle>
     <a:defPPr>
-      <a:defRPr lang="ru-BY"/>
+      <a:defRPr lang="x-none"/>
     </a:defPPr>
     <a:lvl1pPr marL="0" algn="l" defTabSz="914400" rtl="0" eaLnBrk="1" latinLnBrk="0" hangingPunct="1">
       <a:defRPr sz="1800" kern="1200">
@@ -119,7 +152,18 @@
   </p:defaultTextStyle>
   <p:extLst>
     <p:ext uri="{EFAFB233-063F-42B5-8137-9DF3F51BA10A}">
-      <p15:sldGuideLst xmlns:p15="http://schemas.microsoft.com/office/powerpoint/2012/main"/>
+      <p15:sldGuideLst xmlns:p15="http://schemas.microsoft.com/office/powerpoint/2012/main">
+        <p15:guide id="1" orient="horz" pos="2160">
+          <p15:clr>
+            <a:srgbClr val="A4A3A4"/>
+          </p15:clr>
+        </p15:guide>
+        <p15:guide id="2" pos="3840">
+          <p15:clr>
+            <a:srgbClr val="A4A3A4"/>
+          </p15:clr>
+        </p15:guide>
+      </p15:sldGuideLst>
     </p:ext>
   </p:extLst>
 </p:presentation>
@@ -176,7 +220,7 @@
               <a:rPr lang="ru-RU"/>
               <a:t>Образец заголовка</a:t>
             </a:r>
-            <a:endParaRPr lang="ru-BY"/>
+            <a:endParaRPr lang="x-none"/>
           </a:p>
         </p:txBody>
       </p:sp>
@@ -247,7 +291,7 @@
               <a:rPr lang="ru-RU"/>
               <a:t>Образец подзаголовка</a:t>
             </a:r>
-            <a:endParaRPr lang="ru-BY"/>
+            <a:endParaRPr lang="x-none"/>
           </a:p>
         </p:txBody>
       </p:sp>
@@ -273,10 +317,11 @@
           <a:lstStyle/>
           <a:p>
             <a:fld id="{025FC581-B854-4124-A2B5-35AC05FA8311}" type="datetimeFigureOut">
-              <a:rPr lang="ru-BY" smtClean="0"/>
-              <a:t>12.03.2024</a:t>
+              <a:rPr lang="x-none" smtClean="0"/>
+              <a:pPr/>
+              <a:t>23.03.2024</a:t>
             </a:fld>
-            <a:endParaRPr lang="ru-BY"/>
+            <a:endParaRPr lang="x-none"/>
           </a:p>
         </p:txBody>
       </p:sp>
@@ -301,7 +346,7 @@
           <a:bodyPr/>
           <a:lstStyle/>
           <a:p>
-            <a:endParaRPr lang="ru-BY"/>
+            <a:endParaRPr lang="x-none"/>
           </a:p>
         </p:txBody>
       </p:sp>
@@ -327,10 +372,11 @@
           <a:lstStyle/>
           <a:p>
             <a:fld id="{4D5F4559-0A9B-4036-B02F-D608C3D1AA37}" type="slidenum">
-              <a:rPr lang="ru-BY" smtClean="0"/>
+              <a:rPr lang="x-none" smtClean="0"/>
+              <a:pPr/>
               <a:t>‹#›</a:t>
             </a:fld>
-            <a:endParaRPr lang="ru-BY"/>
+            <a:endParaRPr lang="x-none"/>
           </a:p>
         </p:txBody>
       </p:sp>
@@ -389,7 +435,7 @@
               <a:rPr lang="ru-RU"/>
               <a:t>Образец заголовка</a:t>
             </a:r>
-            <a:endParaRPr lang="ru-BY"/>
+            <a:endParaRPr lang="x-none"/>
           </a:p>
         </p:txBody>
       </p:sp>
@@ -447,7 +493,7 @@
               <a:rPr lang="ru-RU"/>
               <a:t>Пятый уровень</a:t>
             </a:r>
-            <a:endParaRPr lang="ru-BY"/>
+            <a:endParaRPr lang="x-none"/>
           </a:p>
         </p:txBody>
       </p:sp>
@@ -473,10 +519,11 @@
           <a:lstStyle/>
           <a:p>
             <a:fld id="{025FC581-B854-4124-A2B5-35AC05FA8311}" type="datetimeFigureOut">
-              <a:rPr lang="ru-BY" smtClean="0"/>
-              <a:t>12.03.2024</a:t>
+              <a:rPr lang="x-none" smtClean="0"/>
+              <a:pPr/>
+              <a:t>23.03.2024</a:t>
             </a:fld>
-            <a:endParaRPr lang="ru-BY"/>
+            <a:endParaRPr lang="x-none"/>
           </a:p>
         </p:txBody>
       </p:sp>
@@ -501,7 +548,7 @@
           <a:bodyPr/>
           <a:lstStyle/>
           <a:p>
-            <a:endParaRPr lang="ru-BY"/>
+            <a:endParaRPr lang="x-none"/>
           </a:p>
         </p:txBody>
       </p:sp>
@@ -527,10 +574,11 @@
           <a:lstStyle/>
           <a:p>
             <a:fld id="{4D5F4559-0A9B-4036-B02F-D608C3D1AA37}" type="slidenum">
-              <a:rPr lang="ru-BY" smtClean="0"/>
+              <a:rPr lang="x-none" smtClean="0"/>
+              <a:pPr/>
               <a:t>‹#›</a:t>
             </a:fld>
-            <a:endParaRPr lang="ru-BY"/>
+            <a:endParaRPr lang="x-none"/>
           </a:p>
         </p:txBody>
       </p:sp>
@@ -594,7 +642,7 @@
               <a:rPr lang="ru-RU"/>
               <a:t>Образец заголовка</a:t>
             </a:r>
-            <a:endParaRPr lang="ru-BY"/>
+            <a:endParaRPr lang="x-none"/>
           </a:p>
         </p:txBody>
       </p:sp>
@@ -657,7 +705,7 @@
               <a:rPr lang="ru-RU"/>
               <a:t>Пятый уровень</a:t>
             </a:r>
-            <a:endParaRPr lang="ru-BY"/>
+            <a:endParaRPr lang="x-none"/>
           </a:p>
         </p:txBody>
       </p:sp>
@@ -683,10 +731,11 @@
           <a:lstStyle/>
           <a:p>
             <a:fld id="{025FC581-B854-4124-A2B5-35AC05FA8311}" type="datetimeFigureOut">
-              <a:rPr lang="ru-BY" smtClean="0"/>
-              <a:t>12.03.2024</a:t>
+              <a:rPr lang="x-none" smtClean="0"/>
+              <a:pPr/>
+              <a:t>23.03.2024</a:t>
             </a:fld>
-            <a:endParaRPr lang="ru-BY"/>
+            <a:endParaRPr lang="x-none"/>
           </a:p>
         </p:txBody>
       </p:sp>
@@ -711,7 +760,7 @@
           <a:bodyPr/>
           <a:lstStyle/>
           <a:p>
-            <a:endParaRPr lang="ru-BY"/>
+            <a:endParaRPr lang="x-none"/>
           </a:p>
         </p:txBody>
       </p:sp>
@@ -737,10 +786,11 @@
           <a:lstStyle/>
           <a:p>
             <a:fld id="{4D5F4559-0A9B-4036-B02F-D608C3D1AA37}" type="slidenum">
-              <a:rPr lang="ru-BY" smtClean="0"/>
+              <a:rPr lang="x-none" smtClean="0"/>
+              <a:pPr/>
               <a:t>‹#›</a:t>
             </a:fld>
-            <a:endParaRPr lang="ru-BY"/>
+            <a:endParaRPr lang="x-none"/>
           </a:p>
         </p:txBody>
       </p:sp>
@@ -799,7 +849,7 @@
               <a:rPr lang="ru-RU"/>
               <a:t>Образец заголовка</a:t>
             </a:r>
-            <a:endParaRPr lang="ru-BY"/>
+            <a:endParaRPr lang="x-none"/>
           </a:p>
         </p:txBody>
       </p:sp>
@@ -857,7 +907,7 @@
               <a:rPr lang="ru-RU"/>
               <a:t>Пятый уровень</a:t>
             </a:r>
-            <a:endParaRPr lang="ru-BY"/>
+            <a:endParaRPr lang="x-none"/>
           </a:p>
         </p:txBody>
       </p:sp>
@@ -883,10 +933,11 @@
           <a:lstStyle/>
           <a:p>
             <a:fld id="{025FC581-B854-4124-A2B5-35AC05FA8311}" type="datetimeFigureOut">
-              <a:rPr lang="ru-BY" smtClean="0"/>
-              <a:t>12.03.2024</a:t>
+              <a:rPr lang="x-none" smtClean="0"/>
+              <a:pPr/>
+              <a:t>23.03.2024</a:t>
             </a:fld>
-            <a:endParaRPr lang="ru-BY"/>
+            <a:endParaRPr lang="x-none"/>
           </a:p>
         </p:txBody>
       </p:sp>
@@ -911,7 +962,7 @@
           <a:bodyPr/>
           <a:lstStyle/>
           <a:p>
-            <a:endParaRPr lang="ru-BY"/>
+            <a:endParaRPr lang="x-none"/>
           </a:p>
         </p:txBody>
       </p:sp>
@@ -937,10 +988,11 @@
           <a:lstStyle/>
           <a:p>
             <a:fld id="{4D5F4559-0A9B-4036-B02F-D608C3D1AA37}" type="slidenum">
-              <a:rPr lang="ru-BY" smtClean="0"/>
+              <a:rPr lang="x-none" smtClean="0"/>
+              <a:pPr/>
               <a:t>‹#›</a:t>
             </a:fld>
-            <a:endParaRPr lang="ru-BY"/>
+            <a:endParaRPr lang="x-none"/>
           </a:p>
         </p:txBody>
       </p:sp>
@@ -1008,7 +1060,7 @@
               <a:rPr lang="ru-RU"/>
               <a:t>Образец заголовка</a:t>
             </a:r>
-            <a:endParaRPr lang="ru-BY"/>
+            <a:endParaRPr lang="x-none"/>
           </a:p>
         </p:txBody>
       </p:sp>
@@ -1159,10 +1211,11 @@
           <a:lstStyle/>
           <a:p>
             <a:fld id="{025FC581-B854-4124-A2B5-35AC05FA8311}" type="datetimeFigureOut">
-              <a:rPr lang="ru-BY" smtClean="0"/>
-              <a:t>12.03.2024</a:t>
+              <a:rPr lang="x-none" smtClean="0"/>
+              <a:pPr/>
+              <a:t>23.03.2024</a:t>
             </a:fld>
-            <a:endParaRPr lang="ru-BY"/>
+            <a:endParaRPr lang="x-none"/>
           </a:p>
         </p:txBody>
       </p:sp>
@@ -1187,7 +1240,7 @@
           <a:bodyPr/>
           <a:lstStyle/>
           <a:p>
-            <a:endParaRPr lang="ru-BY"/>
+            <a:endParaRPr lang="x-none"/>
           </a:p>
         </p:txBody>
       </p:sp>
@@ -1213,10 +1266,11 @@
           <a:lstStyle/>
           <a:p>
             <a:fld id="{4D5F4559-0A9B-4036-B02F-D608C3D1AA37}" type="slidenum">
-              <a:rPr lang="ru-BY" smtClean="0"/>
+              <a:rPr lang="x-none" smtClean="0"/>
+              <a:pPr/>
               <a:t>‹#›</a:t>
             </a:fld>
-            <a:endParaRPr lang="ru-BY"/>
+            <a:endParaRPr lang="x-none"/>
           </a:p>
         </p:txBody>
       </p:sp>
@@ -1275,7 +1329,7 @@
               <a:rPr lang="ru-RU"/>
               <a:t>Образец заголовка</a:t>
             </a:r>
-            <a:endParaRPr lang="ru-BY"/>
+            <a:endParaRPr lang="x-none"/>
           </a:p>
         </p:txBody>
       </p:sp>
@@ -1338,7 +1392,7 @@
               <a:rPr lang="ru-RU"/>
               <a:t>Пятый уровень</a:t>
             </a:r>
-            <a:endParaRPr lang="ru-BY"/>
+            <a:endParaRPr lang="x-none"/>
           </a:p>
         </p:txBody>
       </p:sp>
@@ -1401,7 +1455,7 @@
               <a:rPr lang="ru-RU"/>
               <a:t>Пятый уровень</a:t>
             </a:r>
-            <a:endParaRPr lang="ru-BY"/>
+            <a:endParaRPr lang="x-none"/>
           </a:p>
         </p:txBody>
       </p:sp>
@@ -1427,10 +1481,11 @@
           <a:lstStyle/>
           <a:p>
             <a:fld id="{025FC581-B854-4124-A2B5-35AC05FA8311}" type="datetimeFigureOut">
-              <a:rPr lang="ru-BY" smtClean="0"/>
-              <a:t>12.03.2024</a:t>
+              <a:rPr lang="x-none" smtClean="0"/>
+              <a:pPr/>
+              <a:t>23.03.2024</a:t>
             </a:fld>
-            <a:endParaRPr lang="ru-BY"/>
+            <a:endParaRPr lang="x-none"/>
           </a:p>
         </p:txBody>
       </p:sp>
@@ -1455,7 +1510,7 @@
           <a:bodyPr/>
           <a:lstStyle/>
           <a:p>
-            <a:endParaRPr lang="ru-BY"/>
+            <a:endParaRPr lang="x-none"/>
           </a:p>
         </p:txBody>
       </p:sp>
@@ -1481,10 +1536,11 @@
           <a:lstStyle/>
           <a:p>
             <a:fld id="{4D5F4559-0A9B-4036-B02F-D608C3D1AA37}" type="slidenum">
-              <a:rPr lang="ru-BY" smtClean="0"/>
+              <a:rPr lang="x-none" smtClean="0"/>
+              <a:pPr/>
               <a:t>‹#›</a:t>
             </a:fld>
-            <a:endParaRPr lang="ru-BY"/>
+            <a:endParaRPr lang="x-none"/>
           </a:p>
         </p:txBody>
       </p:sp>
@@ -1548,7 +1604,7 @@
               <a:rPr lang="ru-RU"/>
               <a:t>Образец заголовка</a:t>
             </a:r>
-            <a:endParaRPr lang="ru-BY"/>
+            <a:endParaRPr lang="x-none"/>
           </a:p>
         </p:txBody>
       </p:sp>
@@ -1682,7 +1738,7 @@
               <a:rPr lang="ru-RU"/>
               <a:t>Пятый уровень</a:t>
             </a:r>
-            <a:endParaRPr lang="ru-BY"/>
+            <a:endParaRPr lang="x-none"/>
           </a:p>
         </p:txBody>
       </p:sp>
@@ -1816,7 +1872,7 @@
               <a:rPr lang="ru-RU"/>
               <a:t>Пятый уровень</a:t>
             </a:r>
-            <a:endParaRPr lang="ru-BY"/>
+            <a:endParaRPr lang="x-none"/>
           </a:p>
         </p:txBody>
       </p:sp>
@@ -1842,10 +1898,11 @@
           <a:lstStyle/>
           <a:p>
             <a:fld id="{025FC581-B854-4124-A2B5-35AC05FA8311}" type="datetimeFigureOut">
-              <a:rPr lang="ru-BY" smtClean="0"/>
-              <a:t>12.03.2024</a:t>
+              <a:rPr lang="x-none" smtClean="0"/>
+              <a:pPr/>
+              <a:t>23.03.2024</a:t>
             </a:fld>
-            <a:endParaRPr lang="ru-BY"/>
+            <a:endParaRPr lang="x-none"/>
           </a:p>
         </p:txBody>
       </p:sp>
@@ -1870,7 +1927,7 @@
           <a:bodyPr/>
           <a:lstStyle/>
           <a:p>
-            <a:endParaRPr lang="ru-BY"/>
+            <a:endParaRPr lang="x-none"/>
           </a:p>
         </p:txBody>
       </p:sp>
@@ -1896,10 +1953,11 @@
           <a:lstStyle/>
           <a:p>
             <a:fld id="{4D5F4559-0A9B-4036-B02F-D608C3D1AA37}" type="slidenum">
-              <a:rPr lang="ru-BY" smtClean="0"/>
+              <a:rPr lang="x-none" smtClean="0"/>
+              <a:pPr/>
               <a:t>‹#›</a:t>
             </a:fld>
-            <a:endParaRPr lang="ru-BY"/>
+            <a:endParaRPr lang="x-none"/>
           </a:p>
         </p:txBody>
       </p:sp>
@@ -1958,7 +2016,7 @@
               <a:rPr lang="ru-RU"/>
               <a:t>Образец заголовка</a:t>
             </a:r>
-            <a:endParaRPr lang="ru-BY"/>
+            <a:endParaRPr lang="x-none"/>
           </a:p>
         </p:txBody>
       </p:sp>
@@ -1984,10 +2042,11 @@
           <a:lstStyle/>
           <a:p>
             <a:fld id="{025FC581-B854-4124-A2B5-35AC05FA8311}" type="datetimeFigureOut">
-              <a:rPr lang="ru-BY" smtClean="0"/>
-              <a:t>12.03.2024</a:t>
+              <a:rPr lang="x-none" smtClean="0"/>
+              <a:pPr/>
+              <a:t>23.03.2024</a:t>
             </a:fld>
-            <a:endParaRPr lang="ru-BY"/>
+            <a:endParaRPr lang="x-none"/>
           </a:p>
         </p:txBody>
       </p:sp>
@@ -2012,7 +2071,7 @@
           <a:bodyPr/>
           <a:lstStyle/>
           <a:p>
-            <a:endParaRPr lang="ru-BY"/>
+            <a:endParaRPr lang="x-none"/>
           </a:p>
         </p:txBody>
       </p:sp>
@@ -2038,10 +2097,11 @@
           <a:lstStyle/>
           <a:p>
             <a:fld id="{4D5F4559-0A9B-4036-B02F-D608C3D1AA37}" type="slidenum">
-              <a:rPr lang="ru-BY" smtClean="0"/>
+              <a:rPr lang="x-none" smtClean="0"/>
+              <a:pPr/>
               <a:t>‹#›</a:t>
             </a:fld>
-            <a:endParaRPr lang="ru-BY"/>
+            <a:endParaRPr lang="x-none"/>
           </a:p>
         </p:txBody>
       </p:sp>
@@ -2097,10 +2157,11 @@
           <a:lstStyle/>
           <a:p>
             <a:fld id="{025FC581-B854-4124-A2B5-35AC05FA8311}" type="datetimeFigureOut">
-              <a:rPr lang="ru-BY" smtClean="0"/>
-              <a:t>12.03.2024</a:t>
+              <a:rPr lang="x-none" smtClean="0"/>
+              <a:pPr/>
+              <a:t>23.03.2024</a:t>
             </a:fld>
-            <a:endParaRPr lang="ru-BY"/>
+            <a:endParaRPr lang="x-none"/>
           </a:p>
         </p:txBody>
       </p:sp>
@@ -2125,7 +2186,7 @@
           <a:bodyPr/>
           <a:lstStyle/>
           <a:p>
-            <a:endParaRPr lang="ru-BY"/>
+            <a:endParaRPr lang="x-none"/>
           </a:p>
         </p:txBody>
       </p:sp>
@@ -2151,10 +2212,11 @@
           <a:lstStyle/>
           <a:p>
             <a:fld id="{4D5F4559-0A9B-4036-B02F-D608C3D1AA37}" type="slidenum">
-              <a:rPr lang="ru-BY" smtClean="0"/>
+              <a:rPr lang="x-none" smtClean="0"/>
+              <a:pPr/>
               <a:t>‹#›</a:t>
             </a:fld>
-            <a:endParaRPr lang="ru-BY"/>
+            <a:endParaRPr lang="x-none"/>
           </a:p>
         </p:txBody>
       </p:sp>
@@ -2222,7 +2284,7 @@
               <a:rPr lang="ru-RU"/>
               <a:t>Образец заголовка</a:t>
             </a:r>
-            <a:endParaRPr lang="ru-BY"/>
+            <a:endParaRPr lang="x-none"/>
           </a:p>
         </p:txBody>
       </p:sp>
@@ -2313,7 +2375,7 @@
               <a:rPr lang="ru-RU"/>
               <a:t>Пятый уровень</a:t>
             </a:r>
-            <a:endParaRPr lang="ru-BY"/>
+            <a:endParaRPr lang="x-none"/>
           </a:p>
         </p:txBody>
       </p:sp>
@@ -2410,10 +2472,11 @@
           <a:lstStyle/>
           <a:p>
             <a:fld id="{025FC581-B854-4124-A2B5-35AC05FA8311}" type="datetimeFigureOut">
-              <a:rPr lang="ru-BY" smtClean="0"/>
-              <a:t>12.03.2024</a:t>
+              <a:rPr lang="x-none" smtClean="0"/>
+              <a:pPr/>
+              <a:t>23.03.2024</a:t>
             </a:fld>
-            <a:endParaRPr lang="ru-BY"/>
+            <a:endParaRPr lang="x-none"/>
           </a:p>
         </p:txBody>
       </p:sp>
@@ -2438,7 +2501,7 @@
           <a:bodyPr/>
           <a:lstStyle/>
           <a:p>
-            <a:endParaRPr lang="ru-BY"/>
+            <a:endParaRPr lang="x-none"/>
           </a:p>
         </p:txBody>
       </p:sp>
@@ -2464,10 +2527,11 @@
           <a:lstStyle/>
           <a:p>
             <a:fld id="{4D5F4559-0A9B-4036-B02F-D608C3D1AA37}" type="slidenum">
-              <a:rPr lang="ru-BY" smtClean="0"/>
+              <a:rPr lang="x-none" smtClean="0"/>
+              <a:pPr/>
               <a:t>‹#›</a:t>
             </a:fld>
-            <a:endParaRPr lang="ru-BY"/>
+            <a:endParaRPr lang="x-none"/>
           </a:p>
         </p:txBody>
       </p:sp>
@@ -2535,7 +2599,7 @@
               <a:rPr lang="ru-RU"/>
               <a:t>Образец заголовка</a:t>
             </a:r>
-            <a:endParaRPr lang="ru-BY"/>
+            <a:endParaRPr lang="x-none"/>
           </a:p>
         </p:txBody>
       </p:sp>
@@ -2602,7 +2666,7 @@
             </a:lvl9pPr>
           </a:lstStyle>
           <a:p>
-            <a:endParaRPr lang="ru-BY"/>
+            <a:endParaRPr lang="x-none"/>
           </a:p>
         </p:txBody>
       </p:sp>
@@ -2699,10 +2763,11 @@
           <a:lstStyle/>
           <a:p>
             <a:fld id="{025FC581-B854-4124-A2B5-35AC05FA8311}" type="datetimeFigureOut">
-              <a:rPr lang="ru-BY" smtClean="0"/>
-              <a:t>12.03.2024</a:t>
+              <a:rPr lang="x-none" smtClean="0"/>
+              <a:pPr/>
+              <a:t>23.03.2024</a:t>
             </a:fld>
-            <a:endParaRPr lang="ru-BY"/>
+            <a:endParaRPr lang="x-none"/>
           </a:p>
         </p:txBody>
       </p:sp>
@@ -2727,7 +2792,7 @@
           <a:bodyPr/>
           <a:lstStyle/>
           <a:p>
-            <a:endParaRPr lang="ru-BY"/>
+            <a:endParaRPr lang="x-none"/>
           </a:p>
         </p:txBody>
       </p:sp>
@@ -2753,10 +2818,11 @@
           <a:lstStyle/>
           <a:p>
             <a:fld id="{4D5F4559-0A9B-4036-B02F-D608C3D1AA37}" type="slidenum">
-              <a:rPr lang="ru-BY" smtClean="0"/>
+              <a:rPr lang="x-none" smtClean="0"/>
+              <a:pPr/>
               <a:t>‹#›</a:t>
             </a:fld>
-            <a:endParaRPr lang="ru-BY"/>
+            <a:endParaRPr lang="x-none"/>
           </a:p>
         </p:txBody>
       </p:sp>
@@ -2835,7 +2901,7 @@
               <a:rPr lang="ru-RU"/>
               <a:t>Образец заголовка</a:t>
             </a:r>
-            <a:endParaRPr lang="ru-BY"/>
+            <a:endParaRPr lang="x-none"/>
           </a:p>
         </p:txBody>
       </p:sp>
@@ -2903,7 +2969,7 @@
               <a:rPr lang="ru-RU"/>
               <a:t>Пятый уровень</a:t>
             </a:r>
-            <a:endParaRPr lang="ru-BY"/>
+            <a:endParaRPr lang="x-none"/>
           </a:p>
         </p:txBody>
       </p:sp>
@@ -2947,10 +3013,11 @@
           </a:lstStyle>
           <a:p>
             <a:fld id="{025FC581-B854-4124-A2B5-35AC05FA8311}" type="datetimeFigureOut">
-              <a:rPr lang="ru-BY" smtClean="0"/>
-              <a:t>12.03.2024</a:t>
+              <a:rPr lang="x-none" smtClean="0"/>
+              <a:pPr/>
+              <a:t>23.03.2024</a:t>
             </a:fld>
-            <a:endParaRPr lang="ru-BY"/>
+            <a:endParaRPr lang="x-none"/>
           </a:p>
         </p:txBody>
       </p:sp>
@@ -2993,7 +3060,7 @@
             </a:lvl1pPr>
           </a:lstStyle>
           <a:p>
-            <a:endParaRPr lang="ru-BY"/>
+            <a:endParaRPr lang="x-none"/>
           </a:p>
         </p:txBody>
       </p:sp>
@@ -3037,10 +3104,11 @@
           </a:lstStyle>
           <a:p>
             <a:fld id="{4D5F4559-0A9B-4036-B02F-D608C3D1AA37}" type="slidenum">
-              <a:rPr lang="ru-BY" smtClean="0"/>
+              <a:rPr lang="x-none" smtClean="0"/>
+              <a:pPr/>
               <a:t>‹#›</a:t>
             </a:fld>
-            <a:endParaRPr lang="ru-BY"/>
+            <a:endParaRPr lang="x-none"/>
           </a:p>
         </p:txBody>
       </p:sp>
@@ -3251,7 +3319,7 @@
     </p:bodyStyle>
     <p:otherStyle>
       <a:defPPr>
-        <a:defRPr lang="ru-BY"/>
+        <a:defRPr lang="x-none"/>
       </a:defPPr>
       <a:lvl1pPr marL="0" algn="l" defTabSz="914400" rtl="0" eaLnBrk="1" latinLnBrk="0" hangingPunct="1">
         <a:defRPr sz="1800" kern="1200">
@@ -3413,7 +3481,7 @@
               </a:rPr>
               <a:t>Script</a:t>
             </a:r>
-            <a:endParaRPr lang="ru-BY" sz="6500" dirty="0">
+            <a:endParaRPr lang="x-none" sz="6500" dirty="0">
               <a:solidFill>
                 <a:schemeClr val="bg1"/>
               </a:solidFill>
@@ -3438,7 +3506,7 @@
           <p:nvPr/>
         </p:nvPicPr>
         <p:blipFill>
-          <a:blip r:embed="rId2"/>
+          <a:blip r:embed="rId2" cstate="print"/>
           <a:stretch>
             <a:fillRect/>
           </a:stretch>
@@ -3533,7 +3601,7 @@
               </a:rPr>
               <a:t>ФИТ 3-4</a:t>
             </a:r>
-            <a:endParaRPr lang="ru-BY" sz="2000" dirty="0">
+            <a:endParaRPr lang="x-none" sz="2000" dirty="0">
               <a:solidFill>
                 <a:schemeClr val="bg1"/>
               </a:solidFill>
@@ -3617,9 +3685,9 @@
                 <a:latin typeface="Cascadia Code" panose="020B0609020000020004" pitchFamily="49" charset="0"/>
                 <a:cs typeface="Cascadia Code" panose="020B0609020000020004" pitchFamily="49" charset="0"/>
               </a:rPr>
-              <a:t>Tuple</a:t>
-            </a:r>
-            <a:endParaRPr lang="ru-BY" b="1" dirty="0">
+              <a:t>Array</a:t>
+            </a:r>
+            <a:endParaRPr lang="x-none" b="1" dirty="0">
               <a:solidFill>
                 <a:schemeClr val="bg1"/>
               </a:solidFill>
@@ -3643,7 +3711,7 @@
         </p:nvSpPr>
         <p:spPr>
           <a:xfrm>
-            <a:off x="605872" y="1419048"/>
+            <a:off x="605873" y="1200033"/>
             <a:ext cx="6094520" cy="523220"/>
           </a:xfrm>
           <a:prstGeom prst="rect">
@@ -3665,9 +3733,9 @@
                 <a:latin typeface="Cascadia Code" panose="020B0609020000020004" pitchFamily="49" charset="0"/>
                 <a:cs typeface="Cascadia Code" panose="020B0609020000020004" pitchFamily="49" charset="0"/>
               </a:rPr>
-              <a:t>tuple.ts</a:t>
-            </a:r>
-            <a:endParaRPr lang="ru-BY" sz="2800" dirty="0"/>
+              <a:t>array.ts</a:t>
+            </a:r>
+            <a:endParaRPr lang="x-none" sz="2800" dirty="0"/>
           </a:p>
         </p:txBody>
       </p:sp>
@@ -3707,18 +3775,48 @@
                 <a:latin typeface="Cascadia Code" panose="020B0609020000020004" pitchFamily="49" charset="0"/>
                 <a:cs typeface="Cascadia Code" panose="020B0609020000020004" pitchFamily="49" charset="0"/>
               </a:rPr>
-              <a:t>tuple.js</a:t>
-            </a:r>
-            <a:endParaRPr lang="ru-BY" sz="2800" dirty="0"/>
+              <a:t>array.js</a:t>
+            </a:r>
+            <a:endParaRPr lang="x-none" sz="2800" dirty="0"/>
           </a:p>
         </p:txBody>
       </p:sp>
       <p:pic>
         <p:nvPicPr>
-          <p:cNvPr id="4" name="Рисунок 3">
-            <a:extLst>
-              <a:ext uri="{FF2B5EF4-FFF2-40B4-BE49-F238E27FC236}">
-                <a16:creationId xmlns:a16="http://schemas.microsoft.com/office/drawing/2014/main" id="{721C430D-08C7-4A5B-B54D-5EA3EA5E37D1}"/>
+          <p:cNvPr id="17" name="Рисунок 16">
+            <a:extLst>
+              <a:ext uri="{FF2B5EF4-FFF2-40B4-BE49-F238E27FC236}">
+                <a16:creationId xmlns:a16="http://schemas.microsoft.com/office/drawing/2014/main" id="{E3127348-FE0E-44DC-A271-861C86E56CEF}"/>
+              </a:ext>
+            </a:extLst>
+          </p:cNvPr>
+          <p:cNvPicPr>
+            <a:picLocks noChangeAspect="1"/>
+          </p:cNvPicPr>
+          <p:nvPr/>
+        </p:nvPicPr>
+        <p:blipFill>
+          <a:blip r:embed="rId2" cstate="print"/>
+          <a:stretch>
+            <a:fillRect/>
+          </a:stretch>
+        </p:blipFill>
+        <p:spPr>
+          <a:xfrm>
+            <a:off x="673986" y="1753488"/>
+            <a:ext cx="10999433" cy="1544215"/>
+          </a:xfrm>
+          <a:prstGeom prst="rect">
+            <a:avLst/>
+          </a:prstGeom>
+        </p:spPr>
+      </p:pic>
+      <p:pic>
+        <p:nvPicPr>
+          <p:cNvPr id="19" name="Рисунок 18">
+            <a:extLst>
+              <a:ext uri="{FF2B5EF4-FFF2-40B4-BE49-F238E27FC236}">
+                <a16:creationId xmlns:a16="http://schemas.microsoft.com/office/drawing/2014/main" id="{F4F52F4E-8588-4461-BC19-6D86FFC7A812}"/>
               </a:ext>
             </a:extLst>
           </p:cNvPr>
@@ -3728,44 +3826,14 @@
           <p:nvPr/>
         </p:nvPicPr>
         <p:blipFill rotWithShape="1">
-          <a:blip r:embed="rId2"/>
-          <a:srcRect t="7032"/>
+          <a:blip r:embed="rId3" cstate="print"/>
+          <a:srcRect t="4007"/>
           <a:stretch/>
         </p:blipFill>
         <p:spPr>
           <a:xfrm>
-            <a:off x="605873" y="1989220"/>
-            <a:ext cx="10540530" cy="760411"/>
-          </a:xfrm>
-          <a:prstGeom prst="rect">
-            <a:avLst/>
-          </a:prstGeom>
-        </p:spPr>
-      </p:pic>
-      <p:pic>
-        <p:nvPicPr>
-          <p:cNvPr id="6" name="Рисунок 5">
-            <a:extLst>
-              <a:ext uri="{FF2B5EF4-FFF2-40B4-BE49-F238E27FC236}">
-                <a16:creationId xmlns:a16="http://schemas.microsoft.com/office/drawing/2014/main" id="{8ED41083-C675-446E-9F59-326FAAFB0282}"/>
-              </a:ext>
-            </a:extLst>
-          </p:cNvPr>
-          <p:cNvPicPr>
-            <a:picLocks noChangeAspect="1"/>
-          </p:cNvPicPr>
-          <p:nvPr/>
-        </p:nvPicPr>
-        <p:blipFill>
-          <a:blip r:embed="rId3"/>
-          <a:stretch>
-            <a:fillRect/>
-          </a:stretch>
-        </p:blipFill>
-        <p:spPr>
-          <a:xfrm>
-            <a:off x="605872" y="4299231"/>
-            <a:ext cx="10779937" cy="760410"/>
+            <a:off x="673986" y="4421079"/>
+            <a:ext cx="8986324" cy="1236888"/>
           </a:xfrm>
           <a:prstGeom prst="rect">
             <a:avLst/>
@@ -3775,7 +3843,7 @@
     </p:spTree>
     <p:extLst>
       <p:ext uri="{BB962C8B-B14F-4D97-AF65-F5344CB8AC3E}">
-        <p14:creationId xmlns:p14="http://schemas.microsoft.com/office/powerpoint/2010/main" val="389551515"/>
+        <p14:creationId xmlns:p14="http://schemas.microsoft.com/office/powerpoint/2010/main" val="861301658"/>
       </p:ext>
     </p:extLst>
   </p:cSld>
@@ -3846,9 +3914,9 @@
                 <a:latin typeface="Cascadia Code" panose="020B0609020000020004" pitchFamily="49" charset="0"/>
                 <a:cs typeface="Cascadia Code" panose="020B0609020000020004" pitchFamily="49" charset="0"/>
               </a:rPr>
-              <a:t>Enum</a:t>
-            </a:r>
-            <a:endParaRPr lang="ru-BY" b="1" dirty="0">
+              <a:t>Tuple</a:t>
+            </a:r>
+            <a:endParaRPr lang="x-none" b="1" dirty="0">
               <a:solidFill>
                 <a:schemeClr val="bg1"/>
               </a:solidFill>
@@ -3872,7 +3940,7 @@
         </p:nvSpPr>
         <p:spPr>
           <a:xfrm>
-            <a:off x="357010" y="1429078"/>
+            <a:off x="605872" y="1419048"/>
             <a:ext cx="6094520" cy="523220"/>
           </a:xfrm>
           <a:prstGeom prst="rect">
@@ -3894,9 +3962,9 @@
                 <a:latin typeface="Cascadia Code" panose="020B0609020000020004" pitchFamily="49" charset="0"/>
                 <a:cs typeface="Cascadia Code" panose="020B0609020000020004" pitchFamily="49" charset="0"/>
               </a:rPr>
-              <a:t>enum.ts</a:t>
-            </a:r>
-            <a:endParaRPr lang="ru-BY" sz="2800" dirty="0"/>
+              <a:t>tuple.ts</a:t>
+            </a:r>
+            <a:endParaRPr lang="x-none" sz="2800" dirty="0"/>
           </a:p>
         </p:txBody>
       </p:sp>
@@ -3914,7 +3982,7 @@
         </p:nvSpPr>
         <p:spPr>
           <a:xfrm>
-            <a:off x="6277826" y="1419048"/>
+            <a:off x="605873" y="3776011"/>
             <a:ext cx="6094520" cy="523220"/>
           </a:xfrm>
           <a:prstGeom prst="rect">
@@ -3936,18 +4004,47 @@
                 <a:latin typeface="Cascadia Code" panose="020B0609020000020004" pitchFamily="49" charset="0"/>
                 <a:cs typeface="Cascadia Code" panose="020B0609020000020004" pitchFamily="49" charset="0"/>
               </a:rPr>
-              <a:t>enum.js</a:t>
-            </a:r>
-            <a:endParaRPr lang="ru-BY" sz="2800" dirty="0"/>
+              <a:t>tuple.js</a:t>
+            </a:r>
+            <a:endParaRPr lang="x-none" sz="2800" dirty="0"/>
           </a:p>
         </p:txBody>
       </p:sp>
       <p:pic>
         <p:nvPicPr>
-          <p:cNvPr id="12" name="Рисунок 11">
-            <a:extLst>
-              <a:ext uri="{FF2B5EF4-FFF2-40B4-BE49-F238E27FC236}">
-                <a16:creationId xmlns:a16="http://schemas.microsoft.com/office/drawing/2014/main" id="{92F9D17F-42E5-476B-9369-9AA7C89EEE9F}"/>
+          <p:cNvPr id="4" name="Рисунок 3">
+            <a:extLst>
+              <a:ext uri="{FF2B5EF4-FFF2-40B4-BE49-F238E27FC236}">
+                <a16:creationId xmlns:a16="http://schemas.microsoft.com/office/drawing/2014/main" id="{721C430D-08C7-4A5B-B54D-5EA3EA5E37D1}"/>
+              </a:ext>
+            </a:extLst>
+          </p:cNvPr>
+          <p:cNvPicPr>
+            <a:picLocks noChangeAspect="1"/>
+          </p:cNvPicPr>
+          <p:nvPr/>
+        </p:nvPicPr>
+        <p:blipFill rotWithShape="1">
+          <a:blip r:embed="rId2" cstate="print"/>
+          <a:srcRect t="7032"/>
+          <a:stretch/>
+        </p:blipFill>
+        <p:spPr>
+          <a:xfrm>
+            <a:off x="605873" y="1989220"/>
+            <a:ext cx="10540530" cy="760411"/>
+          </a:xfrm>
+          <a:prstGeom prst="rect">
+            <a:avLst/>
+          </a:prstGeom>
+        </p:spPr>
+      </p:pic>
+      <p:pic>
+        <p:nvPicPr>
+          <p:cNvPr id="6" name="Рисунок 5">
+            <a:extLst>
+              <a:ext uri="{FF2B5EF4-FFF2-40B4-BE49-F238E27FC236}">
+                <a16:creationId xmlns:a16="http://schemas.microsoft.com/office/drawing/2014/main" id="{8ED41083-C675-446E-9F59-326FAAFB0282}"/>
               </a:ext>
             </a:extLst>
           </p:cNvPr>
@@ -3957,45 +4054,15 @@
           <p:nvPr/>
         </p:nvPicPr>
         <p:blipFill>
-          <a:blip r:embed="rId2"/>
+          <a:blip r:embed="rId3" cstate="print"/>
           <a:stretch>
             <a:fillRect/>
           </a:stretch>
         </p:blipFill>
         <p:spPr>
           <a:xfrm>
-            <a:off x="515449" y="1942269"/>
-            <a:ext cx="5436250" cy="3496684"/>
-          </a:xfrm>
-          <a:prstGeom prst="rect">
-            <a:avLst/>
-          </a:prstGeom>
-        </p:spPr>
-      </p:pic>
-      <p:pic>
-        <p:nvPicPr>
-          <p:cNvPr id="16" name="Рисунок 15">
-            <a:extLst>
-              <a:ext uri="{FF2B5EF4-FFF2-40B4-BE49-F238E27FC236}">
-                <a16:creationId xmlns:a16="http://schemas.microsoft.com/office/drawing/2014/main" id="{F75A0F5C-DD10-4595-B0F7-48022A44052E}"/>
-              </a:ext>
-            </a:extLst>
-          </p:cNvPr>
-          <p:cNvPicPr>
-            <a:picLocks noChangeAspect="1"/>
-          </p:cNvPicPr>
-          <p:nvPr/>
-        </p:nvPicPr>
-        <p:blipFill>
-          <a:blip r:embed="rId3"/>
-          <a:stretch>
-            <a:fillRect/>
-          </a:stretch>
-        </p:blipFill>
-        <p:spPr>
-          <a:xfrm>
-            <a:off x="6374259" y="1962328"/>
-            <a:ext cx="5231979" cy="3476624"/>
+            <a:off x="605872" y="4299231"/>
+            <a:ext cx="10779937" cy="760410"/>
           </a:xfrm>
           <a:prstGeom prst="rect">
             <a:avLst/>
@@ -4005,7 +4072,7 @@
     </p:spTree>
     <p:extLst>
       <p:ext uri="{BB962C8B-B14F-4D97-AF65-F5344CB8AC3E}">
-        <p14:creationId xmlns:p14="http://schemas.microsoft.com/office/powerpoint/2010/main" val="3429526972"/>
+        <p14:creationId xmlns:p14="http://schemas.microsoft.com/office/powerpoint/2010/main" val="389551515"/>
       </p:ext>
     </p:extLst>
   </p:cSld>
@@ -4076,9 +4143,9 @@
                 <a:latin typeface="Cascadia Code" panose="020B0609020000020004" pitchFamily="49" charset="0"/>
                 <a:cs typeface="Cascadia Code" panose="020B0609020000020004" pitchFamily="49" charset="0"/>
               </a:rPr>
-              <a:t>Union</a:t>
-            </a:r>
-            <a:endParaRPr lang="ru-BY" b="1" dirty="0">
+              <a:t>Enum</a:t>
+            </a:r>
+            <a:endParaRPr lang="x-none" b="1" dirty="0">
               <a:solidFill>
                 <a:schemeClr val="bg1"/>
               </a:solidFill>
@@ -4124,9 +4191,9 @@
                 <a:latin typeface="Cascadia Code" panose="020B0609020000020004" pitchFamily="49" charset="0"/>
                 <a:cs typeface="Cascadia Code" panose="020B0609020000020004" pitchFamily="49" charset="0"/>
               </a:rPr>
-              <a:t>union.ts</a:t>
-            </a:r>
-            <a:endParaRPr lang="ru-BY" sz="2800" dirty="0"/>
+              <a:t>enum.ts</a:t>
+            </a:r>
+            <a:endParaRPr lang="x-none" sz="2800" dirty="0"/>
           </a:p>
         </p:txBody>
       </p:sp>
@@ -4166,18 +4233,18 @@
                 <a:latin typeface="Cascadia Code" panose="020B0609020000020004" pitchFamily="49" charset="0"/>
                 <a:cs typeface="Cascadia Code" panose="020B0609020000020004" pitchFamily="49" charset="0"/>
               </a:rPr>
-              <a:t>union.js</a:t>
-            </a:r>
-            <a:endParaRPr lang="ru-BY" sz="2800" dirty="0"/>
+              <a:t>enum.js</a:t>
+            </a:r>
+            <a:endParaRPr lang="x-none" sz="2800" dirty="0"/>
           </a:p>
         </p:txBody>
       </p:sp>
       <p:pic>
         <p:nvPicPr>
-          <p:cNvPr id="4" name="Рисунок 3">
-            <a:extLst>
-              <a:ext uri="{FF2B5EF4-FFF2-40B4-BE49-F238E27FC236}">
-                <a16:creationId xmlns:a16="http://schemas.microsoft.com/office/drawing/2014/main" id="{7C45FF6D-9A57-48E1-A93F-01535DF25F6D}"/>
+          <p:cNvPr id="12" name="Рисунок 11">
+            <a:extLst>
+              <a:ext uri="{FF2B5EF4-FFF2-40B4-BE49-F238E27FC236}">
+                <a16:creationId xmlns:a16="http://schemas.microsoft.com/office/drawing/2014/main" id="{92F9D17F-42E5-476B-9369-9AA7C89EEE9F}"/>
               </a:ext>
             </a:extLst>
           </p:cNvPr>
@@ -4187,15 +4254,15 @@
           <p:nvPr/>
         </p:nvPicPr>
         <p:blipFill>
-          <a:blip r:embed="rId2"/>
+          <a:blip r:embed="rId2" cstate="print"/>
           <a:stretch>
             <a:fillRect/>
           </a:stretch>
         </p:blipFill>
         <p:spPr>
           <a:xfrm>
-            <a:off x="440891" y="1962328"/>
-            <a:ext cx="5525908" cy="2365832"/>
+            <a:off x="515449" y="1942269"/>
+            <a:ext cx="5436250" cy="3496684"/>
           </a:xfrm>
           <a:prstGeom prst="rect">
             <a:avLst/>
@@ -4204,10 +4271,10 @@
       </p:pic>
       <p:pic>
         <p:nvPicPr>
-          <p:cNvPr id="6" name="Рисунок 5">
-            <a:extLst>
-              <a:ext uri="{FF2B5EF4-FFF2-40B4-BE49-F238E27FC236}">
-                <a16:creationId xmlns:a16="http://schemas.microsoft.com/office/drawing/2014/main" id="{9993F18F-5D76-41E5-A64A-B0D4621541A1}"/>
+          <p:cNvPr id="16" name="Рисунок 15">
+            <a:extLst>
+              <a:ext uri="{FF2B5EF4-FFF2-40B4-BE49-F238E27FC236}">
+                <a16:creationId xmlns:a16="http://schemas.microsoft.com/office/drawing/2014/main" id="{F75A0F5C-DD10-4595-B0F7-48022A44052E}"/>
               </a:ext>
             </a:extLst>
           </p:cNvPr>
@@ -4217,15 +4284,15 @@
           <p:nvPr/>
         </p:nvPicPr>
         <p:blipFill>
-          <a:blip r:embed="rId3"/>
+          <a:blip r:embed="rId3" cstate="print"/>
           <a:stretch>
             <a:fillRect/>
           </a:stretch>
         </p:blipFill>
         <p:spPr>
           <a:xfrm>
-            <a:off x="6352258" y="1962328"/>
-            <a:ext cx="4039164" cy="2067213"/>
+            <a:off x="6374259" y="1962328"/>
+            <a:ext cx="5231979" cy="3476624"/>
           </a:xfrm>
           <a:prstGeom prst="rect">
             <a:avLst/>
@@ -4235,7 +4302,7 @@
     </p:spTree>
     <p:extLst>
       <p:ext uri="{BB962C8B-B14F-4D97-AF65-F5344CB8AC3E}">
-        <p14:creationId xmlns:p14="http://schemas.microsoft.com/office/powerpoint/2010/main" val="1118688712"/>
+        <p14:creationId xmlns:p14="http://schemas.microsoft.com/office/powerpoint/2010/main" val="3429526972"/>
       </p:ext>
     </p:extLst>
   </p:cSld>
@@ -4306,9 +4373,9 @@
                 <a:latin typeface="Cascadia Code" panose="020B0609020000020004" pitchFamily="49" charset="0"/>
                 <a:cs typeface="Cascadia Code" panose="020B0609020000020004" pitchFamily="49" charset="0"/>
               </a:rPr>
-              <a:t>Any</a:t>
-            </a:r>
-            <a:endParaRPr lang="ru-BY" b="1" dirty="0">
+              <a:t>Union</a:t>
+            </a:r>
+            <a:endParaRPr lang="x-none" b="1" dirty="0">
               <a:solidFill>
                 <a:schemeClr val="bg1"/>
               </a:solidFill>
@@ -4354,9 +4421,9 @@
                 <a:latin typeface="Cascadia Code" panose="020B0609020000020004" pitchFamily="49" charset="0"/>
                 <a:cs typeface="Cascadia Code" panose="020B0609020000020004" pitchFamily="49" charset="0"/>
               </a:rPr>
-              <a:t>any.ts</a:t>
-            </a:r>
-            <a:endParaRPr lang="ru-BY" sz="2800" dirty="0"/>
+              <a:t>union.ts</a:t>
+            </a:r>
+            <a:endParaRPr lang="x-none" sz="2800" dirty="0"/>
           </a:p>
         </p:txBody>
       </p:sp>
@@ -4396,18 +4463,18 @@
                 <a:latin typeface="Cascadia Code" panose="020B0609020000020004" pitchFamily="49" charset="0"/>
                 <a:cs typeface="Cascadia Code" panose="020B0609020000020004" pitchFamily="49" charset="0"/>
               </a:rPr>
-              <a:t>any.js</a:t>
-            </a:r>
-            <a:endParaRPr lang="ru-BY" sz="2800" dirty="0"/>
+              <a:t>union.js</a:t>
+            </a:r>
+            <a:endParaRPr lang="x-none" sz="2800" dirty="0"/>
           </a:p>
         </p:txBody>
       </p:sp>
       <p:pic>
         <p:nvPicPr>
-          <p:cNvPr id="5" name="Рисунок 4">
-            <a:extLst>
-              <a:ext uri="{FF2B5EF4-FFF2-40B4-BE49-F238E27FC236}">
-                <a16:creationId xmlns:a16="http://schemas.microsoft.com/office/drawing/2014/main" id="{C49DE535-DC51-4A42-ADD6-EE5592C2FEC3}"/>
+          <p:cNvPr id="4" name="Рисунок 3">
+            <a:extLst>
+              <a:ext uri="{FF2B5EF4-FFF2-40B4-BE49-F238E27FC236}">
+                <a16:creationId xmlns:a16="http://schemas.microsoft.com/office/drawing/2014/main" id="{7C45FF6D-9A57-48E1-A93F-01535DF25F6D}"/>
               </a:ext>
             </a:extLst>
           </p:cNvPr>
@@ -4417,15 +4484,15 @@
           <p:nvPr/>
         </p:nvPicPr>
         <p:blipFill>
-          <a:blip r:embed="rId2"/>
+          <a:blip r:embed="rId2" cstate="print"/>
           <a:stretch>
             <a:fillRect/>
           </a:stretch>
         </p:blipFill>
         <p:spPr>
           <a:xfrm>
-            <a:off x="462244" y="1962328"/>
-            <a:ext cx="5401429" cy="2048161"/>
+            <a:off x="440891" y="1926816"/>
+            <a:ext cx="5525908" cy="2365832"/>
           </a:xfrm>
           <a:prstGeom prst="rect">
             <a:avLst/>
@@ -4434,10 +4501,10 @@
       </p:pic>
       <p:pic>
         <p:nvPicPr>
-          <p:cNvPr id="10" name="Рисунок 9">
-            <a:extLst>
-              <a:ext uri="{FF2B5EF4-FFF2-40B4-BE49-F238E27FC236}">
-                <a16:creationId xmlns:a16="http://schemas.microsoft.com/office/drawing/2014/main" id="{F67CD299-8D60-4C97-8D27-DEEFEEE5D9B3}"/>
+          <p:cNvPr id="6" name="Рисунок 5">
+            <a:extLst>
+              <a:ext uri="{FF2B5EF4-FFF2-40B4-BE49-F238E27FC236}">
+                <a16:creationId xmlns:a16="http://schemas.microsoft.com/office/drawing/2014/main" id="{9993F18F-5D76-41E5-A64A-B0D4621541A1}"/>
               </a:ext>
             </a:extLst>
           </p:cNvPr>
@@ -4446,15 +4513,16 @@
           </p:cNvPicPr>
           <p:nvPr/>
         </p:nvPicPr>
-        <p:blipFill rotWithShape="1">
-          <a:blip r:embed="rId3"/>
-          <a:srcRect t="8755"/>
-          <a:stretch/>
+        <p:blipFill>
+          <a:blip r:embed="rId3" cstate="print"/>
+          <a:stretch>
+            <a:fillRect/>
+          </a:stretch>
         </p:blipFill>
         <p:spPr>
           <a:xfrm>
-            <a:off x="6328329" y="1952298"/>
-            <a:ext cx="4553585" cy="1573314"/>
+            <a:off x="6352258" y="1962328"/>
+            <a:ext cx="4039164" cy="2067213"/>
           </a:xfrm>
           <a:prstGeom prst="rect">
             <a:avLst/>
@@ -4464,7 +4532,7 @@
     </p:spTree>
     <p:extLst>
       <p:ext uri="{BB962C8B-B14F-4D97-AF65-F5344CB8AC3E}">
-        <p14:creationId xmlns:p14="http://schemas.microsoft.com/office/powerpoint/2010/main" val="2241144173"/>
+        <p14:creationId xmlns:p14="http://schemas.microsoft.com/office/powerpoint/2010/main" val="1118688712"/>
       </p:ext>
     </p:extLst>
   </p:cSld>
@@ -4535,9 +4603,9 @@
                 <a:latin typeface="Cascadia Code" panose="020B0609020000020004" pitchFamily="49" charset="0"/>
                 <a:cs typeface="Cascadia Code" panose="020B0609020000020004" pitchFamily="49" charset="0"/>
               </a:rPr>
-              <a:t>Void</a:t>
-            </a:r>
-            <a:endParaRPr lang="ru-BY" b="1" dirty="0">
+              <a:t>Any</a:t>
+            </a:r>
+            <a:endParaRPr lang="x-none" b="1" dirty="0">
               <a:solidFill>
                 <a:schemeClr val="bg1"/>
               </a:solidFill>
@@ -4583,9 +4651,9 @@
                 <a:latin typeface="Cascadia Code" panose="020B0609020000020004" pitchFamily="49" charset="0"/>
                 <a:cs typeface="Cascadia Code" panose="020B0609020000020004" pitchFamily="49" charset="0"/>
               </a:rPr>
-              <a:t>void.ts</a:t>
-            </a:r>
-            <a:endParaRPr lang="ru-BY" sz="2800" dirty="0"/>
+              <a:t>any.ts</a:t>
+            </a:r>
+            <a:endParaRPr lang="x-none" sz="2800" dirty="0"/>
           </a:p>
         </p:txBody>
       </p:sp>
@@ -4603,7 +4671,7 @@
         </p:nvSpPr>
         <p:spPr>
           <a:xfrm>
-            <a:off x="6700393" y="1425466"/>
+            <a:off x="6277826" y="1419048"/>
             <a:ext cx="6094520" cy="523220"/>
           </a:xfrm>
           <a:prstGeom prst="rect">
@@ -4625,9 +4693,238 @@
                 <a:latin typeface="Cascadia Code" panose="020B0609020000020004" pitchFamily="49" charset="0"/>
                 <a:cs typeface="Cascadia Code" panose="020B0609020000020004" pitchFamily="49" charset="0"/>
               </a:rPr>
+              <a:t>any.js</a:t>
+            </a:r>
+            <a:endParaRPr lang="x-none" sz="2800" dirty="0"/>
+          </a:p>
+        </p:txBody>
+      </p:sp>
+      <p:pic>
+        <p:nvPicPr>
+          <p:cNvPr id="5" name="Рисунок 4">
+            <a:extLst>
+              <a:ext uri="{FF2B5EF4-FFF2-40B4-BE49-F238E27FC236}">
+                <a16:creationId xmlns:a16="http://schemas.microsoft.com/office/drawing/2014/main" id="{C49DE535-DC51-4A42-ADD6-EE5592C2FEC3}"/>
+              </a:ext>
+            </a:extLst>
+          </p:cNvPr>
+          <p:cNvPicPr>
+            <a:picLocks noChangeAspect="1"/>
+          </p:cNvPicPr>
+          <p:nvPr/>
+        </p:nvPicPr>
+        <p:blipFill>
+          <a:blip r:embed="rId2" cstate="print"/>
+          <a:stretch>
+            <a:fillRect/>
+          </a:stretch>
+        </p:blipFill>
+        <p:spPr>
+          <a:xfrm>
+            <a:off x="462244" y="1962328"/>
+            <a:ext cx="5401429" cy="2048161"/>
+          </a:xfrm>
+          <a:prstGeom prst="rect">
+            <a:avLst/>
+          </a:prstGeom>
+        </p:spPr>
+      </p:pic>
+      <p:pic>
+        <p:nvPicPr>
+          <p:cNvPr id="10" name="Рисунок 9">
+            <a:extLst>
+              <a:ext uri="{FF2B5EF4-FFF2-40B4-BE49-F238E27FC236}">
+                <a16:creationId xmlns:a16="http://schemas.microsoft.com/office/drawing/2014/main" id="{F67CD299-8D60-4C97-8D27-DEEFEEE5D9B3}"/>
+              </a:ext>
+            </a:extLst>
+          </p:cNvPr>
+          <p:cNvPicPr>
+            <a:picLocks noChangeAspect="1"/>
+          </p:cNvPicPr>
+          <p:nvPr/>
+        </p:nvPicPr>
+        <p:blipFill rotWithShape="1">
+          <a:blip r:embed="rId3" cstate="print"/>
+          <a:srcRect t="8755"/>
+          <a:stretch/>
+        </p:blipFill>
+        <p:spPr>
+          <a:xfrm>
+            <a:off x="6328329" y="1952298"/>
+            <a:ext cx="4553585" cy="1573314"/>
+          </a:xfrm>
+          <a:prstGeom prst="rect">
+            <a:avLst/>
+          </a:prstGeom>
+        </p:spPr>
+      </p:pic>
+    </p:spTree>
+    <p:extLst>
+      <p:ext uri="{BB962C8B-B14F-4D97-AF65-F5344CB8AC3E}">
+        <p14:creationId xmlns:p14="http://schemas.microsoft.com/office/powerpoint/2010/main" val="2241144173"/>
+      </p:ext>
+    </p:extLst>
+  </p:cSld>
+  <p:clrMapOvr>
+    <a:masterClrMapping/>
+  </p:clrMapOvr>
+</p:sld>
+</file>
+
+<file path=ppt/slides/slide15.xml><?xml version="1.0" encoding="utf-8"?>
+<p:sld xmlns:a="http://schemas.openxmlformats.org/drawingml/2006/main" xmlns:r="http://schemas.openxmlformats.org/officeDocument/2006/relationships" xmlns:p="http://schemas.openxmlformats.org/presentationml/2006/main">
+  <p:cSld>
+    <p:spTree>
+      <p:nvGrpSpPr>
+        <p:cNvPr id="1" name=""/>
+        <p:cNvGrpSpPr/>
+        <p:nvPr/>
+      </p:nvGrpSpPr>
+      <p:grpSpPr>
+        <a:xfrm>
+          <a:off x="0" y="0"/>
+          <a:ext cx="0" cy="0"/>
+          <a:chOff x="0" y="0"/>
+          <a:chExt cx="0" cy="0"/>
+        </a:xfrm>
+      </p:grpSpPr>
+      <p:sp>
+        <p:nvSpPr>
+          <p:cNvPr id="2" name="Заголовок 1">
+            <a:extLst>
+              <a:ext uri="{FF2B5EF4-FFF2-40B4-BE49-F238E27FC236}">
+                <a16:creationId xmlns:a16="http://schemas.microsoft.com/office/drawing/2014/main" id="{BB669C35-7793-4085-8D87-CC7BDE8CB586}"/>
+              </a:ext>
+            </a:extLst>
+          </p:cNvPr>
+          <p:cNvSpPr>
+            <a:spLocks noGrp="1"/>
+          </p:cNvSpPr>
+          <p:nvPr>
+            <p:ph type="title"/>
+          </p:nvPr>
+        </p:nvSpPr>
+        <p:spPr>
+          <a:xfrm>
+            <a:off x="605873" y="103515"/>
+            <a:ext cx="10515600" cy="1325563"/>
+          </a:xfrm>
+        </p:spPr>
+        <p:txBody>
+          <a:bodyPr/>
+          <a:lstStyle/>
+          <a:p>
+            <a:r>
+              <a:rPr lang="ru-RU" b="1" dirty="0">
+                <a:solidFill>
+                  <a:schemeClr val="bg1"/>
+                </a:solidFill>
+                <a:latin typeface="Cascadia Code" panose="020B0609020000020004" pitchFamily="49" charset="0"/>
+                <a:cs typeface="Cascadia Code" panose="020B0609020000020004" pitchFamily="49" charset="0"/>
+              </a:rPr>
+              <a:t>Тип данных </a:t>
+            </a:r>
+            <a:r>
+              <a:rPr lang="en-US" b="1" dirty="0">
+                <a:solidFill>
+                  <a:schemeClr val="bg1"/>
+                </a:solidFill>
+                <a:latin typeface="Cascadia Code" panose="020B0609020000020004" pitchFamily="49" charset="0"/>
+                <a:cs typeface="Cascadia Code" panose="020B0609020000020004" pitchFamily="49" charset="0"/>
+              </a:rPr>
+              <a:t>Void</a:t>
+            </a:r>
+            <a:endParaRPr lang="x-none" b="1" dirty="0">
+              <a:solidFill>
+                <a:schemeClr val="bg1"/>
+              </a:solidFill>
+              <a:latin typeface="Cascadia Code" panose="020B0609020000020004" pitchFamily="49" charset="0"/>
+              <a:cs typeface="Cascadia Code" panose="020B0609020000020004" pitchFamily="49" charset="0"/>
+            </a:endParaRPr>
+          </a:p>
+        </p:txBody>
+      </p:sp>
+      <p:sp>
+        <p:nvSpPr>
+          <p:cNvPr id="7" name="TextBox 6">
+            <a:extLst>
+              <a:ext uri="{FF2B5EF4-FFF2-40B4-BE49-F238E27FC236}">
+                <a16:creationId xmlns:a16="http://schemas.microsoft.com/office/drawing/2014/main" id="{7C4870F7-81BB-468B-A5AF-27FA57952247}"/>
+              </a:ext>
+            </a:extLst>
+          </p:cNvPr>
+          <p:cNvSpPr txBox="1"/>
+          <p:nvPr/>
+        </p:nvSpPr>
+        <p:spPr>
+          <a:xfrm>
+            <a:off x="357010" y="1429078"/>
+            <a:ext cx="6094520" cy="523220"/>
+          </a:xfrm>
+          <a:prstGeom prst="rect">
+            <a:avLst/>
+          </a:prstGeom>
+          <a:noFill/>
+        </p:spPr>
+        <p:txBody>
+          <a:bodyPr wrap="square">
+            <a:spAutoFit/>
+          </a:bodyPr>
+          <a:lstStyle/>
+          <a:p>
+            <a:r>
+              <a:rPr lang="en-US" sz="2800" b="1" dirty="0" err="1">
+                <a:solidFill>
+                  <a:schemeClr val="bg1"/>
+                </a:solidFill>
+                <a:latin typeface="Cascadia Code" panose="020B0609020000020004" pitchFamily="49" charset="0"/>
+                <a:cs typeface="Cascadia Code" panose="020B0609020000020004" pitchFamily="49" charset="0"/>
+              </a:rPr>
+              <a:t>void.ts</a:t>
+            </a:r>
+            <a:endParaRPr lang="x-none" sz="2800" dirty="0"/>
+          </a:p>
+        </p:txBody>
+      </p:sp>
+      <p:sp>
+        <p:nvSpPr>
+          <p:cNvPr id="9" name="TextBox 8">
+            <a:extLst>
+              <a:ext uri="{FF2B5EF4-FFF2-40B4-BE49-F238E27FC236}">
+                <a16:creationId xmlns:a16="http://schemas.microsoft.com/office/drawing/2014/main" id="{22DD91EA-BD25-4083-AFEB-AD31B5980BE2}"/>
+              </a:ext>
+            </a:extLst>
+          </p:cNvPr>
+          <p:cNvSpPr txBox="1"/>
+          <p:nvPr/>
+        </p:nvSpPr>
+        <p:spPr>
+          <a:xfrm>
+            <a:off x="6700393" y="1425466"/>
+            <a:ext cx="6094520" cy="523220"/>
+          </a:xfrm>
+          <a:prstGeom prst="rect">
+            <a:avLst/>
+          </a:prstGeom>
+          <a:noFill/>
+        </p:spPr>
+        <p:txBody>
+          <a:bodyPr wrap="square">
+            <a:spAutoFit/>
+          </a:bodyPr>
+          <a:lstStyle/>
+          <a:p>
+            <a:r>
+              <a:rPr lang="en-US" sz="2800" b="1" dirty="0">
+                <a:solidFill>
+                  <a:schemeClr val="bg1"/>
+                </a:solidFill>
+                <a:latin typeface="Cascadia Code" panose="020B0609020000020004" pitchFamily="49" charset="0"/>
+                <a:cs typeface="Cascadia Code" panose="020B0609020000020004" pitchFamily="49" charset="0"/>
+              </a:rPr>
               <a:t>void.js</a:t>
             </a:r>
-            <a:endParaRPr lang="ru-BY" sz="2800" dirty="0"/>
+            <a:endParaRPr lang="x-none" sz="2800" dirty="0"/>
           </a:p>
         </p:txBody>
       </p:sp>
@@ -4637,6 +4934,236 @@
             <a:extLst>
               <a:ext uri="{FF2B5EF4-FFF2-40B4-BE49-F238E27FC236}">
                 <a16:creationId xmlns:a16="http://schemas.microsoft.com/office/drawing/2014/main" id="{2CE3E528-61AC-4785-9745-4DF23A780537}"/>
+              </a:ext>
+            </a:extLst>
+          </p:cNvPr>
+          <p:cNvPicPr>
+            <a:picLocks noChangeAspect="1"/>
+          </p:cNvPicPr>
+          <p:nvPr/>
+        </p:nvPicPr>
+        <p:blipFill>
+          <a:blip r:embed="rId2" cstate="print"/>
+          <a:stretch>
+            <a:fillRect/>
+          </a:stretch>
+        </p:blipFill>
+        <p:spPr>
+          <a:xfrm>
+            <a:off x="452645" y="1962328"/>
+            <a:ext cx="6125430" cy="1981477"/>
+          </a:xfrm>
+          <a:prstGeom prst="rect">
+            <a:avLst/>
+          </a:prstGeom>
+        </p:spPr>
+      </p:pic>
+      <p:pic>
+        <p:nvPicPr>
+          <p:cNvPr id="8" name="Рисунок 7">
+            <a:extLst>
+              <a:ext uri="{FF2B5EF4-FFF2-40B4-BE49-F238E27FC236}">
+                <a16:creationId xmlns:a16="http://schemas.microsoft.com/office/drawing/2014/main" id="{7D573F6C-EFB6-4FB2-95AA-582A944ABC68}"/>
+              </a:ext>
+            </a:extLst>
+          </p:cNvPr>
+          <p:cNvPicPr>
+            <a:picLocks noChangeAspect="1"/>
+          </p:cNvPicPr>
+          <p:nvPr/>
+        </p:nvPicPr>
+        <p:blipFill>
+          <a:blip r:embed="rId3" cstate="print"/>
+          <a:stretch>
+            <a:fillRect/>
+          </a:stretch>
+        </p:blipFill>
+        <p:spPr>
+          <a:xfrm>
+            <a:off x="6853900" y="1962328"/>
+            <a:ext cx="4153480" cy="1743318"/>
+          </a:xfrm>
+          <a:prstGeom prst="rect">
+            <a:avLst/>
+          </a:prstGeom>
+        </p:spPr>
+      </p:pic>
+    </p:spTree>
+    <p:extLst>
+      <p:ext uri="{BB962C8B-B14F-4D97-AF65-F5344CB8AC3E}">
+        <p14:creationId xmlns:p14="http://schemas.microsoft.com/office/powerpoint/2010/main" val="2343126077"/>
+      </p:ext>
+    </p:extLst>
+  </p:cSld>
+  <p:clrMapOvr>
+    <a:masterClrMapping/>
+  </p:clrMapOvr>
+</p:sld>
+</file>
+
+<file path=ppt/slides/slide16.xml><?xml version="1.0" encoding="utf-8"?>
+<p:sld xmlns:a="http://schemas.openxmlformats.org/drawingml/2006/main" xmlns:r="http://schemas.openxmlformats.org/officeDocument/2006/relationships" xmlns:p="http://schemas.openxmlformats.org/presentationml/2006/main">
+  <p:cSld>
+    <p:spTree>
+      <p:nvGrpSpPr>
+        <p:cNvPr id="1" name=""/>
+        <p:cNvGrpSpPr/>
+        <p:nvPr/>
+      </p:nvGrpSpPr>
+      <p:grpSpPr>
+        <a:xfrm>
+          <a:off x="0" y="0"/>
+          <a:ext cx="0" cy="0"/>
+          <a:chOff x="0" y="0"/>
+          <a:chExt cx="0" cy="0"/>
+        </a:xfrm>
+      </p:grpSpPr>
+      <p:sp>
+        <p:nvSpPr>
+          <p:cNvPr id="2" name="Заголовок 1">
+            <a:extLst>
+              <a:ext uri="{FF2B5EF4-FFF2-40B4-BE49-F238E27FC236}">
+                <a16:creationId xmlns:a16="http://schemas.microsoft.com/office/drawing/2014/main" id="{BB669C35-7793-4085-8D87-CC7BDE8CB586}"/>
+              </a:ext>
+            </a:extLst>
+          </p:cNvPr>
+          <p:cNvSpPr>
+            <a:spLocks noGrp="1"/>
+          </p:cNvSpPr>
+          <p:nvPr>
+            <p:ph type="title"/>
+          </p:nvPr>
+        </p:nvSpPr>
+        <p:spPr>
+          <a:xfrm>
+            <a:off x="605873" y="103515"/>
+            <a:ext cx="10515600" cy="1325563"/>
+          </a:xfrm>
+        </p:spPr>
+        <p:txBody>
+          <a:bodyPr/>
+          <a:lstStyle/>
+          <a:p>
+            <a:r>
+              <a:rPr lang="ru-RU" b="1" dirty="0">
+                <a:solidFill>
+                  <a:schemeClr val="bg1"/>
+                </a:solidFill>
+                <a:latin typeface="Cascadia Code" panose="020B0609020000020004" pitchFamily="49" charset="0"/>
+                <a:cs typeface="Cascadia Code" panose="020B0609020000020004" pitchFamily="49" charset="0"/>
+              </a:rPr>
+              <a:t>Тип данных </a:t>
+            </a:r>
+            <a:r>
+              <a:rPr lang="en-US" b="1" dirty="0">
+                <a:solidFill>
+                  <a:schemeClr val="bg1"/>
+                </a:solidFill>
+                <a:latin typeface="Cascadia Code" panose="020B0609020000020004" pitchFamily="49" charset="0"/>
+                <a:cs typeface="Cascadia Code" panose="020B0609020000020004" pitchFamily="49" charset="0"/>
+              </a:rPr>
+              <a:t>Never</a:t>
+            </a:r>
+            <a:endParaRPr lang="x-none" b="1" dirty="0">
+              <a:solidFill>
+                <a:schemeClr val="bg1"/>
+              </a:solidFill>
+              <a:latin typeface="Cascadia Code" panose="020B0609020000020004" pitchFamily="49" charset="0"/>
+              <a:cs typeface="Cascadia Code" panose="020B0609020000020004" pitchFamily="49" charset="0"/>
+            </a:endParaRPr>
+          </a:p>
+        </p:txBody>
+      </p:sp>
+      <p:sp>
+        <p:nvSpPr>
+          <p:cNvPr id="7" name="TextBox 6">
+            <a:extLst>
+              <a:ext uri="{FF2B5EF4-FFF2-40B4-BE49-F238E27FC236}">
+                <a16:creationId xmlns:a16="http://schemas.microsoft.com/office/drawing/2014/main" id="{7C4870F7-81BB-468B-A5AF-27FA57952247}"/>
+              </a:ext>
+            </a:extLst>
+          </p:cNvPr>
+          <p:cNvSpPr txBox="1"/>
+          <p:nvPr/>
+        </p:nvSpPr>
+        <p:spPr>
+          <a:xfrm>
+            <a:off x="449343" y="1163856"/>
+            <a:ext cx="6094520" cy="523220"/>
+          </a:xfrm>
+          <a:prstGeom prst="rect">
+            <a:avLst/>
+          </a:prstGeom>
+          <a:noFill/>
+        </p:spPr>
+        <p:txBody>
+          <a:bodyPr wrap="square">
+            <a:spAutoFit/>
+          </a:bodyPr>
+          <a:lstStyle/>
+          <a:p>
+            <a:r>
+              <a:rPr lang="en-US" sz="2800" b="1" dirty="0" err="1">
+                <a:solidFill>
+                  <a:schemeClr val="bg1"/>
+                </a:solidFill>
+                <a:latin typeface="Cascadia Code" panose="020B0609020000020004" pitchFamily="49" charset="0"/>
+                <a:cs typeface="Cascadia Code" panose="020B0609020000020004" pitchFamily="49" charset="0"/>
+              </a:rPr>
+              <a:t>never.ts</a:t>
+            </a:r>
+            <a:endParaRPr lang="x-none" sz="2800" dirty="0"/>
+          </a:p>
+        </p:txBody>
+      </p:sp>
+      <p:sp>
+        <p:nvSpPr>
+          <p:cNvPr id="9" name="TextBox 8">
+            <a:extLst>
+              <a:ext uri="{FF2B5EF4-FFF2-40B4-BE49-F238E27FC236}">
+                <a16:creationId xmlns:a16="http://schemas.microsoft.com/office/drawing/2014/main" id="{22DD91EA-BD25-4083-AFEB-AD31B5980BE2}"/>
+              </a:ext>
+            </a:extLst>
+          </p:cNvPr>
+          <p:cNvSpPr txBox="1"/>
+          <p:nvPr/>
+        </p:nvSpPr>
+        <p:spPr>
+          <a:xfrm>
+            <a:off x="6720309" y="1163856"/>
+            <a:ext cx="6094520" cy="523220"/>
+          </a:xfrm>
+          <a:prstGeom prst="rect">
+            <a:avLst/>
+          </a:prstGeom>
+          <a:noFill/>
+        </p:spPr>
+        <p:txBody>
+          <a:bodyPr wrap="square">
+            <a:spAutoFit/>
+          </a:bodyPr>
+          <a:lstStyle/>
+          <a:p>
+            <a:r>
+              <a:rPr lang="en-US" sz="2800" b="1" dirty="0">
+                <a:solidFill>
+                  <a:schemeClr val="bg1"/>
+                </a:solidFill>
+                <a:latin typeface="Cascadia Code" panose="020B0609020000020004" pitchFamily="49" charset="0"/>
+                <a:cs typeface="Cascadia Code" panose="020B0609020000020004" pitchFamily="49" charset="0"/>
+              </a:rPr>
+              <a:t>never.js</a:t>
+            </a:r>
+            <a:endParaRPr lang="x-none" sz="2800" dirty="0"/>
+          </a:p>
+        </p:txBody>
+      </p:sp>
+      <p:pic>
+        <p:nvPicPr>
+          <p:cNvPr id="5" name="Рисунок 4">
+            <a:extLst>
+              <a:ext uri="{FF2B5EF4-FFF2-40B4-BE49-F238E27FC236}">
+                <a16:creationId xmlns:a16="http://schemas.microsoft.com/office/drawing/2014/main" id="{2DB98DA1-120F-49DC-92A3-496C8AE559EE}"/>
               </a:ext>
             </a:extLst>
           </p:cNvPr>
@@ -4653,8 +5180,8 @@
         </p:blipFill>
         <p:spPr>
           <a:xfrm>
-            <a:off x="452645" y="1962328"/>
-            <a:ext cx="6125430" cy="1981477"/>
+            <a:off x="449343" y="1713810"/>
+            <a:ext cx="4791744" cy="2067213"/>
           </a:xfrm>
           <a:prstGeom prst="rect">
             <a:avLst/>
@@ -4663,10 +5190,10 @@
       </p:pic>
       <p:pic>
         <p:nvPicPr>
-          <p:cNvPr id="8" name="Рисунок 7">
-            <a:extLst>
-              <a:ext uri="{FF2B5EF4-FFF2-40B4-BE49-F238E27FC236}">
-                <a16:creationId xmlns:a16="http://schemas.microsoft.com/office/drawing/2014/main" id="{7D573F6C-EFB6-4FB2-95AA-582A944ABC68}"/>
+          <p:cNvPr id="10" name="Рисунок 9">
+            <a:extLst>
+              <a:ext uri="{FF2B5EF4-FFF2-40B4-BE49-F238E27FC236}">
+                <a16:creationId xmlns:a16="http://schemas.microsoft.com/office/drawing/2014/main" id="{75141726-F517-4834-BFB0-69BB4B2CCDFA}"/>
               </a:ext>
             </a:extLst>
           </p:cNvPr>
@@ -4683,8 +5210,919 @@
         </p:blipFill>
         <p:spPr>
           <a:xfrm>
-            <a:off x="6853900" y="1962328"/>
-            <a:ext cx="4153480" cy="1743318"/>
+            <a:off x="6720309" y="1713809"/>
+            <a:ext cx="4974232" cy="2067213"/>
+          </a:xfrm>
+          <a:prstGeom prst="rect">
+            <a:avLst/>
+          </a:prstGeom>
+        </p:spPr>
+      </p:pic>
+      <p:sp>
+        <p:nvSpPr>
+          <p:cNvPr id="12" name="TextBox 11">
+            <a:extLst>
+              <a:ext uri="{FF2B5EF4-FFF2-40B4-BE49-F238E27FC236}">
+                <a16:creationId xmlns:a16="http://schemas.microsoft.com/office/drawing/2014/main" id="{7517C9D9-1457-4CE5-BACD-7302477B0A76}"/>
+              </a:ext>
+            </a:extLst>
+          </p:cNvPr>
+          <p:cNvSpPr txBox="1"/>
+          <p:nvPr/>
+        </p:nvSpPr>
+        <p:spPr>
+          <a:xfrm>
+            <a:off x="605873" y="4076829"/>
+            <a:ext cx="11156012" cy="2308324"/>
+          </a:xfrm>
+          <a:prstGeom prst="rect">
+            <a:avLst/>
+          </a:prstGeom>
+          <a:noFill/>
+        </p:spPr>
+        <p:txBody>
+          <a:bodyPr wrap="square">
+            <a:spAutoFit/>
+          </a:bodyPr>
+          <a:lstStyle/>
+          <a:p>
+            <a:r>
+              <a:rPr lang="en-US" sz="2400" b="1" dirty="0">
+                <a:solidFill>
+                  <a:schemeClr val="bg1"/>
+                </a:solidFill>
+                <a:latin typeface="Cascadia Code" panose="020B0609020000020004" pitchFamily="49" charset="0"/>
+                <a:cs typeface="Cascadia Code" panose="020B0609020000020004" pitchFamily="49" charset="0"/>
+              </a:rPr>
+              <a:t>Never </a:t>
+            </a:r>
+            <a:r>
+              <a:rPr lang="ru-RU" sz="2400" b="1" dirty="0">
+                <a:solidFill>
+                  <a:schemeClr val="bg1"/>
+                </a:solidFill>
+                <a:latin typeface="Cascadia Code" panose="020B0609020000020004" pitchFamily="49" charset="0"/>
+                <a:cs typeface="Cascadia Code" panose="020B0609020000020004" pitchFamily="49" charset="0"/>
+              </a:rPr>
+              <a:t>используется, когда функция гарантированно ничего не возвращает. Важным условием для </a:t>
+            </a:r>
+            <a:r>
+              <a:rPr lang="en-US" sz="2400" b="1" dirty="0">
+                <a:solidFill>
+                  <a:schemeClr val="bg1"/>
+                </a:solidFill>
+                <a:latin typeface="Cascadia Code" panose="020B0609020000020004" pitchFamily="49" charset="0"/>
+                <a:cs typeface="Cascadia Code" panose="020B0609020000020004" pitchFamily="49" charset="0"/>
+              </a:rPr>
+              <a:t>never </a:t>
+            </a:r>
+            <a:r>
+              <a:rPr lang="ru-RU" sz="2400" b="1" dirty="0">
+                <a:solidFill>
+                  <a:schemeClr val="bg1"/>
+                </a:solidFill>
+                <a:latin typeface="Cascadia Code" panose="020B0609020000020004" pitchFamily="49" charset="0"/>
+                <a:cs typeface="Cascadia Code" panose="020B0609020000020004" pitchFamily="49" charset="0"/>
+              </a:rPr>
+              <a:t>является отсутствие нормального завершения функции!</a:t>
+            </a:r>
+          </a:p>
+          <a:p>
+            <a:endParaRPr lang="ru-RU" sz="2400" b="1" dirty="0">
+              <a:solidFill>
+                <a:schemeClr val="bg1"/>
+              </a:solidFill>
+              <a:latin typeface="Cascadia Code" panose="020B0609020000020004" pitchFamily="49" charset="0"/>
+              <a:cs typeface="Cascadia Code" panose="020B0609020000020004" pitchFamily="49" charset="0"/>
+            </a:endParaRPr>
+          </a:p>
+          <a:p>
+            <a:r>
+              <a:rPr lang="ru-RU" sz="2400" b="1" dirty="0">
+                <a:solidFill>
+                  <a:schemeClr val="bg1"/>
+                </a:solidFill>
+                <a:latin typeface="Cascadia Code" panose="020B0609020000020004" pitchFamily="49" charset="0"/>
+                <a:cs typeface="Cascadia Code" panose="020B0609020000020004" pitchFamily="49" charset="0"/>
+              </a:rPr>
+              <a:t>Разница между </a:t>
+            </a:r>
+            <a:r>
+              <a:rPr lang="en-US" sz="2400" b="1" dirty="0">
+                <a:solidFill>
+                  <a:schemeClr val="bg1"/>
+                </a:solidFill>
+                <a:latin typeface="Cascadia Code" panose="020B0609020000020004" pitchFamily="49" charset="0"/>
+                <a:cs typeface="Cascadia Code" panose="020B0609020000020004" pitchFamily="49" charset="0"/>
+              </a:rPr>
+              <a:t>void </a:t>
+            </a:r>
+            <a:r>
+              <a:rPr lang="ru-RU" sz="2400" b="1" dirty="0">
+                <a:solidFill>
+                  <a:schemeClr val="bg1"/>
+                </a:solidFill>
+                <a:latin typeface="Cascadia Code" panose="020B0609020000020004" pitchFamily="49" charset="0"/>
+                <a:cs typeface="Cascadia Code" panose="020B0609020000020004" pitchFamily="49" charset="0"/>
+              </a:rPr>
+              <a:t>и</a:t>
+            </a:r>
+            <a:r>
+              <a:rPr lang="en-US" sz="2400" b="1" dirty="0">
+                <a:solidFill>
+                  <a:schemeClr val="bg1"/>
+                </a:solidFill>
+                <a:latin typeface="Cascadia Code" panose="020B0609020000020004" pitchFamily="49" charset="0"/>
+                <a:cs typeface="Cascadia Code" panose="020B0609020000020004" pitchFamily="49" charset="0"/>
+              </a:rPr>
+              <a:t> never</a:t>
+            </a:r>
+            <a:r>
+              <a:rPr lang="ru-RU" sz="2400" b="1" dirty="0">
+                <a:solidFill>
+                  <a:schemeClr val="bg1"/>
+                </a:solidFill>
+                <a:latin typeface="Cascadia Code" panose="020B0609020000020004" pitchFamily="49" charset="0"/>
+                <a:cs typeface="Cascadia Code" panose="020B0609020000020004" pitchFamily="49" charset="0"/>
+              </a:rPr>
+              <a:t> в том, что </a:t>
+            </a:r>
+            <a:r>
+              <a:rPr lang="en-US" sz="2400" b="1" dirty="0">
+                <a:solidFill>
+                  <a:schemeClr val="bg1"/>
+                </a:solidFill>
+                <a:latin typeface="Cascadia Code" panose="020B0609020000020004" pitchFamily="49" charset="0"/>
+                <a:cs typeface="Cascadia Code" panose="020B0609020000020004" pitchFamily="49" charset="0"/>
+              </a:rPr>
+              <a:t>void </a:t>
+            </a:r>
+            <a:r>
+              <a:rPr lang="ru-RU" sz="2400" b="1" dirty="0">
+                <a:solidFill>
+                  <a:schemeClr val="bg1"/>
+                </a:solidFill>
+                <a:latin typeface="Cascadia Code" panose="020B0609020000020004" pitchFamily="49" charset="0"/>
+                <a:cs typeface="Cascadia Code" panose="020B0609020000020004" pitchFamily="49" charset="0"/>
+              </a:rPr>
+              <a:t>может принимать </a:t>
+            </a:r>
+            <a:r>
+              <a:rPr lang="en-US" sz="2400" b="1" dirty="0">
+                <a:solidFill>
+                  <a:schemeClr val="bg1"/>
+                </a:solidFill>
+                <a:latin typeface="Cascadia Code" panose="020B0609020000020004" pitchFamily="49" charset="0"/>
+                <a:cs typeface="Cascadia Code" panose="020B0609020000020004" pitchFamily="49" charset="0"/>
+              </a:rPr>
+              <a:t>null </a:t>
+            </a:r>
+            <a:r>
+              <a:rPr lang="ru-RU" sz="2400" b="1" dirty="0">
+                <a:solidFill>
+                  <a:schemeClr val="bg1"/>
+                </a:solidFill>
+                <a:latin typeface="Cascadia Code" panose="020B0609020000020004" pitchFamily="49" charset="0"/>
+                <a:cs typeface="Cascadia Code" panose="020B0609020000020004" pitchFamily="49" charset="0"/>
+              </a:rPr>
+              <a:t>или </a:t>
+            </a:r>
+            <a:r>
+              <a:rPr lang="en-US" sz="2400" b="1" dirty="0">
+                <a:solidFill>
+                  <a:schemeClr val="bg1"/>
+                </a:solidFill>
+                <a:latin typeface="Cascadia Code" panose="020B0609020000020004" pitchFamily="49" charset="0"/>
+                <a:cs typeface="Cascadia Code" panose="020B0609020000020004" pitchFamily="49" charset="0"/>
+              </a:rPr>
+              <a:t>undefined,</a:t>
+            </a:r>
+            <a:r>
+              <a:rPr lang="ru-RU" sz="2400" b="1" dirty="0">
+                <a:solidFill>
+                  <a:schemeClr val="bg1"/>
+                </a:solidFill>
+                <a:latin typeface="Cascadia Code" panose="020B0609020000020004" pitchFamily="49" charset="0"/>
+                <a:cs typeface="Cascadia Code" panose="020B0609020000020004" pitchFamily="49" charset="0"/>
+              </a:rPr>
+              <a:t> в то время как </a:t>
+            </a:r>
+            <a:r>
+              <a:rPr lang="en-US" sz="2400" b="1" dirty="0">
+                <a:solidFill>
+                  <a:schemeClr val="bg1"/>
+                </a:solidFill>
+                <a:latin typeface="Cascadia Code" panose="020B0609020000020004" pitchFamily="49" charset="0"/>
+                <a:cs typeface="Cascadia Code" panose="020B0609020000020004" pitchFamily="49" charset="0"/>
+              </a:rPr>
+              <a:t>never </a:t>
+            </a:r>
+            <a:r>
+              <a:rPr lang="ru-RU" sz="2400" b="1" dirty="0">
+                <a:solidFill>
+                  <a:schemeClr val="bg1"/>
+                </a:solidFill>
+                <a:latin typeface="Cascadia Code" panose="020B0609020000020004" pitchFamily="49" charset="0"/>
+                <a:cs typeface="Cascadia Code" panose="020B0609020000020004" pitchFamily="49" charset="0"/>
+              </a:rPr>
+              <a:t>- НИЧЕГО.</a:t>
+            </a:r>
+            <a:endParaRPr lang="ru-BY" sz="2400" dirty="0"/>
+          </a:p>
+        </p:txBody>
+      </p:sp>
+    </p:spTree>
+    <p:extLst>
+      <p:ext uri="{BB962C8B-B14F-4D97-AF65-F5344CB8AC3E}">
+        <p14:creationId xmlns:p14="http://schemas.microsoft.com/office/powerpoint/2010/main" val="1600344377"/>
+      </p:ext>
+    </p:extLst>
+  </p:cSld>
+  <p:clrMapOvr>
+    <a:masterClrMapping/>
+  </p:clrMapOvr>
+</p:sld>
+</file>
+
+<file path=ppt/slides/slide17.xml><?xml version="1.0" encoding="utf-8"?>
+<p:sld xmlns:a="http://schemas.openxmlformats.org/drawingml/2006/main" xmlns:r="http://schemas.openxmlformats.org/officeDocument/2006/relationships" xmlns:p="http://schemas.openxmlformats.org/presentationml/2006/main">
+  <p:cSld>
+    <p:spTree>
+      <p:nvGrpSpPr>
+        <p:cNvPr id="1" name=""/>
+        <p:cNvGrpSpPr/>
+        <p:nvPr/>
+      </p:nvGrpSpPr>
+      <p:grpSpPr>
+        <a:xfrm>
+          <a:off x="0" y="0"/>
+          <a:ext cx="0" cy="0"/>
+          <a:chOff x="0" y="0"/>
+          <a:chExt cx="0" cy="0"/>
+        </a:xfrm>
+      </p:grpSpPr>
+      <p:sp>
+        <p:nvSpPr>
+          <p:cNvPr id="2" name="Заголовок 1"/>
+          <p:cNvSpPr>
+            <a:spLocks noGrp="1"/>
+          </p:cNvSpPr>
+          <p:nvPr>
+            <p:ph type="title"/>
+          </p:nvPr>
+        </p:nvSpPr>
+        <p:spPr/>
+        <p:txBody>
+          <a:bodyPr/>
+          <a:lstStyle/>
+          <a:p>
+            <a:r>
+              <a:rPr lang="ru-RU" b="1" dirty="0">
+                <a:solidFill>
+                  <a:schemeClr val="bg1"/>
+                </a:solidFill>
+                <a:latin typeface="Cascadia Code" pitchFamily="49" charset="0"/>
+                <a:cs typeface="Cascadia Code" pitchFamily="49" charset="0"/>
+              </a:rPr>
+              <a:t>Функции</a:t>
+            </a:r>
+          </a:p>
+        </p:txBody>
+      </p:sp>
+      <p:sp>
+        <p:nvSpPr>
+          <p:cNvPr id="3" name="Содержимое 2"/>
+          <p:cNvSpPr>
+            <a:spLocks noGrp="1"/>
+          </p:cNvSpPr>
+          <p:nvPr>
+            <p:ph sz="half" idx="1"/>
+          </p:nvPr>
+        </p:nvSpPr>
+        <p:spPr/>
+        <p:txBody>
+          <a:bodyPr/>
+          <a:lstStyle/>
+          <a:p>
+            <a:pPr algn="just">
+              <a:buNone/>
+            </a:pPr>
+            <a:r>
+              <a:rPr lang="en-US" b="1" dirty="0" err="1">
+                <a:solidFill>
+                  <a:schemeClr val="bg1"/>
+                </a:solidFill>
+                <a:latin typeface="Cascadia Code" pitchFamily="49" charset="0"/>
+                <a:cs typeface="Cascadia Code" pitchFamily="49" charset="0"/>
+              </a:rPr>
+              <a:t>func.ts</a:t>
+            </a:r>
+            <a:endParaRPr lang="en-US" b="1" dirty="0">
+              <a:solidFill>
+                <a:schemeClr val="bg1"/>
+              </a:solidFill>
+              <a:latin typeface="Cascadia Code" pitchFamily="49" charset="0"/>
+              <a:cs typeface="Cascadia Code" pitchFamily="49" charset="0"/>
+            </a:endParaRPr>
+          </a:p>
+          <a:p>
+            <a:pPr algn="just">
+              <a:buNone/>
+            </a:pPr>
+            <a:endParaRPr lang="ru-RU" b="1" dirty="0">
+              <a:solidFill>
+                <a:schemeClr val="bg1"/>
+              </a:solidFill>
+              <a:latin typeface="Cascadia Code" pitchFamily="49" charset="0"/>
+              <a:cs typeface="Cascadia Code" pitchFamily="49" charset="0"/>
+            </a:endParaRPr>
+          </a:p>
+        </p:txBody>
+      </p:sp>
+      <p:sp>
+        <p:nvSpPr>
+          <p:cNvPr id="5" name="Содержимое 4"/>
+          <p:cNvSpPr>
+            <a:spLocks noGrp="1"/>
+          </p:cNvSpPr>
+          <p:nvPr>
+            <p:ph sz="half" idx="2"/>
+          </p:nvPr>
+        </p:nvSpPr>
+        <p:spPr/>
+        <p:txBody>
+          <a:bodyPr/>
+          <a:lstStyle/>
+          <a:p>
+            <a:pPr marL="0" indent="0">
+              <a:buNone/>
+            </a:pPr>
+            <a:r>
+              <a:rPr lang="ru-RU" b="1" dirty="0">
+                <a:solidFill>
+                  <a:schemeClr val="bg1"/>
+                </a:solidFill>
+                <a:latin typeface="Cascadia Code" pitchFamily="49" charset="0"/>
+                <a:cs typeface="Cascadia Code" pitchFamily="49" charset="0"/>
+              </a:rPr>
+              <a:t>Другие способы задания функции</a:t>
+            </a:r>
+          </a:p>
+        </p:txBody>
+      </p:sp>
+      <p:pic>
+        <p:nvPicPr>
+          <p:cNvPr id="1027" name="Picture 3" descr="E:\dumbTypeScriptExamples\Screens\Снимок экрана 2024-03-04 001649.png"/>
+          <p:cNvPicPr>
+            <a:picLocks noChangeAspect="1" noChangeArrowheads="1"/>
+          </p:cNvPicPr>
+          <p:nvPr/>
+        </p:nvPicPr>
+        <p:blipFill>
+          <a:blip r:embed="rId2" cstate="print"/>
+          <a:srcRect/>
+          <a:stretch>
+            <a:fillRect/>
+          </a:stretch>
+        </p:blipFill>
+        <p:spPr bwMode="auto">
+          <a:xfrm>
+            <a:off x="897890" y="2808288"/>
+            <a:ext cx="4686300" cy="922338"/>
+          </a:xfrm>
+          <a:prstGeom prst="rect">
+            <a:avLst/>
+          </a:prstGeom>
+          <a:noFill/>
+        </p:spPr>
+      </p:pic>
+      <p:pic>
+        <p:nvPicPr>
+          <p:cNvPr id="1029" name="Picture 5" descr="E:\dumbTypeScriptExamples\Screens\Снимок экрана 2024-03-22 121550.png"/>
+          <p:cNvPicPr>
+            <a:picLocks noChangeAspect="1" noChangeArrowheads="1"/>
+          </p:cNvPicPr>
+          <p:nvPr/>
+        </p:nvPicPr>
+        <p:blipFill>
+          <a:blip r:embed="rId3" cstate="print"/>
+          <a:srcRect/>
+          <a:stretch>
+            <a:fillRect/>
+          </a:stretch>
+        </p:blipFill>
+        <p:spPr bwMode="auto">
+          <a:xfrm>
+            <a:off x="6329363" y="2828608"/>
+            <a:ext cx="5121275" cy="1333500"/>
+          </a:xfrm>
+          <a:prstGeom prst="rect">
+            <a:avLst/>
+          </a:prstGeom>
+          <a:noFill/>
+        </p:spPr>
+      </p:pic>
+    </p:spTree>
+  </p:cSld>
+  <p:clrMapOvr>
+    <a:masterClrMapping/>
+  </p:clrMapOvr>
+</p:sld>
+</file>
+
+<file path=ppt/slides/slide18.xml><?xml version="1.0" encoding="utf-8"?>
+<p:sld xmlns:a="http://schemas.openxmlformats.org/drawingml/2006/main" xmlns:r="http://schemas.openxmlformats.org/officeDocument/2006/relationships" xmlns:p="http://schemas.openxmlformats.org/presentationml/2006/main">
+  <p:cSld>
+    <p:spTree>
+      <p:nvGrpSpPr>
+        <p:cNvPr id="1" name=""/>
+        <p:cNvGrpSpPr/>
+        <p:nvPr/>
+      </p:nvGrpSpPr>
+      <p:grpSpPr>
+        <a:xfrm>
+          <a:off x="0" y="0"/>
+          <a:ext cx="0" cy="0"/>
+          <a:chOff x="0" y="0"/>
+          <a:chExt cx="0" cy="0"/>
+        </a:xfrm>
+      </p:grpSpPr>
+      <p:sp>
+        <p:nvSpPr>
+          <p:cNvPr id="2" name="Заголовок 1"/>
+          <p:cNvSpPr>
+            <a:spLocks noGrp="1"/>
+          </p:cNvSpPr>
+          <p:nvPr>
+            <p:ph type="title"/>
+          </p:nvPr>
+        </p:nvSpPr>
+        <p:spPr/>
+        <p:txBody>
+          <a:bodyPr/>
+          <a:lstStyle/>
+          <a:p>
+            <a:r>
+              <a:rPr lang="ru-RU" b="1" dirty="0">
+                <a:solidFill>
+                  <a:schemeClr val="bg1"/>
+                </a:solidFill>
+                <a:latin typeface="Cascadia Code" pitchFamily="49" charset="0"/>
+                <a:cs typeface="Cascadia Code" pitchFamily="49" charset="0"/>
+              </a:rPr>
+              <a:t>Функции-генераторы</a:t>
+            </a:r>
+          </a:p>
+        </p:txBody>
+      </p:sp>
+      <p:sp>
+        <p:nvSpPr>
+          <p:cNvPr id="3" name="Содержимое 2"/>
+          <p:cNvSpPr>
+            <a:spLocks noGrp="1"/>
+          </p:cNvSpPr>
+          <p:nvPr>
+            <p:ph sz="half" idx="1"/>
+          </p:nvPr>
+        </p:nvSpPr>
+        <p:spPr/>
+        <p:txBody>
+          <a:bodyPr/>
+          <a:lstStyle/>
+          <a:p>
+            <a:pPr>
+              <a:buNone/>
+            </a:pPr>
+            <a:r>
+              <a:rPr lang="en-US" b="1" dirty="0" err="1">
+                <a:solidFill>
+                  <a:schemeClr val="bg1"/>
+                </a:solidFill>
+                <a:latin typeface="Cascadia Code" pitchFamily="49" charset="0"/>
+                <a:cs typeface="Cascadia Code" pitchFamily="49" charset="0"/>
+              </a:rPr>
+              <a:t>generator.ts</a:t>
+            </a:r>
+            <a:endParaRPr lang="ru-RU" b="1" dirty="0">
+              <a:solidFill>
+                <a:schemeClr val="bg1"/>
+              </a:solidFill>
+              <a:latin typeface="Cascadia Code" pitchFamily="49" charset="0"/>
+              <a:cs typeface="Cascadia Code" pitchFamily="49" charset="0"/>
+            </a:endParaRPr>
+          </a:p>
+        </p:txBody>
+      </p:sp>
+      <p:pic>
+        <p:nvPicPr>
+          <p:cNvPr id="6" name="Содержимое 5" descr="Снимок экрана 2024-03-22 122025.png"/>
+          <p:cNvPicPr>
+            <a:picLocks noGrp="1" noChangeAspect="1"/>
+          </p:cNvPicPr>
+          <p:nvPr>
+            <p:ph sz="half" idx="2"/>
+          </p:nvPr>
+        </p:nvPicPr>
+        <p:blipFill>
+          <a:blip r:embed="rId2" cstate="print"/>
+          <a:stretch>
+            <a:fillRect/>
+          </a:stretch>
+        </p:blipFill>
+        <p:spPr>
+          <a:xfrm>
+            <a:off x="6758765" y="2519680"/>
+            <a:ext cx="4741332" cy="3047999"/>
+          </a:xfrm>
+        </p:spPr>
+      </p:pic>
+      <p:pic>
+        <p:nvPicPr>
+          <p:cNvPr id="2050" name="Picture 2" descr="E:\dumbTypeScriptExamples\Screens\Снимок экрана 2024-03-22 122015.png"/>
+          <p:cNvPicPr>
+            <a:picLocks noChangeAspect="1" noChangeArrowheads="1"/>
+          </p:cNvPicPr>
+          <p:nvPr/>
+        </p:nvPicPr>
+        <p:blipFill>
+          <a:blip r:embed="rId3" cstate="print"/>
+          <a:srcRect/>
+          <a:stretch>
+            <a:fillRect/>
+          </a:stretch>
+        </p:blipFill>
+        <p:spPr bwMode="auto">
+          <a:xfrm>
+            <a:off x="911860" y="2538730"/>
+            <a:ext cx="5058730" cy="1261110"/>
+          </a:xfrm>
+          <a:prstGeom prst="rect">
+            <a:avLst/>
+          </a:prstGeom>
+          <a:noFill/>
+        </p:spPr>
+      </p:pic>
+    </p:spTree>
+  </p:cSld>
+  <p:clrMapOvr>
+    <a:masterClrMapping/>
+  </p:clrMapOvr>
+</p:sld>
+</file>
+
+<file path=ppt/slides/slide19.xml><?xml version="1.0" encoding="utf-8"?>
+<p:sld xmlns:a="http://schemas.openxmlformats.org/drawingml/2006/main" xmlns:r="http://schemas.openxmlformats.org/officeDocument/2006/relationships" xmlns:p="http://schemas.openxmlformats.org/presentationml/2006/main">
+  <p:cSld>
+    <p:spTree>
+      <p:nvGrpSpPr>
+        <p:cNvPr id="1" name=""/>
+        <p:cNvGrpSpPr/>
+        <p:nvPr/>
+      </p:nvGrpSpPr>
+      <p:grpSpPr>
+        <a:xfrm>
+          <a:off x="0" y="0"/>
+          <a:ext cx="0" cy="0"/>
+          <a:chOff x="0" y="0"/>
+          <a:chExt cx="0" cy="0"/>
+        </a:xfrm>
+      </p:grpSpPr>
+      <p:sp>
+        <p:nvSpPr>
+          <p:cNvPr id="2" name="Заголовок 1"/>
+          <p:cNvSpPr>
+            <a:spLocks noGrp="1"/>
+          </p:cNvSpPr>
+          <p:nvPr>
+            <p:ph type="title"/>
+          </p:nvPr>
+        </p:nvSpPr>
+        <p:spPr/>
+        <p:txBody>
+          <a:bodyPr/>
+          <a:lstStyle/>
+          <a:p>
+            <a:r>
+              <a:rPr lang="ru-RU" b="1" dirty="0">
+                <a:solidFill>
+                  <a:schemeClr val="bg1"/>
+                </a:solidFill>
+                <a:latin typeface="Cascadia Code" pitchFamily="49" charset="0"/>
+                <a:cs typeface="Cascadia Code" pitchFamily="49" charset="0"/>
+              </a:rPr>
+              <a:t>Перегрузка функций</a:t>
+            </a:r>
+          </a:p>
+        </p:txBody>
+      </p:sp>
+      <p:sp>
+        <p:nvSpPr>
+          <p:cNvPr id="3" name="Содержимое 2"/>
+          <p:cNvSpPr>
+            <a:spLocks noGrp="1"/>
+          </p:cNvSpPr>
+          <p:nvPr>
+            <p:ph sz="half" idx="1"/>
+          </p:nvPr>
+        </p:nvSpPr>
+        <p:spPr/>
+        <p:txBody>
+          <a:bodyPr/>
+          <a:lstStyle/>
+          <a:p>
+            <a:pPr>
+              <a:buNone/>
+            </a:pPr>
+            <a:r>
+              <a:rPr lang="en-US" b="1" dirty="0" err="1">
+                <a:solidFill>
+                  <a:schemeClr val="bg1"/>
+                </a:solidFill>
+                <a:latin typeface="Cascadia Code" pitchFamily="49" charset="0"/>
+                <a:cs typeface="Cascadia Code" pitchFamily="49" charset="0"/>
+              </a:rPr>
+              <a:t>overloading.ts</a:t>
+            </a:r>
+            <a:endParaRPr lang="ru-RU" b="1" dirty="0">
+              <a:solidFill>
+                <a:schemeClr val="bg1"/>
+              </a:solidFill>
+              <a:latin typeface="Cascadia Code" pitchFamily="49" charset="0"/>
+              <a:cs typeface="Cascadia Code" pitchFamily="49" charset="0"/>
+            </a:endParaRPr>
+          </a:p>
+        </p:txBody>
+      </p:sp>
+      <p:pic>
+        <p:nvPicPr>
+          <p:cNvPr id="8" name="Рисунок 7">
+            <a:extLst>
+              <a:ext uri="{FF2B5EF4-FFF2-40B4-BE49-F238E27FC236}">
+                <a16:creationId xmlns:a16="http://schemas.microsoft.com/office/drawing/2014/main" id="{51C70EE4-E616-42C4-8D41-D4DEE5067C71}"/>
+              </a:ext>
+            </a:extLst>
+          </p:cNvPr>
+          <p:cNvPicPr>
+            <a:picLocks noChangeAspect="1"/>
+          </p:cNvPicPr>
+          <p:nvPr/>
+        </p:nvPicPr>
+        <p:blipFill>
+          <a:blip r:embed="rId2"/>
+          <a:stretch>
+            <a:fillRect/>
+          </a:stretch>
+        </p:blipFill>
+        <p:spPr>
+          <a:xfrm>
+            <a:off x="950949" y="2281077"/>
+            <a:ext cx="4258269" cy="2295845"/>
+          </a:xfrm>
+          <a:prstGeom prst="rect">
+            <a:avLst/>
+          </a:prstGeom>
+        </p:spPr>
+      </p:pic>
+      <p:sp>
+        <p:nvSpPr>
+          <p:cNvPr id="12" name="Содержимое 2">
+            <a:extLst>
+              <a:ext uri="{FF2B5EF4-FFF2-40B4-BE49-F238E27FC236}">
+                <a16:creationId xmlns:a16="http://schemas.microsoft.com/office/drawing/2014/main" id="{3B82F1A9-0F07-495D-A6FC-85BC6BEC3822}"/>
+              </a:ext>
+            </a:extLst>
+          </p:cNvPr>
+          <p:cNvSpPr txBox="1">
+            <a:spLocks/>
+          </p:cNvSpPr>
+          <p:nvPr/>
+        </p:nvSpPr>
+        <p:spPr>
+          <a:xfrm>
+            <a:off x="6172202" y="1825625"/>
+            <a:ext cx="5181600" cy="4351338"/>
+          </a:xfrm>
+          <a:prstGeom prst="rect">
+            <a:avLst/>
+          </a:prstGeom>
+        </p:spPr>
+        <p:txBody>
+          <a:bodyPr vert="horz" lIns="91440" tIns="45720" rIns="91440" bIns="45720" rtlCol="0">
+            <a:normAutofit/>
+          </a:bodyPr>
+          <a:lstStyle>
+            <a:lvl1pPr marL="228600" indent="-228600" algn="l" defTabSz="914400" rtl="0" eaLnBrk="1" latinLnBrk="0" hangingPunct="1">
+              <a:lnSpc>
+                <a:spcPct val="90000"/>
+              </a:lnSpc>
+              <a:spcBef>
+                <a:spcPts val="1000"/>
+              </a:spcBef>
+              <a:buFont typeface="Arial" panose="020B0604020202020204" pitchFamily="34" charset="0"/>
+              <a:buChar char="•"/>
+              <a:defRPr sz="2800" kern="1200">
+                <a:solidFill>
+                  <a:schemeClr val="tx1"/>
+                </a:solidFill>
+                <a:latin typeface="+mn-lt"/>
+                <a:ea typeface="+mn-ea"/>
+                <a:cs typeface="+mn-cs"/>
+              </a:defRPr>
+            </a:lvl1pPr>
+            <a:lvl2pPr marL="685800" indent="-228600" algn="l" defTabSz="914400" rtl="0" eaLnBrk="1" latinLnBrk="0" hangingPunct="1">
+              <a:lnSpc>
+                <a:spcPct val="90000"/>
+              </a:lnSpc>
+              <a:spcBef>
+                <a:spcPts val="500"/>
+              </a:spcBef>
+              <a:buFont typeface="Arial" panose="020B0604020202020204" pitchFamily="34" charset="0"/>
+              <a:buChar char="•"/>
+              <a:defRPr sz="2400" kern="1200">
+                <a:solidFill>
+                  <a:schemeClr val="tx1"/>
+                </a:solidFill>
+                <a:latin typeface="+mn-lt"/>
+                <a:ea typeface="+mn-ea"/>
+                <a:cs typeface="+mn-cs"/>
+              </a:defRPr>
+            </a:lvl2pPr>
+            <a:lvl3pPr marL="1143000" indent="-228600" algn="l" defTabSz="914400" rtl="0" eaLnBrk="1" latinLnBrk="0" hangingPunct="1">
+              <a:lnSpc>
+                <a:spcPct val="90000"/>
+              </a:lnSpc>
+              <a:spcBef>
+                <a:spcPts val="500"/>
+              </a:spcBef>
+              <a:buFont typeface="Arial" panose="020B0604020202020204" pitchFamily="34" charset="0"/>
+              <a:buChar char="•"/>
+              <a:defRPr sz="2000" kern="1200">
+                <a:solidFill>
+                  <a:schemeClr val="tx1"/>
+                </a:solidFill>
+                <a:latin typeface="+mn-lt"/>
+                <a:ea typeface="+mn-ea"/>
+                <a:cs typeface="+mn-cs"/>
+              </a:defRPr>
+            </a:lvl3pPr>
+            <a:lvl4pPr marL="1600200" indent="-228600" algn="l" defTabSz="914400" rtl="0" eaLnBrk="1" latinLnBrk="0" hangingPunct="1">
+              <a:lnSpc>
+                <a:spcPct val="90000"/>
+              </a:lnSpc>
+              <a:spcBef>
+                <a:spcPts val="500"/>
+              </a:spcBef>
+              <a:buFont typeface="Arial" panose="020B0604020202020204" pitchFamily="34" charset="0"/>
+              <a:buChar char="•"/>
+              <a:defRPr sz="1800" kern="1200">
+                <a:solidFill>
+                  <a:schemeClr val="tx1"/>
+                </a:solidFill>
+                <a:latin typeface="+mn-lt"/>
+                <a:ea typeface="+mn-ea"/>
+                <a:cs typeface="+mn-cs"/>
+              </a:defRPr>
+            </a:lvl4pPr>
+            <a:lvl5pPr marL="2057400" indent="-228600" algn="l" defTabSz="914400" rtl="0" eaLnBrk="1" latinLnBrk="0" hangingPunct="1">
+              <a:lnSpc>
+                <a:spcPct val="90000"/>
+              </a:lnSpc>
+              <a:spcBef>
+                <a:spcPts val="500"/>
+              </a:spcBef>
+              <a:buFont typeface="Arial" panose="020B0604020202020204" pitchFamily="34" charset="0"/>
+              <a:buChar char="•"/>
+              <a:defRPr sz="1800" kern="1200">
+                <a:solidFill>
+                  <a:schemeClr val="tx1"/>
+                </a:solidFill>
+                <a:latin typeface="+mn-lt"/>
+                <a:ea typeface="+mn-ea"/>
+                <a:cs typeface="+mn-cs"/>
+              </a:defRPr>
+            </a:lvl5pPr>
+            <a:lvl6pPr marL="2514600" indent="-228600" algn="l" defTabSz="914400" rtl="0" eaLnBrk="1" latinLnBrk="0" hangingPunct="1">
+              <a:lnSpc>
+                <a:spcPct val="90000"/>
+              </a:lnSpc>
+              <a:spcBef>
+                <a:spcPts val="500"/>
+              </a:spcBef>
+              <a:buFont typeface="Arial" panose="020B0604020202020204" pitchFamily="34" charset="0"/>
+              <a:buChar char="•"/>
+              <a:defRPr sz="1800" kern="1200">
+                <a:solidFill>
+                  <a:schemeClr val="tx1"/>
+                </a:solidFill>
+                <a:latin typeface="+mn-lt"/>
+                <a:ea typeface="+mn-ea"/>
+                <a:cs typeface="+mn-cs"/>
+              </a:defRPr>
+            </a:lvl6pPr>
+            <a:lvl7pPr marL="2971800" indent="-228600" algn="l" defTabSz="914400" rtl="0" eaLnBrk="1" latinLnBrk="0" hangingPunct="1">
+              <a:lnSpc>
+                <a:spcPct val="90000"/>
+              </a:lnSpc>
+              <a:spcBef>
+                <a:spcPts val="500"/>
+              </a:spcBef>
+              <a:buFont typeface="Arial" panose="020B0604020202020204" pitchFamily="34" charset="0"/>
+              <a:buChar char="•"/>
+              <a:defRPr sz="1800" kern="1200">
+                <a:solidFill>
+                  <a:schemeClr val="tx1"/>
+                </a:solidFill>
+                <a:latin typeface="+mn-lt"/>
+                <a:ea typeface="+mn-ea"/>
+                <a:cs typeface="+mn-cs"/>
+              </a:defRPr>
+            </a:lvl7pPr>
+            <a:lvl8pPr marL="3429000" indent="-228600" algn="l" defTabSz="914400" rtl="0" eaLnBrk="1" latinLnBrk="0" hangingPunct="1">
+              <a:lnSpc>
+                <a:spcPct val="90000"/>
+              </a:lnSpc>
+              <a:spcBef>
+                <a:spcPts val="500"/>
+              </a:spcBef>
+              <a:buFont typeface="Arial" panose="020B0604020202020204" pitchFamily="34" charset="0"/>
+              <a:buChar char="•"/>
+              <a:defRPr sz="1800" kern="1200">
+                <a:solidFill>
+                  <a:schemeClr val="tx1"/>
+                </a:solidFill>
+                <a:latin typeface="+mn-lt"/>
+                <a:ea typeface="+mn-ea"/>
+                <a:cs typeface="+mn-cs"/>
+              </a:defRPr>
+            </a:lvl8pPr>
+            <a:lvl9pPr marL="3886200" indent="-228600" algn="l" defTabSz="914400" rtl="0" eaLnBrk="1" latinLnBrk="0" hangingPunct="1">
+              <a:lnSpc>
+                <a:spcPct val="90000"/>
+              </a:lnSpc>
+              <a:spcBef>
+                <a:spcPts val="500"/>
+              </a:spcBef>
+              <a:buFont typeface="Arial" panose="020B0604020202020204" pitchFamily="34" charset="0"/>
+              <a:buChar char="•"/>
+              <a:defRPr sz="1800" kern="1200">
+                <a:solidFill>
+                  <a:schemeClr val="tx1"/>
+                </a:solidFill>
+                <a:latin typeface="+mn-lt"/>
+                <a:ea typeface="+mn-ea"/>
+                <a:cs typeface="+mn-cs"/>
+              </a:defRPr>
+            </a:lvl9pPr>
+          </a:lstStyle>
+          <a:p>
+            <a:pPr>
+              <a:buFont typeface="Arial" panose="020B0604020202020204" pitchFamily="34" charset="0"/>
+              <a:buNone/>
+            </a:pPr>
+            <a:r>
+              <a:rPr lang="en-US" b="1" dirty="0">
+                <a:solidFill>
+                  <a:schemeClr val="bg1"/>
+                </a:solidFill>
+                <a:latin typeface="Cascadia Code" pitchFamily="49" charset="0"/>
+                <a:cs typeface="Cascadia Code" pitchFamily="49" charset="0"/>
+              </a:rPr>
+              <a:t>overloading.js</a:t>
+            </a:r>
+            <a:endParaRPr lang="ru-RU" b="1" dirty="0">
+              <a:solidFill>
+                <a:schemeClr val="bg1"/>
+              </a:solidFill>
+              <a:latin typeface="Cascadia Code" pitchFamily="49" charset="0"/>
+              <a:cs typeface="Cascadia Code" pitchFamily="49" charset="0"/>
+            </a:endParaRPr>
+          </a:p>
+        </p:txBody>
+      </p:sp>
+      <p:pic>
+        <p:nvPicPr>
+          <p:cNvPr id="13" name="Рисунок 12">
+            <a:extLst>
+              <a:ext uri="{FF2B5EF4-FFF2-40B4-BE49-F238E27FC236}">
+                <a16:creationId xmlns:a16="http://schemas.microsoft.com/office/drawing/2014/main" id="{A3EA4C0E-CE42-489C-8E94-31781E3855CD}"/>
+              </a:ext>
+            </a:extLst>
+          </p:cNvPr>
+          <p:cNvPicPr>
+            <a:picLocks noChangeAspect="1"/>
+          </p:cNvPicPr>
+          <p:nvPr/>
+        </p:nvPicPr>
+        <p:blipFill>
+          <a:blip r:embed="rId3"/>
+          <a:stretch>
+            <a:fillRect/>
+          </a:stretch>
+        </p:blipFill>
+        <p:spPr>
+          <a:xfrm>
+            <a:off x="6172202" y="2313161"/>
+            <a:ext cx="3962953" cy="1190791"/>
           </a:xfrm>
           <a:prstGeom prst="rect">
             <a:avLst/>
@@ -4694,7 +6132,7 @@
     </p:spTree>
     <p:extLst>
       <p:ext uri="{BB962C8B-B14F-4D97-AF65-F5344CB8AC3E}">
-        <p14:creationId xmlns:p14="http://schemas.microsoft.com/office/powerpoint/2010/main" val="2343126077"/>
+        <p14:creationId xmlns:p14="http://schemas.microsoft.com/office/powerpoint/2010/main" val="3204401819"/>
       </p:ext>
     </p:extLst>
   </p:cSld>
@@ -4736,7 +6174,7 @@
           <p:nvPr/>
         </p:nvPicPr>
         <p:blipFill>
-          <a:blip r:embed="rId2">
+          <a:blip r:embed="rId2" cstate="print">
             <a:extLst>
               <a:ext uri="{28A0092B-C50C-407E-A947-70E740481C1C}">
                 <a14:useLocalDpi xmlns:a14="http://schemas.microsoft.com/office/drawing/2010/main" val="0"/>
@@ -4816,7 +6254,7 @@
               </a:rPr>
               <a:t> TypeScript</a:t>
             </a:r>
-            <a:endParaRPr lang="ru-BY" sz="4400" dirty="0"/>
+            <a:endParaRPr lang="x-none" sz="4400" dirty="0"/>
           </a:p>
         </p:txBody>
       </p:sp>
@@ -5180,7 +6618,7 @@
               </a:rPr>
               <a:t>.</a:t>
             </a:r>
-            <a:endParaRPr lang="ru-BY" sz="2600" dirty="0">
+            <a:endParaRPr lang="x-none" sz="2600" dirty="0">
               <a:solidFill>
                 <a:schemeClr val="bg1"/>
               </a:solidFill>
@@ -5196,6 +6634,1446 @@
         <p14:creationId xmlns:p14="http://schemas.microsoft.com/office/powerpoint/2010/main" val="3148733035"/>
       </p:ext>
     </p:extLst>
+  </p:cSld>
+  <p:clrMapOvr>
+    <a:masterClrMapping/>
+  </p:clrMapOvr>
+</p:sld>
+</file>
+
+<file path=ppt/slides/slide20.xml><?xml version="1.0" encoding="utf-8"?>
+<p:sld xmlns:a="http://schemas.openxmlformats.org/drawingml/2006/main" xmlns:r="http://schemas.openxmlformats.org/officeDocument/2006/relationships" xmlns:p="http://schemas.openxmlformats.org/presentationml/2006/main">
+  <p:cSld>
+    <p:spTree>
+      <p:nvGrpSpPr>
+        <p:cNvPr id="1" name=""/>
+        <p:cNvGrpSpPr/>
+        <p:nvPr/>
+      </p:nvGrpSpPr>
+      <p:grpSpPr>
+        <a:xfrm>
+          <a:off x="0" y="0"/>
+          <a:ext cx="0" cy="0"/>
+          <a:chOff x="0" y="0"/>
+          <a:chExt cx="0" cy="0"/>
+        </a:xfrm>
+      </p:grpSpPr>
+      <p:sp>
+        <p:nvSpPr>
+          <p:cNvPr id="2" name="Заголовок 1"/>
+          <p:cNvSpPr>
+            <a:spLocks noGrp="1"/>
+          </p:cNvSpPr>
+          <p:nvPr>
+            <p:ph type="title"/>
+          </p:nvPr>
+        </p:nvSpPr>
+        <p:spPr/>
+        <p:txBody>
+          <a:bodyPr/>
+          <a:lstStyle/>
+          <a:p>
+            <a:r>
+              <a:rPr lang="ru-RU" b="1" dirty="0">
+                <a:solidFill>
+                  <a:schemeClr val="bg1"/>
+                </a:solidFill>
+                <a:latin typeface="Cascadia Code" pitchFamily="49" charset="0"/>
+                <a:cs typeface="Cascadia Code" pitchFamily="49" charset="0"/>
+              </a:rPr>
+              <a:t>Классы</a:t>
+            </a:r>
+          </a:p>
+        </p:txBody>
+      </p:sp>
+      <p:sp>
+        <p:nvSpPr>
+          <p:cNvPr id="6" name="Содержимое 5"/>
+          <p:cNvSpPr>
+            <a:spLocks noGrp="1"/>
+          </p:cNvSpPr>
+          <p:nvPr>
+            <p:ph sz="half" idx="2"/>
+          </p:nvPr>
+        </p:nvSpPr>
+        <p:spPr>
+          <a:xfrm>
+            <a:off x="473241" y="5413436"/>
+            <a:ext cx="11245517" cy="4351338"/>
+          </a:xfrm>
+        </p:spPr>
+        <p:txBody>
+          <a:bodyPr/>
+          <a:lstStyle/>
+          <a:p>
+            <a:pPr marL="0" indent="0">
+              <a:buNone/>
+            </a:pPr>
+            <a:r>
+              <a:rPr lang="ru-RU" dirty="0">
+                <a:solidFill>
+                  <a:schemeClr val="bg1"/>
+                </a:solidFill>
+                <a:latin typeface="Cascadia Code" pitchFamily="49" charset="0"/>
+                <a:cs typeface="Cascadia Code" pitchFamily="49" charset="0"/>
+              </a:rPr>
+              <a:t>Модификаторы доступа: </a:t>
+            </a:r>
+            <a:r>
+              <a:rPr lang="en-US" dirty="0">
+                <a:solidFill>
+                  <a:schemeClr val="bg1"/>
+                </a:solidFill>
+                <a:latin typeface="Cascadia Code" pitchFamily="49" charset="0"/>
+                <a:cs typeface="Cascadia Code" pitchFamily="49" charset="0"/>
+              </a:rPr>
+              <a:t>public, private, protected. </a:t>
+            </a:r>
+            <a:r>
+              <a:rPr lang="ru-RU" dirty="0">
+                <a:solidFill>
+                  <a:schemeClr val="bg1"/>
+                </a:solidFill>
+                <a:latin typeface="Cascadia Code" pitchFamily="49" charset="0"/>
+                <a:cs typeface="Cascadia Code" pitchFamily="49" charset="0"/>
+              </a:rPr>
+              <a:t>Если не указан - </a:t>
+            </a:r>
+            <a:r>
+              <a:rPr lang="en-US" dirty="0">
+                <a:solidFill>
+                  <a:schemeClr val="bg1"/>
+                </a:solidFill>
+                <a:latin typeface="Cascadia Code" pitchFamily="49" charset="0"/>
+                <a:cs typeface="Cascadia Code" pitchFamily="49" charset="0"/>
+              </a:rPr>
+              <a:t>public</a:t>
+            </a:r>
+            <a:r>
+              <a:rPr lang="ru-RU" dirty="0">
+                <a:solidFill>
+                  <a:schemeClr val="bg1"/>
+                </a:solidFill>
+                <a:latin typeface="Cascadia Code" pitchFamily="49" charset="0"/>
+                <a:cs typeface="Cascadia Code" pitchFamily="49" charset="0"/>
+              </a:rPr>
+              <a:t> по умолчанию</a:t>
+            </a:r>
+          </a:p>
+        </p:txBody>
+      </p:sp>
+      <p:sp>
+        <p:nvSpPr>
+          <p:cNvPr id="10" name="TextBox 9">
+            <a:extLst>
+              <a:ext uri="{FF2B5EF4-FFF2-40B4-BE49-F238E27FC236}">
+                <a16:creationId xmlns:a16="http://schemas.microsoft.com/office/drawing/2014/main" id="{DFB85FA5-B18B-42F2-85BF-6BC067F32D99}"/>
+              </a:ext>
+            </a:extLst>
+          </p:cNvPr>
+          <p:cNvSpPr txBox="1"/>
+          <p:nvPr/>
+        </p:nvSpPr>
+        <p:spPr>
+          <a:xfrm>
+            <a:off x="433136" y="1521024"/>
+            <a:ext cx="6096000" cy="954107"/>
+          </a:xfrm>
+          <a:prstGeom prst="rect">
+            <a:avLst/>
+          </a:prstGeom>
+          <a:noFill/>
+        </p:spPr>
+        <p:txBody>
+          <a:bodyPr wrap="square">
+            <a:spAutoFit/>
+          </a:bodyPr>
+          <a:lstStyle/>
+          <a:p>
+            <a:pPr>
+              <a:buNone/>
+            </a:pPr>
+            <a:r>
+              <a:rPr lang="en-US" sz="2800" b="1" dirty="0" err="1">
+                <a:solidFill>
+                  <a:schemeClr val="bg1"/>
+                </a:solidFill>
+                <a:latin typeface="Cascadia Code" pitchFamily="49" charset="0"/>
+                <a:cs typeface="Cascadia Code" pitchFamily="49" charset="0"/>
+              </a:rPr>
+              <a:t>class.ts</a:t>
+            </a:r>
+            <a:endParaRPr lang="en-US" sz="2800" b="1" dirty="0">
+              <a:solidFill>
+                <a:schemeClr val="bg1"/>
+              </a:solidFill>
+              <a:latin typeface="Cascadia Code" pitchFamily="49" charset="0"/>
+              <a:cs typeface="Cascadia Code" pitchFamily="49" charset="0"/>
+            </a:endParaRPr>
+          </a:p>
+          <a:p>
+            <a:pPr>
+              <a:buNone/>
+            </a:pPr>
+            <a:endParaRPr lang="ru-RU" sz="2800" b="1" dirty="0">
+              <a:solidFill>
+                <a:schemeClr val="bg1"/>
+              </a:solidFill>
+              <a:latin typeface="Cascadia Code" pitchFamily="49" charset="0"/>
+              <a:cs typeface="Cascadia Code" pitchFamily="49" charset="0"/>
+            </a:endParaRPr>
+          </a:p>
+        </p:txBody>
+      </p:sp>
+      <p:sp>
+        <p:nvSpPr>
+          <p:cNvPr id="12" name="TextBox 11">
+            <a:extLst>
+              <a:ext uri="{FF2B5EF4-FFF2-40B4-BE49-F238E27FC236}">
+                <a16:creationId xmlns:a16="http://schemas.microsoft.com/office/drawing/2014/main" id="{3CFB8316-1D5E-4C74-A42E-E91FADB36BE0}"/>
+              </a:ext>
+            </a:extLst>
+          </p:cNvPr>
+          <p:cNvSpPr txBox="1"/>
+          <p:nvPr/>
+        </p:nvSpPr>
+        <p:spPr>
+          <a:xfrm>
+            <a:off x="6096000" y="1444564"/>
+            <a:ext cx="6096000" cy="954107"/>
+          </a:xfrm>
+          <a:prstGeom prst="rect">
+            <a:avLst/>
+          </a:prstGeom>
+          <a:noFill/>
+        </p:spPr>
+        <p:txBody>
+          <a:bodyPr wrap="square">
+            <a:spAutoFit/>
+          </a:bodyPr>
+          <a:lstStyle/>
+          <a:p>
+            <a:pPr>
+              <a:buNone/>
+            </a:pPr>
+            <a:r>
+              <a:rPr lang="en-US" sz="2800" b="1" dirty="0">
+                <a:solidFill>
+                  <a:schemeClr val="bg1"/>
+                </a:solidFill>
+                <a:latin typeface="Cascadia Code" pitchFamily="49" charset="0"/>
+                <a:cs typeface="Cascadia Code" pitchFamily="49" charset="0"/>
+              </a:rPr>
+              <a:t>class.js</a:t>
+            </a:r>
+          </a:p>
+          <a:p>
+            <a:pPr>
+              <a:buNone/>
+            </a:pPr>
+            <a:endParaRPr lang="ru-RU" sz="2800" b="1" dirty="0">
+              <a:solidFill>
+                <a:schemeClr val="bg1"/>
+              </a:solidFill>
+              <a:latin typeface="Cascadia Code" pitchFamily="49" charset="0"/>
+              <a:cs typeface="Cascadia Code" pitchFamily="49" charset="0"/>
+            </a:endParaRPr>
+          </a:p>
+        </p:txBody>
+      </p:sp>
+      <p:pic>
+        <p:nvPicPr>
+          <p:cNvPr id="15" name="Рисунок 14">
+            <a:extLst>
+              <a:ext uri="{FF2B5EF4-FFF2-40B4-BE49-F238E27FC236}">
+                <a16:creationId xmlns:a16="http://schemas.microsoft.com/office/drawing/2014/main" id="{5173092A-9B9B-4A77-A488-2A3AD11D3A89}"/>
+              </a:ext>
+            </a:extLst>
+          </p:cNvPr>
+          <p:cNvPicPr>
+            <a:picLocks noChangeAspect="1"/>
+          </p:cNvPicPr>
+          <p:nvPr/>
+        </p:nvPicPr>
+        <p:blipFill>
+          <a:blip r:embed="rId2"/>
+          <a:stretch>
+            <a:fillRect/>
+          </a:stretch>
+        </p:blipFill>
+        <p:spPr>
+          <a:xfrm>
+            <a:off x="563479" y="2021080"/>
+            <a:ext cx="3905795" cy="3219899"/>
+          </a:xfrm>
+          <a:prstGeom prst="rect">
+            <a:avLst/>
+          </a:prstGeom>
+        </p:spPr>
+      </p:pic>
+      <p:pic>
+        <p:nvPicPr>
+          <p:cNvPr id="17" name="Рисунок 16">
+            <a:extLst>
+              <a:ext uri="{FF2B5EF4-FFF2-40B4-BE49-F238E27FC236}">
+                <a16:creationId xmlns:a16="http://schemas.microsoft.com/office/drawing/2014/main" id="{8FEC1C87-72E1-4CC7-BDB6-EBDDD1BE59E6}"/>
+              </a:ext>
+            </a:extLst>
+          </p:cNvPr>
+          <p:cNvPicPr>
+            <a:picLocks noChangeAspect="1"/>
+          </p:cNvPicPr>
+          <p:nvPr/>
+        </p:nvPicPr>
+        <p:blipFill>
+          <a:blip r:embed="rId3"/>
+          <a:stretch>
+            <a:fillRect/>
+          </a:stretch>
+        </p:blipFill>
+        <p:spPr>
+          <a:xfrm>
+            <a:off x="6202964" y="1982974"/>
+            <a:ext cx="3905795" cy="3258005"/>
+          </a:xfrm>
+          <a:prstGeom prst="rect">
+            <a:avLst/>
+          </a:prstGeom>
+        </p:spPr>
+      </p:pic>
+    </p:spTree>
+  </p:cSld>
+  <p:clrMapOvr>
+    <a:masterClrMapping/>
+  </p:clrMapOvr>
+</p:sld>
+</file>
+
+<file path=ppt/slides/slide21.xml><?xml version="1.0" encoding="utf-8"?>
+<p:sld xmlns:a="http://schemas.openxmlformats.org/drawingml/2006/main" xmlns:r="http://schemas.openxmlformats.org/officeDocument/2006/relationships" xmlns:p="http://schemas.openxmlformats.org/presentationml/2006/main">
+  <p:cSld>
+    <p:spTree>
+      <p:nvGrpSpPr>
+        <p:cNvPr id="1" name=""/>
+        <p:cNvGrpSpPr/>
+        <p:nvPr/>
+      </p:nvGrpSpPr>
+      <p:grpSpPr>
+        <a:xfrm>
+          <a:off x="0" y="0"/>
+          <a:ext cx="0" cy="0"/>
+          <a:chOff x="0" y="0"/>
+          <a:chExt cx="0" cy="0"/>
+        </a:xfrm>
+      </p:grpSpPr>
+      <p:sp>
+        <p:nvSpPr>
+          <p:cNvPr id="2" name="Заголовок 1"/>
+          <p:cNvSpPr>
+            <a:spLocks noGrp="1"/>
+          </p:cNvSpPr>
+          <p:nvPr>
+            <p:ph type="title"/>
+          </p:nvPr>
+        </p:nvSpPr>
+        <p:spPr/>
+        <p:txBody>
+          <a:bodyPr/>
+          <a:lstStyle/>
+          <a:p>
+            <a:r>
+              <a:rPr lang="ru-RU" b="1" dirty="0">
+                <a:solidFill>
+                  <a:schemeClr val="bg1"/>
+                </a:solidFill>
+                <a:latin typeface="Cascadia Code" pitchFamily="49" charset="0"/>
+                <a:cs typeface="Cascadia Code" pitchFamily="49" charset="0"/>
+              </a:rPr>
+              <a:t>Классы</a:t>
+            </a:r>
+          </a:p>
+        </p:txBody>
+      </p:sp>
+      <p:pic>
+        <p:nvPicPr>
+          <p:cNvPr id="2050" name="Picture 2"/>
+          <p:cNvPicPr>
+            <a:picLocks noChangeAspect="1" noChangeArrowheads="1"/>
+          </p:cNvPicPr>
+          <p:nvPr/>
+        </p:nvPicPr>
+        <p:blipFill>
+          <a:blip r:embed="rId2" cstate="print"/>
+          <a:srcRect/>
+          <a:stretch>
+            <a:fillRect/>
+          </a:stretch>
+        </p:blipFill>
+        <p:spPr bwMode="auto">
+          <a:xfrm>
+            <a:off x="243523" y="3248660"/>
+            <a:ext cx="5203465" cy="2197100"/>
+          </a:xfrm>
+          <a:prstGeom prst="rect">
+            <a:avLst/>
+          </a:prstGeom>
+          <a:noFill/>
+          <a:ln w="9525">
+            <a:noFill/>
+            <a:miter lim="800000"/>
+            <a:headEnd/>
+            <a:tailEnd/>
+          </a:ln>
+          <a:effectLst/>
+        </p:spPr>
+      </p:pic>
+      <p:pic>
+        <p:nvPicPr>
+          <p:cNvPr id="2051" name="Picture 3"/>
+          <p:cNvPicPr>
+            <a:picLocks noChangeAspect="1" noChangeArrowheads="1"/>
+          </p:cNvPicPr>
+          <p:nvPr/>
+        </p:nvPicPr>
+        <p:blipFill>
+          <a:blip r:embed="rId3" cstate="print"/>
+          <a:srcRect/>
+          <a:stretch>
+            <a:fillRect/>
+          </a:stretch>
+        </p:blipFill>
+        <p:spPr bwMode="auto">
+          <a:xfrm>
+            <a:off x="5745479" y="3261043"/>
+            <a:ext cx="6318325" cy="2174557"/>
+          </a:xfrm>
+          <a:prstGeom prst="rect">
+            <a:avLst/>
+          </a:prstGeom>
+          <a:noFill/>
+          <a:ln w="9525">
+            <a:noFill/>
+            <a:miter lim="800000"/>
+            <a:headEnd/>
+            <a:tailEnd/>
+          </a:ln>
+          <a:effectLst/>
+        </p:spPr>
+      </p:pic>
+      <p:sp>
+        <p:nvSpPr>
+          <p:cNvPr id="8" name="TextBox 7"/>
+          <p:cNvSpPr txBox="1"/>
+          <p:nvPr/>
+        </p:nvSpPr>
+        <p:spPr>
+          <a:xfrm>
+            <a:off x="254001" y="1452880"/>
+            <a:ext cx="11592560" cy="954107"/>
+          </a:xfrm>
+          <a:prstGeom prst="rect">
+            <a:avLst/>
+          </a:prstGeom>
+          <a:noFill/>
+        </p:spPr>
+        <p:txBody>
+          <a:bodyPr wrap="square" rtlCol="0">
+            <a:spAutoFit/>
+          </a:bodyPr>
+          <a:lstStyle/>
+          <a:p>
+            <a:r>
+              <a:rPr lang="ru-RU" sz="2800" dirty="0" err="1">
+                <a:solidFill>
+                  <a:schemeClr val="bg1"/>
+                </a:solidFill>
+                <a:latin typeface="Cascadia Code" pitchFamily="49" charset="0"/>
+                <a:cs typeface="Cascadia Code" pitchFamily="49" charset="0"/>
+              </a:rPr>
+              <a:t>TypeScript</a:t>
+            </a:r>
+            <a:r>
+              <a:rPr lang="ru-RU" sz="2800" dirty="0">
+                <a:solidFill>
+                  <a:schemeClr val="bg1"/>
+                </a:solidFill>
+                <a:latin typeface="Cascadia Code" pitchFamily="49" charset="0"/>
+                <a:cs typeface="Cascadia Code" pitchFamily="49" charset="0"/>
+              </a:rPr>
+              <a:t> сравнивает классы по их структуре, а не по имени.</a:t>
+            </a:r>
+          </a:p>
+        </p:txBody>
+      </p:sp>
+    </p:spTree>
+  </p:cSld>
+  <p:clrMapOvr>
+    <a:masterClrMapping/>
+  </p:clrMapOvr>
+</p:sld>
+</file>
+
+<file path=ppt/slides/slide22.xml><?xml version="1.0" encoding="utf-8"?>
+<p:sld xmlns:a="http://schemas.openxmlformats.org/drawingml/2006/main" xmlns:r="http://schemas.openxmlformats.org/officeDocument/2006/relationships" xmlns:p="http://schemas.openxmlformats.org/presentationml/2006/main">
+  <p:cSld>
+    <p:spTree>
+      <p:nvGrpSpPr>
+        <p:cNvPr id="1" name=""/>
+        <p:cNvGrpSpPr/>
+        <p:nvPr/>
+      </p:nvGrpSpPr>
+      <p:grpSpPr>
+        <a:xfrm>
+          <a:off x="0" y="0"/>
+          <a:ext cx="0" cy="0"/>
+          <a:chOff x="0" y="0"/>
+          <a:chExt cx="0" cy="0"/>
+        </a:xfrm>
+      </p:grpSpPr>
+      <p:sp>
+        <p:nvSpPr>
+          <p:cNvPr id="2" name="Заголовок 1"/>
+          <p:cNvSpPr>
+            <a:spLocks noGrp="1"/>
+          </p:cNvSpPr>
+          <p:nvPr>
+            <p:ph type="title"/>
+          </p:nvPr>
+        </p:nvSpPr>
+        <p:spPr/>
+        <p:txBody>
+          <a:bodyPr/>
+          <a:lstStyle/>
+          <a:p>
+            <a:r>
+              <a:rPr lang="ru-RU" b="1" dirty="0">
+                <a:solidFill>
+                  <a:schemeClr val="bg1"/>
+                </a:solidFill>
+                <a:latin typeface="Cascadia Code" pitchFamily="49" charset="0"/>
+                <a:cs typeface="Cascadia Code" pitchFamily="49" charset="0"/>
+              </a:rPr>
+              <a:t>Абстрактный класс</a:t>
+            </a:r>
+          </a:p>
+        </p:txBody>
+      </p:sp>
+      <p:sp>
+        <p:nvSpPr>
+          <p:cNvPr id="4" name="Содержимое 3"/>
+          <p:cNvSpPr>
+            <a:spLocks noGrp="1"/>
+          </p:cNvSpPr>
+          <p:nvPr>
+            <p:ph sz="half" idx="1"/>
+          </p:nvPr>
+        </p:nvSpPr>
+        <p:spPr>
+          <a:xfrm>
+            <a:off x="372980" y="1937920"/>
+            <a:ext cx="5181600" cy="4351338"/>
+          </a:xfrm>
+        </p:spPr>
+        <p:txBody>
+          <a:bodyPr/>
+          <a:lstStyle/>
+          <a:p>
+            <a:pPr>
+              <a:buNone/>
+            </a:pPr>
+            <a:r>
+              <a:rPr lang="ru-RU" b="1" dirty="0">
+                <a:solidFill>
+                  <a:schemeClr val="bg1"/>
+                </a:solidFill>
+                <a:latin typeface="Cascadia Code" pitchFamily="49" charset="0"/>
+                <a:cs typeface="Cascadia Code" pitchFamily="49" charset="0"/>
+              </a:rPr>
+              <a:t>Способен лишь</a:t>
+            </a:r>
+            <a:r>
+              <a:rPr lang="en-US" b="1" dirty="0">
+                <a:solidFill>
+                  <a:schemeClr val="bg1"/>
+                </a:solidFill>
+                <a:latin typeface="Cascadia Code" pitchFamily="49" charset="0"/>
+                <a:cs typeface="Cascadia Code" pitchFamily="49" charset="0"/>
+              </a:rPr>
+              <a:t> </a:t>
+            </a:r>
+            <a:r>
+              <a:rPr lang="ru-RU" b="1" dirty="0">
+                <a:solidFill>
+                  <a:schemeClr val="bg1"/>
+                </a:solidFill>
+                <a:latin typeface="Cascadia Code" pitchFamily="49" charset="0"/>
+                <a:cs typeface="Cascadia Code" pitchFamily="49" charset="0"/>
+              </a:rPr>
+              <a:t>смоделировать класс, поэтому создание его экземпляра невозможно.</a:t>
+            </a:r>
+          </a:p>
+          <a:p>
+            <a:pPr>
+              <a:buNone/>
+            </a:pPr>
+            <a:endParaRPr lang="ru-RU" b="1" dirty="0">
+              <a:solidFill>
+                <a:schemeClr val="bg1"/>
+              </a:solidFill>
+              <a:latin typeface="Cascadia Code" pitchFamily="49" charset="0"/>
+              <a:cs typeface="Cascadia Code" pitchFamily="49" charset="0"/>
+            </a:endParaRPr>
+          </a:p>
+        </p:txBody>
+      </p:sp>
+      <p:pic>
+        <p:nvPicPr>
+          <p:cNvPr id="7" name="Рисунок 6">
+            <a:extLst>
+              <a:ext uri="{FF2B5EF4-FFF2-40B4-BE49-F238E27FC236}">
+                <a16:creationId xmlns:a16="http://schemas.microsoft.com/office/drawing/2014/main" id="{01D47738-3311-4EE8-B7BA-6BE7FE86DA2D}"/>
+              </a:ext>
+            </a:extLst>
+          </p:cNvPr>
+          <p:cNvPicPr>
+            <a:picLocks noChangeAspect="1"/>
+          </p:cNvPicPr>
+          <p:nvPr/>
+        </p:nvPicPr>
+        <p:blipFill>
+          <a:blip r:embed="rId2"/>
+          <a:stretch>
+            <a:fillRect/>
+          </a:stretch>
+        </p:blipFill>
+        <p:spPr>
+          <a:xfrm>
+            <a:off x="5554580" y="1690688"/>
+            <a:ext cx="6043251" cy="3619249"/>
+          </a:xfrm>
+          <a:prstGeom prst="rect">
+            <a:avLst/>
+          </a:prstGeom>
+        </p:spPr>
+      </p:pic>
+      <p:sp>
+        <p:nvSpPr>
+          <p:cNvPr id="10" name="TextBox 9">
+            <a:extLst>
+              <a:ext uri="{FF2B5EF4-FFF2-40B4-BE49-F238E27FC236}">
+                <a16:creationId xmlns:a16="http://schemas.microsoft.com/office/drawing/2014/main" id="{4FCBF481-CD96-4CDA-8B14-12E3837343E4}"/>
+              </a:ext>
+            </a:extLst>
+          </p:cNvPr>
+          <p:cNvSpPr txBox="1"/>
+          <p:nvPr/>
+        </p:nvSpPr>
+        <p:spPr>
+          <a:xfrm>
+            <a:off x="457201" y="3869749"/>
+            <a:ext cx="5013158" cy="1815882"/>
+          </a:xfrm>
+          <a:prstGeom prst="rect">
+            <a:avLst/>
+          </a:prstGeom>
+          <a:noFill/>
+        </p:spPr>
+        <p:txBody>
+          <a:bodyPr wrap="square">
+            <a:spAutoFit/>
+          </a:bodyPr>
+          <a:lstStyle/>
+          <a:p>
+            <a:r>
+              <a:rPr lang="ru-RU" sz="2800" b="1" i="0" dirty="0">
+                <a:solidFill>
+                  <a:srgbClr val="FFFFFF"/>
+                </a:solidFill>
+                <a:effectLst/>
+                <a:latin typeface="Cascadia Code" panose="020B0609020000020004" pitchFamily="49" charset="0"/>
+                <a:cs typeface="Cascadia Code" panose="020B0609020000020004" pitchFamily="49" charset="0"/>
+              </a:rPr>
+              <a:t>Класс, реализующий абстрактный класс, должен вызывать </a:t>
+            </a:r>
+            <a:r>
+              <a:rPr lang="ru-RU" sz="2800" b="1" i="0" dirty="0" err="1">
+                <a:solidFill>
+                  <a:srgbClr val="FFFFFF"/>
+                </a:solidFill>
+                <a:effectLst/>
+                <a:latin typeface="Cascadia Code" panose="020B0609020000020004" pitchFamily="49" charset="0"/>
+                <a:cs typeface="Cascadia Code" panose="020B0609020000020004" pitchFamily="49" charset="0"/>
+              </a:rPr>
+              <a:t>super</a:t>
+            </a:r>
+            <a:r>
+              <a:rPr lang="ru-RU" sz="2800" b="1" i="0" dirty="0">
+                <a:solidFill>
+                  <a:srgbClr val="FFFFFF"/>
+                </a:solidFill>
+                <a:effectLst/>
+                <a:latin typeface="Cascadia Code" panose="020B0609020000020004" pitchFamily="49" charset="0"/>
+                <a:cs typeface="Cascadia Code" panose="020B0609020000020004" pitchFamily="49" charset="0"/>
+              </a:rPr>
+              <a:t>() в конструкторе.</a:t>
+            </a:r>
+            <a:endParaRPr lang="ru-BY" sz="2800" b="1" dirty="0">
+              <a:latin typeface="Cascadia Code" panose="020B0609020000020004" pitchFamily="49" charset="0"/>
+              <a:cs typeface="Cascadia Code" panose="020B0609020000020004" pitchFamily="49" charset="0"/>
+            </a:endParaRPr>
+          </a:p>
+        </p:txBody>
+      </p:sp>
+    </p:spTree>
+  </p:cSld>
+  <p:clrMapOvr>
+    <a:masterClrMapping/>
+  </p:clrMapOvr>
+</p:sld>
+</file>
+
+<file path=ppt/slides/slide23.xml><?xml version="1.0" encoding="utf-8"?>
+<p:sld xmlns:a="http://schemas.openxmlformats.org/drawingml/2006/main" xmlns:r="http://schemas.openxmlformats.org/officeDocument/2006/relationships" xmlns:p="http://schemas.openxmlformats.org/presentationml/2006/main">
+  <p:cSld>
+    <p:spTree>
+      <p:nvGrpSpPr>
+        <p:cNvPr id="1" name=""/>
+        <p:cNvGrpSpPr/>
+        <p:nvPr/>
+      </p:nvGrpSpPr>
+      <p:grpSpPr>
+        <a:xfrm>
+          <a:off x="0" y="0"/>
+          <a:ext cx="0" cy="0"/>
+          <a:chOff x="0" y="0"/>
+          <a:chExt cx="0" cy="0"/>
+        </a:xfrm>
+      </p:grpSpPr>
+      <p:pic>
+        <p:nvPicPr>
+          <p:cNvPr id="8" name="Рисунок 7">
+            <a:extLst>
+              <a:ext uri="{FF2B5EF4-FFF2-40B4-BE49-F238E27FC236}">
+                <a16:creationId xmlns:a16="http://schemas.microsoft.com/office/drawing/2014/main" id="{575A009A-F858-4D19-A411-E2412363387C}"/>
+              </a:ext>
+            </a:extLst>
+          </p:cNvPr>
+          <p:cNvPicPr>
+            <a:picLocks noChangeAspect="1"/>
+          </p:cNvPicPr>
+          <p:nvPr/>
+        </p:nvPicPr>
+        <p:blipFill>
+          <a:blip r:embed="rId2"/>
+          <a:stretch>
+            <a:fillRect/>
+          </a:stretch>
+        </p:blipFill>
+        <p:spPr>
+          <a:xfrm>
+            <a:off x="2162088" y="0"/>
+            <a:ext cx="8220751" cy="6858000"/>
+          </a:xfrm>
+          <a:prstGeom prst="rect">
+            <a:avLst/>
+          </a:prstGeom>
+        </p:spPr>
+      </p:pic>
+    </p:spTree>
+    <p:extLst>
+      <p:ext uri="{BB962C8B-B14F-4D97-AF65-F5344CB8AC3E}">
+        <p14:creationId xmlns:p14="http://schemas.microsoft.com/office/powerpoint/2010/main" val="1191338187"/>
+      </p:ext>
+    </p:extLst>
+  </p:cSld>
+  <p:clrMapOvr>
+    <a:masterClrMapping/>
+  </p:clrMapOvr>
+</p:sld>
+</file>
+
+<file path=ppt/slides/slide24.xml><?xml version="1.0" encoding="utf-8"?>
+<p:sld xmlns:a="http://schemas.openxmlformats.org/drawingml/2006/main" xmlns:r="http://schemas.openxmlformats.org/officeDocument/2006/relationships" xmlns:p="http://schemas.openxmlformats.org/presentationml/2006/main">
+  <p:cSld>
+    <p:spTree>
+      <p:nvGrpSpPr>
+        <p:cNvPr id="1" name=""/>
+        <p:cNvGrpSpPr/>
+        <p:nvPr/>
+      </p:nvGrpSpPr>
+      <p:grpSpPr>
+        <a:xfrm>
+          <a:off x="0" y="0"/>
+          <a:ext cx="0" cy="0"/>
+          <a:chOff x="0" y="0"/>
+          <a:chExt cx="0" cy="0"/>
+        </a:xfrm>
+      </p:grpSpPr>
+      <p:sp>
+        <p:nvSpPr>
+          <p:cNvPr id="2" name="Заголовок 1"/>
+          <p:cNvSpPr>
+            <a:spLocks noGrp="1"/>
+          </p:cNvSpPr>
+          <p:nvPr>
+            <p:ph type="title"/>
+          </p:nvPr>
+        </p:nvSpPr>
+        <p:spPr/>
+        <p:txBody>
+          <a:bodyPr/>
+          <a:lstStyle/>
+          <a:p>
+            <a:r>
+              <a:rPr lang="ru-RU" b="1" dirty="0">
+                <a:solidFill>
+                  <a:schemeClr val="bg1"/>
+                </a:solidFill>
+                <a:latin typeface="Cascadia Code" pitchFamily="49" charset="0"/>
+                <a:cs typeface="Cascadia Code" pitchFamily="49" charset="0"/>
+              </a:rPr>
+              <a:t>Инкапсуляция</a:t>
+            </a:r>
+          </a:p>
+        </p:txBody>
+      </p:sp>
+      <p:pic>
+        <p:nvPicPr>
+          <p:cNvPr id="5124" name="Picture 4"/>
+          <p:cNvPicPr>
+            <a:picLocks noChangeAspect="1" noChangeArrowheads="1"/>
+          </p:cNvPicPr>
+          <p:nvPr/>
+        </p:nvPicPr>
+        <p:blipFill>
+          <a:blip r:embed="rId2" cstate="print"/>
+          <a:srcRect/>
+          <a:stretch>
+            <a:fillRect/>
+          </a:stretch>
+        </p:blipFill>
+        <p:spPr bwMode="auto">
+          <a:xfrm>
+            <a:off x="1941036" y="1537436"/>
+            <a:ext cx="8309928" cy="4437805"/>
+          </a:xfrm>
+          <a:prstGeom prst="rect">
+            <a:avLst/>
+          </a:prstGeom>
+          <a:noFill/>
+          <a:ln w="9525">
+            <a:noFill/>
+            <a:miter lim="800000"/>
+            <a:headEnd/>
+            <a:tailEnd/>
+          </a:ln>
+          <a:effectLst/>
+        </p:spPr>
+      </p:pic>
+    </p:spTree>
+  </p:cSld>
+  <p:clrMapOvr>
+    <a:masterClrMapping/>
+  </p:clrMapOvr>
+</p:sld>
+</file>
+
+<file path=ppt/slides/slide25.xml><?xml version="1.0" encoding="utf-8"?>
+<p:sld xmlns:a="http://schemas.openxmlformats.org/drawingml/2006/main" xmlns:r="http://schemas.openxmlformats.org/officeDocument/2006/relationships" xmlns:p="http://schemas.openxmlformats.org/presentationml/2006/main">
+  <p:cSld>
+    <p:spTree>
+      <p:nvGrpSpPr>
+        <p:cNvPr id="1" name=""/>
+        <p:cNvGrpSpPr/>
+        <p:nvPr/>
+      </p:nvGrpSpPr>
+      <p:grpSpPr>
+        <a:xfrm>
+          <a:off x="0" y="0"/>
+          <a:ext cx="0" cy="0"/>
+          <a:chOff x="0" y="0"/>
+          <a:chExt cx="0" cy="0"/>
+        </a:xfrm>
+      </p:grpSpPr>
+      <p:sp>
+        <p:nvSpPr>
+          <p:cNvPr id="2" name="Заголовок 1"/>
+          <p:cNvSpPr>
+            <a:spLocks noGrp="1"/>
+          </p:cNvSpPr>
+          <p:nvPr>
+            <p:ph type="title"/>
+          </p:nvPr>
+        </p:nvSpPr>
+        <p:spPr/>
+        <p:txBody>
+          <a:bodyPr/>
+          <a:lstStyle/>
+          <a:p>
+            <a:r>
+              <a:rPr lang="ru-RU" b="1" dirty="0">
+                <a:solidFill>
+                  <a:schemeClr val="bg1"/>
+                </a:solidFill>
+                <a:latin typeface="Cascadia Code" pitchFamily="49" charset="0"/>
+                <a:cs typeface="Cascadia Code" pitchFamily="49" charset="0"/>
+              </a:rPr>
+              <a:t>Наследование</a:t>
+            </a:r>
+          </a:p>
+        </p:txBody>
+      </p:sp>
+      <p:pic>
+        <p:nvPicPr>
+          <p:cNvPr id="4099" name="Picture 3"/>
+          <p:cNvPicPr>
+            <a:picLocks noGrp="1" noChangeAspect="1" noChangeArrowheads="1"/>
+          </p:cNvPicPr>
+          <p:nvPr>
+            <p:ph sz="half" idx="1"/>
+          </p:nvPr>
+        </p:nvPicPr>
+        <p:blipFill>
+          <a:blip r:embed="rId2" cstate="print"/>
+          <a:srcRect/>
+          <a:stretch>
+            <a:fillRect/>
+          </a:stretch>
+        </p:blipFill>
+        <p:spPr bwMode="auto">
+          <a:xfrm>
+            <a:off x="933233" y="1808480"/>
+            <a:ext cx="8861007" cy="4220815"/>
+          </a:xfrm>
+          <a:prstGeom prst="rect">
+            <a:avLst/>
+          </a:prstGeom>
+          <a:noFill/>
+          <a:ln w="9525">
+            <a:noFill/>
+            <a:miter lim="800000"/>
+            <a:headEnd/>
+            <a:tailEnd/>
+          </a:ln>
+          <a:effectLst/>
+        </p:spPr>
+      </p:pic>
+    </p:spTree>
+  </p:cSld>
+  <p:clrMapOvr>
+    <a:masterClrMapping/>
+  </p:clrMapOvr>
+</p:sld>
+</file>
+
+<file path=ppt/slides/slide26.xml><?xml version="1.0" encoding="utf-8"?>
+<p:sld xmlns:a="http://schemas.openxmlformats.org/drawingml/2006/main" xmlns:r="http://schemas.openxmlformats.org/officeDocument/2006/relationships" xmlns:p="http://schemas.openxmlformats.org/presentationml/2006/main">
+  <p:cSld>
+    <p:spTree>
+      <p:nvGrpSpPr>
+        <p:cNvPr id="1" name=""/>
+        <p:cNvGrpSpPr/>
+        <p:nvPr/>
+      </p:nvGrpSpPr>
+      <p:grpSpPr>
+        <a:xfrm>
+          <a:off x="0" y="0"/>
+          <a:ext cx="0" cy="0"/>
+          <a:chOff x="0" y="0"/>
+          <a:chExt cx="0" cy="0"/>
+        </a:xfrm>
+      </p:grpSpPr>
+      <p:sp>
+        <p:nvSpPr>
+          <p:cNvPr id="2" name="Заголовок 1"/>
+          <p:cNvSpPr>
+            <a:spLocks noGrp="1"/>
+          </p:cNvSpPr>
+          <p:nvPr>
+            <p:ph type="title"/>
+          </p:nvPr>
+        </p:nvSpPr>
+        <p:spPr/>
+        <p:txBody>
+          <a:bodyPr/>
+          <a:lstStyle/>
+          <a:p>
+            <a:r>
+              <a:rPr lang="ru-RU" b="1" dirty="0">
+                <a:solidFill>
+                  <a:schemeClr val="bg1"/>
+                </a:solidFill>
+                <a:latin typeface="Cascadia Code" pitchFamily="49" charset="0"/>
+                <a:cs typeface="Cascadia Code" pitchFamily="49" charset="0"/>
+              </a:rPr>
+              <a:t>Полиморфизм</a:t>
+            </a:r>
+          </a:p>
+        </p:txBody>
+      </p:sp>
+      <p:pic>
+        <p:nvPicPr>
+          <p:cNvPr id="11266" name="Picture 2"/>
+          <p:cNvPicPr>
+            <a:picLocks noChangeAspect="1" noChangeArrowheads="1"/>
+          </p:cNvPicPr>
+          <p:nvPr/>
+        </p:nvPicPr>
+        <p:blipFill>
+          <a:blip r:embed="rId2" cstate="print"/>
+          <a:srcRect/>
+          <a:stretch>
+            <a:fillRect/>
+          </a:stretch>
+        </p:blipFill>
+        <p:spPr bwMode="auto">
+          <a:xfrm>
+            <a:off x="246129" y="1507919"/>
+            <a:ext cx="5849871" cy="3094451"/>
+          </a:xfrm>
+          <a:prstGeom prst="rect">
+            <a:avLst/>
+          </a:prstGeom>
+          <a:noFill/>
+          <a:ln w="9525">
+            <a:noFill/>
+            <a:miter lim="800000"/>
+            <a:headEnd/>
+            <a:tailEnd/>
+          </a:ln>
+          <a:effectLst/>
+        </p:spPr>
+      </p:pic>
+      <p:pic>
+        <p:nvPicPr>
+          <p:cNvPr id="11267" name="Picture 3"/>
+          <p:cNvPicPr>
+            <a:picLocks noChangeAspect="1" noChangeArrowheads="1"/>
+          </p:cNvPicPr>
+          <p:nvPr/>
+        </p:nvPicPr>
+        <p:blipFill>
+          <a:blip r:embed="rId3" cstate="print"/>
+          <a:srcRect/>
+          <a:stretch>
+            <a:fillRect/>
+          </a:stretch>
+        </p:blipFill>
+        <p:spPr bwMode="auto">
+          <a:xfrm>
+            <a:off x="6339223" y="1498491"/>
+            <a:ext cx="5401775" cy="3078479"/>
+          </a:xfrm>
+          <a:prstGeom prst="rect">
+            <a:avLst/>
+          </a:prstGeom>
+          <a:noFill/>
+          <a:ln w="9525">
+            <a:noFill/>
+            <a:miter lim="800000"/>
+            <a:headEnd/>
+            <a:tailEnd/>
+          </a:ln>
+          <a:effectLst/>
+        </p:spPr>
+      </p:pic>
+    </p:spTree>
+  </p:cSld>
+  <p:clrMapOvr>
+    <a:masterClrMapping/>
+  </p:clrMapOvr>
+</p:sld>
+</file>
+
+<file path=ppt/slides/slide27.xml><?xml version="1.0" encoding="utf-8"?>
+<p:sld xmlns:a="http://schemas.openxmlformats.org/drawingml/2006/main" xmlns:r="http://schemas.openxmlformats.org/officeDocument/2006/relationships" xmlns:p="http://schemas.openxmlformats.org/presentationml/2006/main">
+  <p:cSld>
+    <p:spTree>
+      <p:nvGrpSpPr>
+        <p:cNvPr id="1" name=""/>
+        <p:cNvGrpSpPr/>
+        <p:nvPr/>
+      </p:nvGrpSpPr>
+      <p:grpSpPr>
+        <a:xfrm>
+          <a:off x="0" y="0"/>
+          <a:ext cx="0" cy="0"/>
+          <a:chOff x="0" y="0"/>
+          <a:chExt cx="0" cy="0"/>
+        </a:xfrm>
+      </p:grpSpPr>
+      <p:sp>
+        <p:nvSpPr>
+          <p:cNvPr id="2" name="Заголовок 1"/>
+          <p:cNvSpPr>
+            <a:spLocks noGrp="1"/>
+          </p:cNvSpPr>
+          <p:nvPr>
+            <p:ph type="title"/>
+          </p:nvPr>
+        </p:nvSpPr>
+        <p:spPr/>
+        <p:txBody>
+          <a:bodyPr/>
+          <a:lstStyle/>
+          <a:p>
+            <a:r>
+              <a:rPr lang="ru-RU" b="1" dirty="0">
+                <a:solidFill>
+                  <a:schemeClr val="bg1"/>
+                </a:solidFill>
+                <a:latin typeface="Cascadia Code" pitchFamily="49" charset="0"/>
+                <a:cs typeface="Cascadia Code" pitchFamily="49" charset="0"/>
+              </a:rPr>
+              <a:t>Обобщённые классы</a:t>
+            </a:r>
+          </a:p>
+        </p:txBody>
+      </p:sp>
+      <p:pic>
+        <p:nvPicPr>
+          <p:cNvPr id="12290" name="Picture 2"/>
+          <p:cNvPicPr>
+            <a:picLocks noChangeAspect="1" noChangeArrowheads="1"/>
+          </p:cNvPicPr>
+          <p:nvPr/>
+        </p:nvPicPr>
+        <p:blipFill>
+          <a:blip r:embed="rId2" cstate="print"/>
+          <a:srcRect/>
+          <a:stretch>
+            <a:fillRect/>
+          </a:stretch>
+        </p:blipFill>
+        <p:spPr bwMode="auto">
+          <a:xfrm>
+            <a:off x="257575" y="1368425"/>
+            <a:ext cx="5139154" cy="3148648"/>
+          </a:xfrm>
+          <a:prstGeom prst="rect">
+            <a:avLst/>
+          </a:prstGeom>
+          <a:noFill/>
+          <a:ln w="9525">
+            <a:noFill/>
+            <a:miter lim="800000"/>
+            <a:headEnd/>
+            <a:tailEnd/>
+          </a:ln>
+          <a:effectLst/>
+        </p:spPr>
+      </p:pic>
+      <p:pic>
+        <p:nvPicPr>
+          <p:cNvPr id="5" name="Picture 3">
+            <a:extLst>
+              <a:ext uri="{FF2B5EF4-FFF2-40B4-BE49-F238E27FC236}">
+                <a16:creationId xmlns:a16="http://schemas.microsoft.com/office/drawing/2014/main" id="{8FFF7C3A-6D35-4EF1-BE46-159FAF653E75}"/>
+              </a:ext>
+            </a:extLst>
+          </p:cNvPr>
+          <p:cNvPicPr>
+            <a:picLocks noChangeAspect="1" noChangeArrowheads="1"/>
+          </p:cNvPicPr>
+          <p:nvPr/>
+        </p:nvPicPr>
+        <p:blipFill>
+          <a:blip r:embed="rId3" cstate="print"/>
+          <a:srcRect/>
+          <a:stretch>
+            <a:fillRect/>
+          </a:stretch>
+        </p:blipFill>
+        <p:spPr bwMode="auto">
+          <a:xfrm>
+            <a:off x="5746133" y="1454150"/>
+            <a:ext cx="6188292" cy="2977198"/>
+          </a:xfrm>
+          <a:prstGeom prst="rect">
+            <a:avLst/>
+          </a:prstGeom>
+          <a:noFill/>
+          <a:ln w="9525">
+            <a:noFill/>
+            <a:miter lim="800000"/>
+            <a:headEnd/>
+            <a:tailEnd/>
+          </a:ln>
+          <a:effectLst/>
+        </p:spPr>
+      </p:pic>
+    </p:spTree>
+  </p:cSld>
+  <p:clrMapOvr>
+    <a:masterClrMapping/>
+  </p:clrMapOvr>
+</p:sld>
+</file>
+
+<file path=ppt/slides/slide28.xml><?xml version="1.0" encoding="utf-8"?>
+<p:sld xmlns:a="http://schemas.openxmlformats.org/drawingml/2006/main" xmlns:r="http://schemas.openxmlformats.org/officeDocument/2006/relationships" xmlns:p="http://schemas.openxmlformats.org/presentationml/2006/main">
+  <p:cSld>
+    <p:spTree>
+      <p:nvGrpSpPr>
+        <p:cNvPr id="1" name=""/>
+        <p:cNvGrpSpPr/>
+        <p:nvPr/>
+      </p:nvGrpSpPr>
+      <p:grpSpPr>
+        <a:xfrm>
+          <a:off x="0" y="0"/>
+          <a:ext cx="0" cy="0"/>
+          <a:chOff x="0" y="0"/>
+          <a:chExt cx="0" cy="0"/>
+        </a:xfrm>
+      </p:grpSpPr>
+      <p:sp>
+        <p:nvSpPr>
+          <p:cNvPr id="2" name="Заголовок 1"/>
+          <p:cNvSpPr>
+            <a:spLocks noGrp="1"/>
+          </p:cNvSpPr>
+          <p:nvPr>
+            <p:ph type="title"/>
+          </p:nvPr>
+        </p:nvSpPr>
+        <p:spPr/>
+        <p:txBody>
+          <a:bodyPr/>
+          <a:lstStyle/>
+          <a:p>
+            <a:r>
+              <a:rPr lang="ru-RU" b="1" dirty="0">
+                <a:solidFill>
+                  <a:schemeClr val="bg1"/>
+                </a:solidFill>
+                <a:latin typeface="Cascadia Code" pitchFamily="49" charset="0"/>
+                <a:cs typeface="Cascadia Code" pitchFamily="49" charset="0"/>
+              </a:rPr>
+              <a:t>Интерфейсы</a:t>
+            </a:r>
+          </a:p>
+        </p:txBody>
+      </p:sp>
+      <p:pic>
+        <p:nvPicPr>
+          <p:cNvPr id="6147" name="Picture 3"/>
+          <p:cNvPicPr>
+            <a:picLocks noChangeAspect="1" noChangeArrowheads="1"/>
+          </p:cNvPicPr>
+          <p:nvPr/>
+        </p:nvPicPr>
+        <p:blipFill>
+          <a:blip r:embed="rId2" cstate="print"/>
+          <a:srcRect/>
+          <a:stretch>
+            <a:fillRect/>
+          </a:stretch>
+        </p:blipFill>
+        <p:spPr bwMode="auto">
+          <a:xfrm>
+            <a:off x="933133" y="1675448"/>
+            <a:ext cx="4339907" cy="1858751"/>
+          </a:xfrm>
+          <a:prstGeom prst="rect">
+            <a:avLst/>
+          </a:prstGeom>
+          <a:noFill/>
+          <a:ln w="9525">
+            <a:noFill/>
+            <a:miter lim="800000"/>
+            <a:headEnd/>
+            <a:tailEnd/>
+          </a:ln>
+          <a:effectLst/>
+        </p:spPr>
+      </p:pic>
+      <p:pic>
+        <p:nvPicPr>
+          <p:cNvPr id="6148" name="Picture 4"/>
+          <p:cNvPicPr>
+            <a:picLocks noChangeAspect="1" noChangeArrowheads="1"/>
+          </p:cNvPicPr>
+          <p:nvPr/>
+        </p:nvPicPr>
+        <p:blipFill>
+          <a:blip r:embed="rId3" cstate="print"/>
+          <a:srcRect/>
+          <a:stretch>
+            <a:fillRect/>
+          </a:stretch>
+        </p:blipFill>
+        <p:spPr bwMode="auto">
+          <a:xfrm>
+            <a:off x="944880" y="3805873"/>
+            <a:ext cx="9083040" cy="2621624"/>
+          </a:xfrm>
+          <a:prstGeom prst="rect">
+            <a:avLst/>
+          </a:prstGeom>
+          <a:noFill/>
+          <a:ln w="9525">
+            <a:noFill/>
+            <a:miter lim="800000"/>
+            <a:headEnd/>
+            <a:tailEnd/>
+          </a:ln>
+          <a:effectLst/>
+        </p:spPr>
+      </p:pic>
+      <p:pic>
+        <p:nvPicPr>
+          <p:cNvPr id="6149" name="Picture 5"/>
+          <p:cNvPicPr>
+            <a:picLocks noChangeAspect="1" noChangeArrowheads="1"/>
+          </p:cNvPicPr>
+          <p:nvPr/>
+        </p:nvPicPr>
+        <p:blipFill>
+          <a:blip r:embed="rId4" cstate="print"/>
+          <a:srcRect/>
+          <a:stretch>
+            <a:fillRect/>
+          </a:stretch>
+        </p:blipFill>
+        <p:spPr bwMode="auto">
+          <a:xfrm>
+            <a:off x="5497830" y="1675448"/>
+            <a:ext cx="4507774" cy="1860232"/>
+          </a:xfrm>
+          <a:prstGeom prst="rect">
+            <a:avLst/>
+          </a:prstGeom>
+          <a:noFill/>
+          <a:ln w="9525">
+            <a:noFill/>
+            <a:miter lim="800000"/>
+            <a:headEnd/>
+            <a:tailEnd/>
+          </a:ln>
+          <a:effectLst/>
+        </p:spPr>
+      </p:pic>
+    </p:spTree>
+  </p:cSld>
+  <p:clrMapOvr>
+    <a:masterClrMapping/>
+  </p:clrMapOvr>
+</p:sld>
+</file>
+
+<file path=ppt/slides/slide29.xml><?xml version="1.0" encoding="utf-8"?>
+<p:sld xmlns:a="http://schemas.openxmlformats.org/drawingml/2006/main" xmlns:r="http://schemas.openxmlformats.org/officeDocument/2006/relationships" xmlns:p="http://schemas.openxmlformats.org/presentationml/2006/main">
+  <p:cSld>
+    <p:spTree>
+      <p:nvGrpSpPr>
+        <p:cNvPr id="1" name=""/>
+        <p:cNvGrpSpPr/>
+        <p:nvPr/>
+      </p:nvGrpSpPr>
+      <p:grpSpPr>
+        <a:xfrm>
+          <a:off x="0" y="0"/>
+          <a:ext cx="0" cy="0"/>
+          <a:chOff x="0" y="0"/>
+          <a:chExt cx="0" cy="0"/>
+        </a:xfrm>
+      </p:grpSpPr>
+      <p:sp>
+        <p:nvSpPr>
+          <p:cNvPr id="2" name="Заголовок 1"/>
+          <p:cNvSpPr>
+            <a:spLocks noGrp="1"/>
+          </p:cNvSpPr>
+          <p:nvPr>
+            <p:ph type="title"/>
+          </p:nvPr>
+        </p:nvSpPr>
+        <p:spPr/>
+        <p:txBody>
+          <a:bodyPr/>
+          <a:lstStyle/>
+          <a:p>
+            <a:r>
+              <a:rPr lang="ru-RU" b="1" dirty="0">
+                <a:solidFill>
+                  <a:schemeClr val="bg1"/>
+                </a:solidFill>
+                <a:latin typeface="Cascadia Code" pitchFamily="49" charset="0"/>
+                <a:cs typeface="Cascadia Code" pitchFamily="49" charset="0"/>
+              </a:rPr>
+              <a:t>Обработка ошибок</a:t>
+            </a:r>
+          </a:p>
+        </p:txBody>
+      </p:sp>
+      <p:pic>
+        <p:nvPicPr>
+          <p:cNvPr id="7171" name="Picture 3"/>
+          <p:cNvPicPr>
+            <a:picLocks noChangeAspect="1" noChangeArrowheads="1"/>
+          </p:cNvPicPr>
+          <p:nvPr/>
+        </p:nvPicPr>
+        <p:blipFill>
+          <a:blip r:embed="rId2" cstate="print"/>
+          <a:srcRect/>
+          <a:stretch>
+            <a:fillRect/>
+          </a:stretch>
+        </p:blipFill>
+        <p:spPr bwMode="auto">
+          <a:xfrm>
+            <a:off x="953770" y="1550353"/>
+            <a:ext cx="5448300" cy="1704975"/>
+          </a:xfrm>
+          <a:prstGeom prst="rect">
+            <a:avLst/>
+          </a:prstGeom>
+          <a:noFill/>
+          <a:ln w="9525">
+            <a:noFill/>
+            <a:miter lim="800000"/>
+            <a:headEnd/>
+            <a:tailEnd/>
+          </a:ln>
+          <a:effectLst/>
+        </p:spPr>
+      </p:pic>
+      <p:pic>
+        <p:nvPicPr>
+          <p:cNvPr id="7172" name="Picture 4"/>
+          <p:cNvPicPr>
+            <a:picLocks noChangeAspect="1" noChangeArrowheads="1"/>
+          </p:cNvPicPr>
+          <p:nvPr/>
+        </p:nvPicPr>
+        <p:blipFill>
+          <a:blip r:embed="rId3" cstate="print"/>
+          <a:srcRect/>
+          <a:stretch>
+            <a:fillRect/>
+          </a:stretch>
+        </p:blipFill>
+        <p:spPr bwMode="auto">
+          <a:xfrm>
+            <a:off x="942023" y="3815080"/>
+            <a:ext cx="6364287" cy="1524000"/>
+          </a:xfrm>
+          <a:prstGeom prst="rect">
+            <a:avLst/>
+          </a:prstGeom>
+          <a:noFill/>
+          <a:ln w="9525">
+            <a:noFill/>
+            <a:miter lim="800000"/>
+            <a:headEnd/>
+            <a:tailEnd/>
+          </a:ln>
+          <a:effectLst/>
+        </p:spPr>
+      </p:pic>
+    </p:spTree>
   </p:cSld>
   <p:clrMapOvr>
     <a:masterClrMapping/>
@@ -5268,7 +8146,7 @@
               </a:rPr>
               <a:t>TypeScript?</a:t>
             </a:r>
-            <a:endParaRPr lang="ru-BY" sz="4400" dirty="0"/>
+            <a:endParaRPr lang="x-none" sz="4400" dirty="0"/>
           </a:p>
         </p:txBody>
       </p:sp>
@@ -5617,6 +8495,2012 @@
         <p14:creationId xmlns:p14="http://schemas.microsoft.com/office/powerpoint/2010/main" val="1955553209"/>
       </p:ext>
     </p:extLst>
+  </p:cSld>
+  <p:clrMapOvr>
+    <a:masterClrMapping/>
+  </p:clrMapOvr>
+</p:sld>
+</file>
+
+<file path=ppt/slides/slide30.xml><?xml version="1.0" encoding="utf-8"?>
+<p:sld xmlns:a="http://schemas.openxmlformats.org/drawingml/2006/main" xmlns:r="http://schemas.openxmlformats.org/officeDocument/2006/relationships" xmlns:p="http://schemas.openxmlformats.org/presentationml/2006/main">
+  <p:cSld>
+    <p:spTree>
+      <p:nvGrpSpPr>
+        <p:cNvPr id="1" name=""/>
+        <p:cNvGrpSpPr/>
+        <p:nvPr/>
+      </p:nvGrpSpPr>
+      <p:grpSpPr>
+        <a:xfrm>
+          <a:off x="0" y="0"/>
+          <a:ext cx="0" cy="0"/>
+          <a:chOff x="0" y="0"/>
+          <a:chExt cx="0" cy="0"/>
+        </a:xfrm>
+      </p:grpSpPr>
+      <p:sp>
+        <p:nvSpPr>
+          <p:cNvPr id="2" name="Заголовок 1"/>
+          <p:cNvSpPr>
+            <a:spLocks noGrp="1"/>
+          </p:cNvSpPr>
+          <p:nvPr>
+            <p:ph type="title"/>
+          </p:nvPr>
+        </p:nvSpPr>
+        <p:spPr/>
+        <p:txBody>
+          <a:bodyPr/>
+          <a:lstStyle/>
+          <a:p>
+            <a:r>
+              <a:rPr lang="ru-RU" b="1" dirty="0" err="1">
+                <a:solidFill>
+                  <a:schemeClr val="bg1"/>
+                </a:solidFill>
+                <a:latin typeface="Cascadia Code" pitchFamily="49" charset="0"/>
+                <a:cs typeface="Cascadia Code" pitchFamily="49" charset="0"/>
+              </a:rPr>
+              <a:t>Кастомизация</a:t>
+            </a:r>
+            <a:r>
+              <a:rPr lang="ru-RU" b="1" dirty="0">
+                <a:solidFill>
+                  <a:schemeClr val="bg1"/>
+                </a:solidFill>
+                <a:latin typeface="Cascadia Code" pitchFamily="49" charset="0"/>
+                <a:cs typeface="Cascadia Code" pitchFamily="49" charset="0"/>
+              </a:rPr>
+              <a:t> ошибок</a:t>
+            </a:r>
+          </a:p>
+        </p:txBody>
+      </p:sp>
+      <p:pic>
+        <p:nvPicPr>
+          <p:cNvPr id="8194" name="Picture 2"/>
+          <p:cNvPicPr>
+            <a:picLocks noChangeAspect="1" noChangeArrowheads="1"/>
+          </p:cNvPicPr>
+          <p:nvPr/>
+        </p:nvPicPr>
+        <p:blipFill>
+          <a:blip r:embed="rId2" cstate="print"/>
+          <a:srcRect/>
+          <a:stretch>
+            <a:fillRect/>
+          </a:stretch>
+        </p:blipFill>
+        <p:spPr bwMode="auto">
+          <a:xfrm>
+            <a:off x="942658" y="1563370"/>
+            <a:ext cx="7397273" cy="712470"/>
+          </a:xfrm>
+          <a:prstGeom prst="rect">
+            <a:avLst/>
+          </a:prstGeom>
+          <a:noFill/>
+          <a:ln w="9525">
+            <a:noFill/>
+            <a:miter lim="800000"/>
+            <a:headEnd/>
+            <a:tailEnd/>
+          </a:ln>
+          <a:effectLst/>
+        </p:spPr>
+      </p:pic>
+      <p:pic>
+        <p:nvPicPr>
+          <p:cNvPr id="8195" name="Picture 3"/>
+          <p:cNvPicPr>
+            <a:picLocks noChangeAspect="1" noChangeArrowheads="1"/>
+          </p:cNvPicPr>
+          <p:nvPr/>
+        </p:nvPicPr>
+        <p:blipFill>
+          <a:blip r:embed="rId3" cstate="print"/>
+          <a:srcRect/>
+          <a:stretch>
+            <a:fillRect/>
+          </a:stretch>
+        </p:blipFill>
+        <p:spPr bwMode="auto">
+          <a:xfrm>
+            <a:off x="947738" y="2501900"/>
+            <a:ext cx="7403782" cy="1977812"/>
+          </a:xfrm>
+          <a:prstGeom prst="rect">
+            <a:avLst/>
+          </a:prstGeom>
+          <a:noFill/>
+          <a:ln w="9525">
+            <a:noFill/>
+            <a:miter lim="800000"/>
+            <a:headEnd/>
+            <a:tailEnd/>
+          </a:ln>
+          <a:effectLst/>
+        </p:spPr>
+      </p:pic>
+      <p:pic>
+        <p:nvPicPr>
+          <p:cNvPr id="8196" name="Picture 4"/>
+          <p:cNvPicPr>
+            <a:picLocks noChangeAspect="1" noChangeArrowheads="1"/>
+          </p:cNvPicPr>
+          <p:nvPr/>
+        </p:nvPicPr>
+        <p:blipFill>
+          <a:blip r:embed="rId4" cstate="print"/>
+          <a:srcRect/>
+          <a:stretch>
+            <a:fillRect/>
+          </a:stretch>
+        </p:blipFill>
+        <p:spPr bwMode="auto">
+          <a:xfrm>
+            <a:off x="951230" y="4702493"/>
+            <a:ext cx="7446853" cy="773747"/>
+          </a:xfrm>
+          <a:prstGeom prst="rect">
+            <a:avLst/>
+          </a:prstGeom>
+          <a:noFill/>
+          <a:ln w="9525">
+            <a:noFill/>
+            <a:miter lim="800000"/>
+            <a:headEnd/>
+            <a:tailEnd/>
+          </a:ln>
+          <a:effectLst/>
+        </p:spPr>
+      </p:pic>
+    </p:spTree>
+  </p:cSld>
+  <p:clrMapOvr>
+    <a:masterClrMapping/>
+  </p:clrMapOvr>
+</p:sld>
+</file>
+
+<file path=ppt/slides/slide31.xml><?xml version="1.0" encoding="utf-8"?>
+<p:sld xmlns:a="http://schemas.openxmlformats.org/drawingml/2006/main" xmlns:r="http://schemas.openxmlformats.org/officeDocument/2006/relationships" xmlns:p="http://schemas.openxmlformats.org/presentationml/2006/main">
+  <p:cSld>
+    <p:spTree>
+      <p:nvGrpSpPr>
+        <p:cNvPr id="1" name=""/>
+        <p:cNvGrpSpPr/>
+        <p:nvPr/>
+      </p:nvGrpSpPr>
+      <p:grpSpPr>
+        <a:xfrm>
+          <a:off x="0" y="0"/>
+          <a:ext cx="0" cy="0"/>
+          <a:chOff x="0" y="0"/>
+          <a:chExt cx="0" cy="0"/>
+        </a:xfrm>
+      </p:grpSpPr>
+      <p:sp>
+        <p:nvSpPr>
+          <p:cNvPr id="2" name="Заголовок 1"/>
+          <p:cNvSpPr>
+            <a:spLocks noGrp="1"/>
+          </p:cNvSpPr>
+          <p:nvPr>
+            <p:ph type="title"/>
+          </p:nvPr>
+        </p:nvSpPr>
+        <p:spPr/>
+        <p:txBody>
+          <a:bodyPr/>
+          <a:lstStyle/>
+          <a:p>
+            <a:r>
+              <a:rPr lang="en-US" dirty="0">
+                <a:solidFill>
+                  <a:schemeClr val="bg1"/>
+                </a:solidFill>
+                <a:latin typeface="Cascadia Code" pitchFamily="49" charset="0"/>
+                <a:cs typeface="Cascadia Code" pitchFamily="49" charset="0"/>
+              </a:rPr>
+              <a:t>try/catch</a:t>
+            </a:r>
+            <a:endParaRPr lang="ru-RU" dirty="0">
+              <a:solidFill>
+                <a:schemeClr val="bg1"/>
+              </a:solidFill>
+              <a:latin typeface="Cascadia Code" pitchFamily="49" charset="0"/>
+              <a:cs typeface="Cascadia Code" pitchFamily="49" charset="0"/>
+            </a:endParaRPr>
+          </a:p>
+        </p:txBody>
+      </p:sp>
+      <p:pic>
+        <p:nvPicPr>
+          <p:cNvPr id="9218" name="Picture 2"/>
+          <p:cNvPicPr>
+            <a:picLocks noGrp="1" noChangeAspect="1" noChangeArrowheads="1"/>
+          </p:cNvPicPr>
+          <p:nvPr>
+            <p:ph idx="1"/>
+          </p:nvPr>
+        </p:nvPicPr>
+        <p:blipFill>
+          <a:blip r:embed="rId2" cstate="print"/>
+          <a:stretch>
+            <a:fillRect/>
+          </a:stretch>
+        </p:blipFill>
+        <p:spPr bwMode="auto">
+          <a:xfrm>
+            <a:off x="1009473" y="1575432"/>
+            <a:ext cx="4077054" cy="3734124"/>
+          </a:xfrm>
+          <a:prstGeom prst="rect">
+            <a:avLst/>
+          </a:prstGeom>
+          <a:noFill/>
+          <a:ln w="9525">
+            <a:noFill/>
+            <a:miter lim="800000"/>
+            <a:headEnd/>
+            <a:tailEnd/>
+          </a:ln>
+          <a:effectLst/>
+        </p:spPr>
+      </p:pic>
+      <p:pic>
+        <p:nvPicPr>
+          <p:cNvPr id="9219" name="Picture 3"/>
+          <p:cNvPicPr>
+            <a:picLocks noGrp="1" noChangeAspect="1" noChangeArrowheads="1"/>
+          </p:cNvPicPr>
+          <p:nvPr>
+            <p:ph sz="half" idx="4294967295"/>
+          </p:nvPr>
+        </p:nvPicPr>
+        <p:blipFill>
+          <a:blip r:embed="rId3" cstate="print"/>
+          <a:srcRect/>
+          <a:stretch>
+            <a:fillRect/>
+          </a:stretch>
+        </p:blipFill>
+        <p:spPr bwMode="auto">
+          <a:xfrm>
+            <a:off x="1002665" y="5455285"/>
+            <a:ext cx="4930775" cy="1006475"/>
+          </a:xfrm>
+          <a:prstGeom prst="rect">
+            <a:avLst/>
+          </a:prstGeom>
+          <a:noFill/>
+          <a:ln w="9525">
+            <a:noFill/>
+            <a:miter lim="800000"/>
+            <a:headEnd/>
+            <a:tailEnd/>
+          </a:ln>
+          <a:effectLst/>
+        </p:spPr>
+      </p:pic>
+    </p:spTree>
+  </p:cSld>
+  <p:clrMapOvr>
+    <a:masterClrMapping/>
+  </p:clrMapOvr>
+</p:sld>
+</file>
+
+<file path=ppt/slides/slide32.xml><?xml version="1.0" encoding="utf-8"?>
+<p:sld xmlns:a="http://schemas.openxmlformats.org/drawingml/2006/main" xmlns:r="http://schemas.openxmlformats.org/officeDocument/2006/relationships" xmlns:p="http://schemas.openxmlformats.org/presentationml/2006/main">
+  <p:cSld>
+    <p:spTree>
+      <p:nvGrpSpPr>
+        <p:cNvPr id="1" name=""/>
+        <p:cNvGrpSpPr/>
+        <p:nvPr/>
+      </p:nvGrpSpPr>
+      <p:grpSpPr>
+        <a:xfrm>
+          <a:off x="0" y="0"/>
+          <a:ext cx="0" cy="0"/>
+          <a:chOff x="0" y="0"/>
+          <a:chExt cx="0" cy="0"/>
+        </a:xfrm>
+      </p:grpSpPr>
+      <p:sp>
+        <p:nvSpPr>
+          <p:cNvPr id="2" name="Заголовок 1"/>
+          <p:cNvSpPr>
+            <a:spLocks noGrp="1"/>
+          </p:cNvSpPr>
+          <p:nvPr>
+            <p:ph type="title"/>
+          </p:nvPr>
+        </p:nvSpPr>
+        <p:spPr/>
+        <p:txBody>
+          <a:bodyPr/>
+          <a:lstStyle/>
+          <a:p>
+            <a:r>
+              <a:rPr lang="ru-RU" b="1" dirty="0">
+                <a:solidFill>
+                  <a:schemeClr val="bg1"/>
+                </a:solidFill>
+                <a:latin typeface="Cascadia Code" pitchFamily="49" charset="0"/>
+                <a:cs typeface="Cascadia Code" pitchFamily="49" charset="0"/>
+              </a:rPr>
+              <a:t>Асинхронность</a:t>
+            </a:r>
+          </a:p>
+        </p:txBody>
+      </p:sp>
+      <p:pic>
+        <p:nvPicPr>
+          <p:cNvPr id="10242" name="Picture 2"/>
+          <p:cNvPicPr>
+            <a:picLocks noChangeAspect="1" noChangeArrowheads="1"/>
+          </p:cNvPicPr>
+          <p:nvPr/>
+        </p:nvPicPr>
+        <p:blipFill>
+          <a:blip r:embed="rId2" cstate="print"/>
+          <a:srcRect/>
+          <a:stretch>
+            <a:fillRect/>
+          </a:stretch>
+        </p:blipFill>
+        <p:spPr bwMode="auto">
+          <a:xfrm>
+            <a:off x="925513" y="1605598"/>
+            <a:ext cx="5850143" cy="1737042"/>
+          </a:xfrm>
+          <a:prstGeom prst="rect">
+            <a:avLst/>
+          </a:prstGeom>
+          <a:noFill/>
+          <a:ln w="9525">
+            <a:noFill/>
+            <a:miter lim="800000"/>
+            <a:headEnd/>
+            <a:tailEnd/>
+          </a:ln>
+          <a:effectLst/>
+        </p:spPr>
+      </p:pic>
+      <p:pic>
+        <p:nvPicPr>
+          <p:cNvPr id="10244" name="Picture 4"/>
+          <p:cNvPicPr>
+            <a:picLocks noChangeAspect="1" noChangeArrowheads="1"/>
+          </p:cNvPicPr>
+          <p:nvPr/>
+        </p:nvPicPr>
+        <p:blipFill>
+          <a:blip r:embed="rId3" cstate="print"/>
+          <a:srcRect/>
+          <a:stretch>
+            <a:fillRect/>
+          </a:stretch>
+        </p:blipFill>
+        <p:spPr bwMode="auto">
+          <a:xfrm>
+            <a:off x="935673" y="3675063"/>
+            <a:ext cx="5856076" cy="1323657"/>
+          </a:xfrm>
+          <a:prstGeom prst="rect">
+            <a:avLst/>
+          </a:prstGeom>
+          <a:noFill/>
+          <a:ln w="9525">
+            <a:noFill/>
+            <a:miter lim="800000"/>
+            <a:headEnd/>
+            <a:tailEnd/>
+          </a:ln>
+          <a:effectLst/>
+        </p:spPr>
+      </p:pic>
+      <p:pic>
+        <p:nvPicPr>
+          <p:cNvPr id="10245" name="Picture 5"/>
+          <p:cNvPicPr>
+            <a:picLocks noChangeAspect="1" noChangeArrowheads="1"/>
+          </p:cNvPicPr>
+          <p:nvPr/>
+        </p:nvPicPr>
+        <p:blipFill>
+          <a:blip r:embed="rId4" cstate="print"/>
+          <a:srcRect/>
+          <a:stretch>
+            <a:fillRect/>
+          </a:stretch>
+        </p:blipFill>
+        <p:spPr bwMode="auto">
+          <a:xfrm>
+            <a:off x="7173913" y="1602740"/>
+            <a:ext cx="3635375" cy="2309813"/>
+          </a:xfrm>
+          <a:prstGeom prst="rect">
+            <a:avLst/>
+          </a:prstGeom>
+          <a:noFill/>
+          <a:ln w="9525">
+            <a:noFill/>
+            <a:miter lim="800000"/>
+            <a:headEnd/>
+            <a:tailEnd/>
+          </a:ln>
+          <a:effectLst/>
+        </p:spPr>
+      </p:pic>
+      <p:pic>
+        <p:nvPicPr>
+          <p:cNvPr id="10246" name="Picture 6"/>
+          <p:cNvPicPr>
+            <a:picLocks noChangeAspect="1" noChangeArrowheads="1"/>
+          </p:cNvPicPr>
+          <p:nvPr/>
+        </p:nvPicPr>
+        <p:blipFill>
+          <a:blip r:embed="rId5" cstate="print"/>
+          <a:srcRect/>
+          <a:stretch>
+            <a:fillRect/>
+          </a:stretch>
+        </p:blipFill>
+        <p:spPr bwMode="auto">
+          <a:xfrm>
+            <a:off x="7177723" y="3914458"/>
+            <a:ext cx="4922837" cy="1203325"/>
+          </a:xfrm>
+          <a:prstGeom prst="rect">
+            <a:avLst/>
+          </a:prstGeom>
+          <a:noFill/>
+          <a:ln w="9525">
+            <a:noFill/>
+            <a:miter lim="800000"/>
+            <a:headEnd/>
+            <a:tailEnd/>
+          </a:ln>
+          <a:effectLst/>
+        </p:spPr>
+      </p:pic>
+    </p:spTree>
+  </p:cSld>
+  <p:clrMapOvr>
+    <a:masterClrMapping/>
+  </p:clrMapOvr>
+</p:sld>
+</file>
+
+<file path=ppt/slides/slide33.xml><?xml version="1.0" encoding="utf-8"?>
+<p:sld xmlns:a="http://schemas.openxmlformats.org/drawingml/2006/main" xmlns:r="http://schemas.openxmlformats.org/officeDocument/2006/relationships" xmlns:p="http://schemas.openxmlformats.org/presentationml/2006/main">
+  <p:cSld>
+    <p:spTree>
+      <p:nvGrpSpPr>
+        <p:cNvPr id="1" name=""/>
+        <p:cNvGrpSpPr/>
+        <p:nvPr/>
+      </p:nvGrpSpPr>
+      <p:grpSpPr>
+        <a:xfrm>
+          <a:off x="0" y="0"/>
+          <a:ext cx="0" cy="0"/>
+          <a:chOff x="0" y="0"/>
+          <a:chExt cx="0" cy="0"/>
+        </a:xfrm>
+      </p:grpSpPr>
+      <p:sp>
+        <p:nvSpPr>
+          <p:cNvPr id="2" name="Заголовок 1"/>
+          <p:cNvSpPr>
+            <a:spLocks noGrp="1"/>
+          </p:cNvSpPr>
+          <p:nvPr>
+            <p:ph type="title"/>
+          </p:nvPr>
+        </p:nvSpPr>
+        <p:spPr/>
+        <p:txBody>
+          <a:bodyPr/>
+          <a:lstStyle/>
+          <a:p>
+            <a:r>
+              <a:rPr lang="en-US" b="1" dirty="0">
+                <a:solidFill>
+                  <a:schemeClr val="bg1"/>
+                </a:solidFill>
+                <a:latin typeface="Cascadia Code" pitchFamily="49" charset="0"/>
+                <a:cs typeface="Cascadia Code" pitchFamily="49" charset="0"/>
+              </a:rPr>
+              <a:t>Conditional types</a:t>
+            </a:r>
+            <a:endParaRPr lang="ru-RU" b="1" dirty="0">
+              <a:solidFill>
+                <a:schemeClr val="bg1"/>
+              </a:solidFill>
+              <a:latin typeface="Cascadia Code" pitchFamily="49" charset="0"/>
+              <a:cs typeface="Cascadia Code" pitchFamily="49" charset="0"/>
+            </a:endParaRPr>
+          </a:p>
+        </p:txBody>
+      </p:sp>
+      <p:sp>
+        <p:nvSpPr>
+          <p:cNvPr id="4" name="Содержимое 3"/>
+          <p:cNvSpPr>
+            <a:spLocks noGrp="1"/>
+          </p:cNvSpPr>
+          <p:nvPr>
+            <p:ph sz="half" idx="1"/>
+          </p:nvPr>
+        </p:nvSpPr>
+        <p:spPr/>
+        <p:txBody>
+          <a:bodyPr/>
+          <a:lstStyle/>
+          <a:p>
+            <a:pPr>
+              <a:buNone/>
+            </a:pPr>
+            <a:r>
+              <a:rPr lang="ru-RU" dirty="0">
+                <a:solidFill>
+                  <a:schemeClr val="bg1"/>
+                </a:solidFill>
+                <a:latin typeface="Cascadia Code" pitchFamily="49" charset="0"/>
+                <a:cs typeface="Cascadia Code" pitchFamily="49" charset="0"/>
+              </a:rPr>
+              <a:t>Условные типы есть типы, способные принимать одно из двух значений, основываясь на принадлежности одного типу к другому.</a:t>
+            </a:r>
+          </a:p>
+        </p:txBody>
+      </p:sp>
+      <p:pic>
+        <p:nvPicPr>
+          <p:cNvPr id="13314" name="Picture 2"/>
+          <p:cNvPicPr>
+            <a:picLocks noChangeAspect="1" noChangeArrowheads="1"/>
+          </p:cNvPicPr>
+          <p:nvPr/>
+        </p:nvPicPr>
+        <p:blipFill>
+          <a:blip r:embed="rId2" cstate="print"/>
+          <a:srcRect/>
+          <a:stretch>
+            <a:fillRect/>
+          </a:stretch>
+        </p:blipFill>
+        <p:spPr bwMode="auto">
+          <a:xfrm>
+            <a:off x="803909" y="5369878"/>
+            <a:ext cx="4827883" cy="807402"/>
+          </a:xfrm>
+          <a:prstGeom prst="rect">
+            <a:avLst/>
+          </a:prstGeom>
+          <a:noFill/>
+          <a:ln w="9525">
+            <a:noFill/>
+            <a:miter lim="800000"/>
+            <a:headEnd/>
+            <a:tailEnd/>
+          </a:ln>
+          <a:effectLst/>
+        </p:spPr>
+      </p:pic>
+      <p:pic>
+        <p:nvPicPr>
+          <p:cNvPr id="13315" name="Picture 3"/>
+          <p:cNvPicPr>
+            <a:picLocks noGrp="1" noChangeAspect="1" noChangeArrowheads="1"/>
+          </p:cNvPicPr>
+          <p:nvPr>
+            <p:ph sz="half" idx="2"/>
+          </p:nvPr>
+        </p:nvPicPr>
+        <p:blipFill>
+          <a:blip r:embed="rId3" cstate="print"/>
+          <a:srcRect/>
+          <a:stretch>
+            <a:fillRect/>
+          </a:stretch>
+        </p:blipFill>
+        <p:spPr bwMode="auto">
+          <a:xfrm>
+            <a:off x="6149013" y="1899920"/>
+            <a:ext cx="5698104" cy="4246879"/>
+          </a:xfrm>
+          <a:prstGeom prst="rect">
+            <a:avLst/>
+          </a:prstGeom>
+          <a:noFill/>
+          <a:ln w="9525">
+            <a:noFill/>
+            <a:miter lim="800000"/>
+            <a:headEnd/>
+            <a:tailEnd/>
+          </a:ln>
+          <a:effectLst/>
+        </p:spPr>
+      </p:pic>
+    </p:spTree>
+  </p:cSld>
+  <p:clrMapOvr>
+    <a:masterClrMapping/>
+  </p:clrMapOvr>
+</p:sld>
+</file>
+
+<file path=ppt/slides/slide34.xml><?xml version="1.0" encoding="utf-8"?>
+<p:sld xmlns:a="http://schemas.openxmlformats.org/drawingml/2006/main" xmlns:r="http://schemas.openxmlformats.org/officeDocument/2006/relationships" xmlns:p="http://schemas.openxmlformats.org/presentationml/2006/main">
+  <p:cSld>
+    <p:spTree>
+      <p:nvGrpSpPr>
+        <p:cNvPr id="1" name=""/>
+        <p:cNvGrpSpPr/>
+        <p:nvPr/>
+      </p:nvGrpSpPr>
+      <p:grpSpPr>
+        <a:xfrm>
+          <a:off x="0" y="0"/>
+          <a:ext cx="0" cy="0"/>
+          <a:chOff x="0" y="0"/>
+          <a:chExt cx="0" cy="0"/>
+        </a:xfrm>
+      </p:grpSpPr>
+      <p:sp>
+        <p:nvSpPr>
+          <p:cNvPr id="2" name="Заголовок 1"/>
+          <p:cNvSpPr>
+            <a:spLocks noGrp="1"/>
+          </p:cNvSpPr>
+          <p:nvPr>
+            <p:ph type="title"/>
+          </p:nvPr>
+        </p:nvSpPr>
+        <p:spPr/>
+        <p:txBody>
+          <a:bodyPr/>
+          <a:lstStyle/>
+          <a:p>
+            <a:r>
+              <a:rPr lang="en-US" b="1" dirty="0">
+                <a:solidFill>
+                  <a:schemeClr val="bg1"/>
+                </a:solidFill>
+                <a:latin typeface="Cascadia Code" pitchFamily="49" charset="0"/>
+                <a:cs typeface="Cascadia Code" pitchFamily="49" charset="0"/>
+              </a:rPr>
+              <a:t>Conditional types</a:t>
+            </a:r>
+            <a:endParaRPr lang="ru-RU" b="1" dirty="0">
+              <a:solidFill>
+                <a:schemeClr val="bg1"/>
+              </a:solidFill>
+              <a:latin typeface="Cascadia Code" pitchFamily="49" charset="0"/>
+              <a:cs typeface="Cascadia Code" pitchFamily="49" charset="0"/>
+            </a:endParaRPr>
+          </a:p>
+        </p:txBody>
+      </p:sp>
+      <p:sp>
+        <p:nvSpPr>
+          <p:cNvPr id="4" name="Содержимое 3"/>
+          <p:cNvSpPr>
+            <a:spLocks noGrp="1"/>
+          </p:cNvSpPr>
+          <p:nvPr>
+            <p:ph sz="half" idx="1"/>
+          </p:nvPr>
+        </p:nvSpPr>
+        <p:spPr/>
+        <p:txBody>
+          <a:bodyPr/>
+          <a:lstStyle/>
+          <a:p>
+            <a:pPr>
+              <a:buFont typeface="Courier New" pitchFamily="49" charset="0"/>
+              <a:buChar char="o"/>
+            </a:pPr>
+            <a:r>
+              <a:rPr lang="ru-RU" dirty="0">
+                <a:solidFill>
+                  <a:schemeClr val="bg1"/>
+                </a:solidFill>
+                <a:latin typeface="Cascadia Code" pitchFamily="49" charset="0"/>
+                <a:cs typeface="Cascadia Code" pitchFamily="49" charset="0"/>
+              </a:rPr>
+              <a:t> </a:t>
+            </a:r>
+            <a:r>
+              <a:rPr lang="en-US" dirty="0" err="1">
+                <a:solidFill>
+                  <a:schemeClr val="bg1"/>
+                </a:solidFill>
+                <a:latin typeface="Cascadia Code" pitchFamily="49" charset="0"/>
+                <a:cs typeface="Cascadia Code" pitchFamily="49" charset="0"/>
+              </a:rPr>
+              <a:t>Readonly</a:t>
+            </a:r>
+            <a:endParaRPr lang="en-US" dirty="0">
+              <a:solidFill>
+                <a:schemeClr val="bg1"/>
+              </a:solidFill>
+              <a:latin typeface="Cascadia Code" pitchFamily="49" charset="0"/>
+              <a:cs typeface="Cascadia Code" pitchFamily="49" charset="0"/>
+            </a:endParaRPr>
+          </a:p>
+          <a:p>
+            <a:pPr>
+              <a:buFont typeface="Courier New" pitchFamily="49" charset="0"/>
+              <a:buChar char="o"/>
+            </a:pPr>
+            <a:r>
+              <a:rPr lang="en-US" dirty="0">
+                <a:solidFill>
+                  <a:schemeClr val="bg1"/>
+                </a:solidFill>
+                <a:latin typeface="Cascadia Code" pitchFamily="49" charset="0"/>
+                <a:cs typeface="Cascadia Code" pitchFamily="49" charset="0"/>
+              </a:rPr>
+              <a:t> Partial</a:t>
+            </a:r>
+          </a:p>
+          <a:p>
+            <a:pPr>
+              <a:buFont typeface="Courier New" pitchFamily="49" charset="0"/>
+              <a:buChar char="o"/>
+            </a:pPr>
+            <a:r>
+              <a:rPr lang="en-US" dirty="0">
+                <a:solidFill>
+                  <a:schemeClr val="bg1"/>
+                </a:solidFill>
+                <a:latin typeface="Cascadia Code" pitchFamily="49" charset="0"/>
+                <a:cs typeface="Cascadia Code" pitchFamily="49" charset="0"/>
+              </a:rPr>
+              <a:t> Pick</a:t>
+            </a:r>
+          </a:p>
+          <a:p>
+            <a:pPr>
+              <a:buFont typeface="Courier New" pitchFamily="49" charset="0"/>
+              <a:buChar char="o"/>
+            </a:pPr>
+            <a:r>
+              <a:rPr lang="en-US" dirty="0">
+                <a:solidFill>
+                  <a:schemeClr val="bg1"/>
+                </a:solidFill>
+                <a:latin typeface="Cascadia Code" pitchFamily="49" charset="0"/>
+                <a:cs typeface="Cascadia Code" pitchFamily="49" charset="0"/>
+              </a:rPr>
+              <a:t> Required</a:t>
+            </a:r>
+          </a:p>
+          <a:p>
+            <a:pPr>
+              <a:buFont typeface="Courier New" pitchFamily="49" charset="0"/>
+              <a:buChar char="o"/>
+            </a:pPr>
+            <a:r>
+              <a:rPr lang="en-US" dirty="0">
+                <a:solidFill>
+                  <a:schemeClr val="bg1"/>
+                </a:solidFill>
+                <a:latin typeface="Cascadia Code" pitchFamily="49" charset="0"/>
+                <a:cs typeface="Cascadia Code" pitchFamily="49" charset="0"/>
+              </a:rPr>
+              <a:t> Omit</a:t>
+            </a:r>
+          </a:p>
+          <a:p>
+            <a:pPr>
+              <a:buFont typeface="Courier New" pitchFamily="49" charset="0"/>
+              <a:buChar char="o"/>
+            </a:pPr>
+            <a:r>
+              <a:rPr lang="en-US" dirty="0">
+                <a:solidFill>
+                  <a:schemeClr val="bg1"/>
+                </a:solidFill>
+                <a:latin typeface="Cascadia Code" pitchFamily="49" charset="0"/>
+                <a:cs typeface="Cascadia Code" pitchFamily="49" charset="0"/>
+              </a:rPr>
+              <a:t> Parameters</a:t>
+            </a:r>
+          </a:p>
+          <a:p>
+            <a:pPr>
+              <a:buFont typeface="Courier New" pitchFamily="49" charset="0"/>
+              <a:buChar char="o"/>
+            </a:pPr>
+            <a:r>
+              <a:rPr lang="en-US" dirty="0">
+                <a:solidFill>
+                  <a:schemeClr val="bg1"/>
+                </a:solidFill>
+                <a:latin typeface="Cascadia Code" pitchFamily="49" charset="0"/>
+                <a:cs typeface="Cascadia Code" pitchFamily="49" charset="0"/>
+              </a:rPr>
+              <a:t> </a:t>
+            </a:r>
+            <a:r>
+              <a:rPr lang="en-US" dirty="0" err="1">
+                <a:solidFill>
+                  <a:schemeClr val="bg1"/>
+                </a:solidFill>
+                <a:latin typeface="Cascadia Code" pitchFamily="49" charset="0"/>
+                <a:cs typeface="Cascadia Code" pitchFamily="49" charset="0"/>
+              </a:rPr>
+              <a:t>Readonly</a:t>
+            </a:r>
+            <a:endParaRPr lang="en-US" dirty="0">
+              <a:solidFill>
+                <a:schemeClr val="bg1"/>
+              </a:solidFill>
+              <a:latin typeface="Cascadia Code" pitchFamily="49" charset="0"/>
+              <a:cs typeface="Cascadia Code" pitchFamily="49" charset="0"/>
+            </a:endParaRPr>
+          </a:p>
+          <a:p>
+            <a:pPr>
+              <a:buFont typeface="Courier New" pitchFamily="49" charset="0"/>
+              <a:buChar char="o"/>
+            </a:pPr>
+            <a:r>
+              <a:rPr lang="en-US" dirty="0">
+                <a:solidFill>
+                  <a:schemeClr val="bg1"/>
+                </a:solidFill>
+                <a:latin typeface="Cascadia Code" pitchFamily="49" charset="0"/>
+                <a:cs typeface="Cascadia Code" pitchFamily="49" charset="0"/>
+              </a:rPr>
+              <a:t> Partial</a:t>
+            </a:r>
+          </a:p>
+        </p:txBody>
+      </p:sp>
+      <p:sp>
+        <p:nvSpPr>
+          <p:cNvPr id="6" name="Содержимое 5"/>
+          <p:cNvSpPr>
+            <a:spLocks noGrp="1"/>
+          </p:cNvSpPr>
+          <p:nvPr>
+            <p:ph sz="half" idx="2"/>
+          </p:nvPr>
+        </p:nvSpPr>
+        <p:spPr/>
+        <p:txBody>
+          <a:bodyPr/>
+          <a:lstStyle/>
+          <a:p>
+            <a:pPr>
+              <a:buFont typeface="Courier New" pitchFamily="49" charset="0"/>
+              <a:buChar char="o"/>
+            </a:pPr>
+            <a:r>
+              <a:rPr lang="ru-RU" dirty="0">
+                <a:solidFill>
+                  <a:schemeClr val="bg1"/>
+                </a:solidFill>
+                <a:latin typeface="Cascadia Code" pitchFamily="49" charset="0"/>
+                <a:cs typeface="Cascadia Code" pitchFamily="49" charset="0"/>
+              </a:rPr>
+              <a:t> </a:t>
+            </a:r>
+            <a:r>
+              <a:rPr lang="en-US" dirty="0" err="1">
+                <a:solidFill>
+                  <a:schemeClr val="bg1"/>
+                </a:solidFill>
+                <a:latin typeface="Cascadia Code" pitchFamily="49" charset="0"/>
+                <a:cs typeface="Cascadia Code" pitchFamily="49" charset="0"/>
+              </a:rPr>
+              <a:t>InstanceType</a:t>
+            </a:r>
+            <a:endParaRPr lang="en-US" dirty="0">
+              <a:solidFill>
+                <a:schemeClr val="bg1"/>
+              </a:solidFill>
+              <a:latin typeface="Cascadia Code" pitchFamily="49" charset="0"/>
+              <a:cs typeface="Cascadia Code" pitchFamily="49" charset="0"/>
+            </a:endParaRPr>
+          </a:p>
+          <a:p>
+            <a:pPr>
+              <a:buFont typeface="Courier New" pitchFamily="49" charset="0"/>
+              <a:buChar char="o"/>
+            </a:pPr>
+            <a:r>
+              <a:rPr lang="en-US" dirty="0">
+                <a:solidFill>
+                  <a:schemeClr val="bg1"/>
+                </a:solidFill>
+                <a:latin typeface="Cascadia Code" pitchFamily="49" charset="0"/>
+                <a:cs typeface="Cascadia Code" pitchFamily="49" charset="0"/>
+              </a:rPr>
+              <a:t> Extract</a:t>
+            </a:r>
+          </a:p>
+          <a:p>
+            <a:pPr>
+              <a:buFont typeface="Courier New" pitchFamily="49" charset="0"/>
+              <a:buChar char="o"/>
+            </a:pPr>
+            <a:r>
+              <a:rPr lang="en-US" dirty="0">
+                <a:solidFill>
+                  <a:schemeClr val="bg1"/>
+                </a:solidFill>
+                <a:latin typeface="Cascadia Code" pitchFamily="49" charset="0"/>
+                <a:cs typeface="Cascadia Code" pitchFamily="49" charset="0"/>
+              </a:rPr>
+              <a:t> Exclude</a:t>
+            </a:r>
+          </a:p>
+          <a:p>
+            <a:pPr>
+              <a:buFont typeface="Courier New" pitchFamily="49" charset="0"/>
+              <a:buChar char="o"/>
+            </a:pPr>
+            <a:r>
+              <a:rPr lang="en-US" dirty="0">
+                <a:solidFill>
+                  <a:schemeClr val="bg1"/>
+                </a:solidFill>
+                <a:latin typeface="Cascadia Code" pitchFamily="49" charset="0"/>
+                <a:cs typeface="Cascadia Code" pitchFamily="49" charset="0"/>
+              </a:rPr>
+              <a:t> </a:t>
+            </a:r>
+            <a:r>
+              <a:rPr lang="en-US" dirty="0" err="1">
+                <a:solidFill>
+                  <a:schemeClr val="bg1"/>
+                </a:solidFill>
+                <a:latin typeface="Cascadia Code" pitchFamily="49" charset="0"/>
+                <a:cs typeface="Cascadia Code" pitchFamily="49" charset="0"/>
+              </a:rPr>
+              <a:t>ReturnType</a:t>
+            </a:r>
+            <a:endParaRPr lang="en-US" dirty="0">
+              <a:solidFill>
+                <a:schemeClr val="bg1"/>
+              </a:solidFill>
+              <a:latin typeface="Cascadia Code" pitchFamily="49" charset="0"/>
+              <a:cs typeface="Cascadia Code" pitchFamily="49" charset="0"/>
+            </a:endParaRPr>
+          </a:p>
+          <a:p>
+            <a:pPr>
+              <a:buFont typeface="Courier New" pitchFamily="49" charset="0"/>
+              <a:buChar char="o"/>
+            </a:pPr>
+            <a:r>
+              <a:rPr lang="en-US" dirty="0">
+                <a:solidFill>
+                  <a:schemeClr val="bg1"/>
+                </a:solidFill>
+                <a:latin typeface="Cascadia Code" pitchFamily="49" charset="0"/>
+                <a:cs typeface="Cascadia Code" pitchFamily="49" charset="0"/>
+              </a:rPr>
+              <a:t> </a:t>
+            </a:r>
+            <a:r>
+              <a:rPr lang="en-US" dirty="0" err="1">
+                <a:solidFill>
+                  <a:schemeClr val="bg1"/>
+                </a:solidFill>
+                <a:latin typeface="Cascadia Code" pitchFamily="49" charset="0"/>
+                <a:cs typeface="Cascadia Code" pitchFamily="49" charset="0"/>
+              </a:rPr>
+              <a:t>NonNullable</a:t>
+            </a:r>
+            <a:endParaRPr lang="en-US" dirty="0">
+              <a:solidFill>
+                <a:schemeClr val="bg1"/>
+              </a:solidFill>
+              <a:latin typeface="Cascadia Code" pitchFamily="49" charset="0"/>
+              <a:cs typeface="Cascadia Code" pitchFamily="49" charset="0"/>
+            </a:endParaRPr>
+          </a:p>
+          <a:p>
+            <a:pPr>
+              <a:buNone/>
+            </a:pPr>
+            <a:endParaRPr lang="ru-RU" dirty="0"/>
+          </a:p>
+        </p:txBody>
+      </p:sp>
+    </p:spTree>
+  </p:cSld>
+  <p:clrMapOvr>
+    <a:masterClrMapping/>
+  </p:clrMapOvr>
+</p:sld>
+</file>
+
+<file path=ppt/slides/slide35.xml><?xml version="1.0" encoding="utf-8"?>
+<p:sld xmlns:a="http://schemas.openxmlformats.org/drawingml/2006/main" xmlns:r="http://schemas.openxmlformats.org/officeDocument/2006/relationships" xmlns:p="http://schemas.openxmlformats.org/presentationml/2006/main">
+  <p:cSld>
+    <p:spTree>
+      <p:nvGrpSpPr>
+        <p:cNvPr id="1" name=""/>
+        <p:cNvGrpSpPr/>
+        <p:nvPr/>
+      </p:nvGrpSpPr>
+      <p:grpSpPr>
+        <a:xfrm>
+          <a:off x="0" y="0"/>
+          <a:ext cx="0" cy="0"/>
+          <a:chOff x="0" y="0"/>
+          <a:chExt cx="0" cy="0"/>
+        </a:xfrm>
+      </p:grpSpPr>
+      <p:sp>
+        <p:nvSpPr>
+          <p:cNvPr id="2" name="Заголовок 1"/>
+          <p:cNvSpPr>
+            <a:spLocks noGrp="1"/>
+          </p:cNvSpPr>
+          <p:nvPr>
+            <p:ph type="title"/>
+          </p:nvPr>
+        </p:nvSpPr>
+        <p:spPr/>
+        <p:txBody>
+          <a:bodyPr/>
+          <a:lstStyle/>
+          <a:p>
+            <a:r>
+              <a:rPr lang="en-US" b="1" dirty="0" err="1">
+                <a:solidFill>
+                  <a:schemeClr val="bg1"/>
+                </a:solidFill>
+                <a:latin typeface="Cascadia Code" pitchFamily="49" charset="0"/>
+                <a:cs typeface="Cascadia Code" pitchFamily="49" charset="0"/>
+              </a:rPr>
+              <a:t>Homomorphic</a:t>
+            </a:r>
+            <a:r>
+              <a:rPr lang="en-US" b="1" dirty="0">
+                <a:solidFill>
+                  <a:schemeClr val="bg1"/>
+                </a:solidFill>
+                <a:latin typeface="Cascadia Code" pitchFamily="49" charset="0"/>
+                <a:cs typeface="Cascadia Code" pitchFamily="49" charset="0"/>
+              </a:rPr>
+              <a:t> types</a:t>
+            </a:r>
+            <a:endParaRPr lang="ru-RU" b="1" dirty="0">
+              <a:solidFill>
+                <a:schemeClr val="bg1"/>
+              </a:solidFill>
+              <a:latin typeface="Cascadia Code" pitchFamily="49" charset="0"/>
+              <a:cs typeface="Cascadia Code" pitchFamily="49" charset="0"/>
+            </a:endParaRPr>
+          </a:p>
+        </p:txBody>
+      </p:sp>
+      <p:sp>
+        <p:nvSpPr>
+          <p:cNvPr id="4" name="Содержимое 3"/>
+          <p:cNvSpPr>
+            <a:spLocks noGrp="1"/>
+          </p:cNvSpPr>
+          <p:nvPr>
+            <p:ph sz="half" idx="1"/>
+          </p:nvPr>
+        </p:nvSpPr>
+        <p:spPr/>
+        <p:txBody>
+          <a:bodyPr/>
+          <a:lstStyle/>
+          <a:p>
+            <a:pPr>
+              <a:buNone/>
+            </a:pPr>
+            <a:r>
+              <a:rPr lang="ru-RU" dirty="0">
+                <a:solidFill>
+                  <a:schemeClr val="bg1"/>
+                </a:solidFill>
+                <a:latin typeface="Cascadia Code" pitchFamily="49" charset="0"/>
+                <a:cs typeface="Cascadia Code" pitchFamily="49" charset="0"/>
+              </a:rPr>
+              <a:t>Гомоморфные типы – условные типы, позволяющие изменять функционал сохраняя первоначальные свойства всех операций</a:t>
+            </a:r>
+          </a:p>
+        </p:txBody>
+      </p:sp>
+      <p:sp>
+        <p:nvSpPr>
+          <p:cNvPr id="5" name="Содержимое 4"/>
+          <p:cNvSpPr>
+            <a:spLocks noGrp="1"/>
+          </p:cNvSpPr>
+          <p:nvPr>
+            <p:ph sz="half" idx="2"/>
+          </p:nvPr>
+        </p:nvSpPr>
+        <p:spPr/>
+        <p:txBody>
+          <a:bodyPr/>
+          <a:lstStyle/>
+          <a:p>
+            <a:pPr>
+              <a:buFont typeface="Courier New" pitchFamily="49" charset="0"/>
+              <a:buChar char="o"/>
+            </a:pPr>
+            <a:r>
+              <a:rPr lang="ru-RU" dirty="0">
+                <a:solidFill>
+                  <a:schemeClr val="bg1"/>
+                </a:solidFill>
+                <a:latin typeface="Cascadia Code" pitchFamily="49" charset="0"/>
+                <a:cs typeface="Cascadia Code" pitchFamily="49" charset="0"/>
+              </a:rPr>
+              <a:t> </a:t>
+            </a:r>
+            <a:r>
+              <a:rPr lang="en-US" dirty="0" err="1">
+                <a:solidFill>
+                  <a:schemeClr val="bg1"/>
+                </a:solidFill>
+                <a:latin typeface="Cascadia Code" pitchFamily="49" charset="0"/>
+                <a:cs typeface="Cascadia Code" pitchFamily="49" charset="0"/>
+              </a:rPr>
+              <a:t>Readonly</a:t>
+            </a:r>
+            <a:endParaRPr lang="en-US" dirty="0">
+              <a:solidFill>
+                <a:schemeClr val="bg1"/>
+              </a:solidFill>
+              <a:latin typeface="Cascadia Code" pitchFamily="49" charset="0"/>
+              <a:cs typeface="Cascadia Code" pitchFamily="49" charset="0"/>
+            </a:endParaRPr>
+          </a:p>
+          <a:p>
+            <a:pPr>
+              <a:buFont typeface="Courier New" pitchFamily="49" charset="0"/>
+              <a:buChar char="o"/>
+            </a:pPr>
+            <a:r>
+              <a:rPr lang="en-US" dirty="0">
+                <a:solidFill>
+                  <a:schemeClr val="bg1"/>
+                </a:solidFill>
+                <a:latin typeface="Cascadia Code" pitchFamily="49" charset="0"/>
+                <a:cs typeface="Cascadia Code" pitchFamily="49" charset="0"/>
+              </a:rPr>
+              <a:t> Partial</a:t>
+            </a:r>
+          </a:p>
+          <a:p>
+            <a:pPr>
+              <a:buFont typeface="Courier New" pitchFamily="49" charset="0"/>
+              <a:buChar char="o"/>
+            </a:pPr>
+            <a:r>
+              <a:rPr lang="en-US" dirty="0">
+                <a:solidFill>
+                  <a:schemeClr val="bg1"/>
+                </a:solidFill>
+                <a:latin typeface="Cascadia Code" pitchFamily="49" charset="0"/>
+                <a:cs typeface="Cascadia Code" pitchFamily="49" charset="0"/>
+              </a:rPr>
+              <a:t> Pick</a:t>
+            </a:r>
+          </a:p>
+          <a:p>
+            <a:pPr>
+              <a:buFont typeface="Courier New" pitchFamily="49" charset="0"/>
+              <a:buChar char="o"/>
+            </a:pPr>
+            <a:r>
+              <a:rPr lang="en-US" dirty="0">
+                <a:solidFill>
+                  <a:schemeClr val="bg1"/>
+                </a:solidFill>
+                <a:latin typeface="Cascadia Code" pitchFamily="49" charset="0"/>
+                <a:cs typeface="Cascadia Code" pitchFamily="49" charset="0"/>
+              </a:rPr>
+              <a:t> Required</a:t>
+            </a:r>
+          </a:p>
+        </p:txBody>
+      </p:sp>
+    </p:spTree>
+  </p:cSld>
+  <p:clrMapOvr>
+    <a:masterClrMapping/>
+  </p:clrMapOvr>
+</p:sld>
+</file>
+
+<file path=ppt/slides/slide36.xml><?xml version="1.0" encoding="utf-8"?>
+<p:sld xmlns:a="http://schemas.openxmlformats.org/drawingml/2006/main" xmlns:r="http://schemas.openxmlformats.org/officeDocument/2006/relationships" xmlns:p="http://schemas.openxmlformats.org/presentationml/2006/main">
+  <p:cSld>
+    <p:spTree>
+      <p:nvGrpSpPr>
+        <p:cNvPr id="1" name=""/>
+        <p:cNvGrpSpPr/>
+        <p:nvPr/>
+      </p:nvGrpSpPr>
+      <p:grpSpPr>
+        <a:xfrm>
+          <a:off x="0" y="0"/>
+          <a:ext cx="0" cy="0"/>
+          <a:chOff x="0" y="0"/>
+          <a:chExt cx="0" cy="0"/>
+        </a:xfrm>
+      </p:grpSpPr>
+      <p:sp>
+        <p:nvSpPr>
+          <p:cNvPr id="2" name="Заголовок 1"/>
+          <p:cNvSpPr>
+            <a:spLocks noGrp="1"/>
+          </p:cNvSpPr>
+          <p:nvPr>
+            <p:ph type="title"/>
+          </p:nvPr>
+        </p:nvSpPr>
+        <p:spPr/>
+        <p:txBody>
+          <a:bodyPr/>
+          <a:lstStyle/>
+          <a:p>
+            <a:r>
+              <a:rPr lang="en-US" b="1" dirty="0" err="1">
+                <a:solidFill>
+                  <a:schemeClr val="bg1"/>
+                </a:solidFill>
+                <a:latin typeface="Cascadia Code" pitchFamily="49" charset="0"/>
+                <a:cs typeface="Cascadia Code" pitchFamily="49" charset="0"/>
+              </a:rPr>
+              <a:t>Readonly</a:t>
+            </a:r>
+            <a:endParaRPr lang="ru-RU" b="1" dirty="0">
+              <a:solidFill>
+                <a:schemeClr val="bg1"/>
+              </a:solidFill>
+              <a:latin typeface="Cascadia Code" pitchFamily="49" charset="0"/>
+              <a:cs typeface="Cascadia Code" pitchFamily="49" charset="0"/>
+            </a:endParaRPr>
+          </a:p>
+        </p:txBody>
+      </p:sp>
+      <p:sp>
+        <p:nvSpPr>
+          <p:cNvPr id="4" name="Содержимое 3"/>
+          <p:cNvSpPr>
+            <a:spLocks noGrp="1"/>
+          </p:cNvSpPr>
+          <p:nvPr>
+            <p:ph sz="half" idx="1"/>
+          </p:nvPr>
+        </p:nvSpPr>
+        <p:spPr>
+          <a:xfrm>
+            <a:off x="838200" y="1825625"/>
+            <a:ext cx="5181600" cy="4351338"/>
+          </a:xfrm>
+        </p:spPr>
+        <p:txBody>
+          <a:bodyPr>
+            <a:noAutofit/>
+          </a:bodyPr>
+          <a:lstStyle/>
+          <a:p>
+            <a:pPr>
+              <a:buNone/>
+            </a:pPr>
+            <a:r>
+              <a:rPr lang="ru-RU" dirty="0">
+                <a:solidFill>
+                  <a:schemeClr val="bg1"/>
+                </a:solidFill>
+                <a:latin typeface="Cascadia Code" pitchFamily="49" charset="0"/>
+                <a:cs typeface="Cascadia Code" pitchFamily="49" charset="0"/>
+              </a:rPr>
+              <a:t>Сопоставимый тип </a:t>
+            </a:r>
+            <a:r>
+              <a:rPr lang="ru-RU" dirty="0" err="1">
+                <a:solidFill>
+                  <a:schemeClr val="bg1"/>
+                </a:solidFill>
+                <a:latin typeface="Cascadia Code" pitchFamily="49" charset="0"/>
+                <a:cs typeface="Cascadia Code" pitchFamily="49" charset="0"/>
+              </a:rPr>
+              <a:t>Readonly</a:t>
+            </a:r>
+            <a:r>
+              <a:rPr lang="ru-RU" dirty="0">
+                <a:solidFill>
+                  <a:schemeClr val="bg1"/>
+                </a:solidFill>
+                <a:latin typeface="Cascadia Code" pitchFamily="49" charset="0"/>
+                <a:cs typeface="Cascadia Code" pitchFamily="49" charset="0"/>
+              </a:rPr>
+              <a:t> добавляет каждому члену объекта модификатор </a:t>
+            </a:r>
+            <a:r>
+              <a:rPr lang="ru-RU" dirty="0" err="1">
+                <a:solidFill>
+                  <a:schemeClr val="bg1"/>
+                </a:solidFill>
+                <a:latin typeface="Cascadia Code" pitchFamily="49" charset="0"/>
+                <a:cs typeface="Cascadia Code" pitchFamily="49" charset="0"/>
+              </a:rPr>
+              <a:t>re</a:t>
+            </a:r>
+            <a:r>
+              <a:rPr lang="ru-RU" dirty="0">
+                <a:solidFill>
+                  <a:schemeClr val="bg1"/>
+                </a:solidFill>
+                <a:latin typeface="Cascadia Code" pitchFamily="49" charset="0"/>
+                <a:cs typeface="Cascadia Code" pitchFamily="49" charset="0"/>
+              </a:rPr>
+              <a:t> </a:t>
+            </a:r>
+            <a:r>
+              <a:rPr lang="ru-RU" dirty="0" err="1">
+                <a:solidFill>
+                  <a:schemeClr val="bg1"/>
+                </a:solidFill>
+                <a:latin typeface="Cascadia Code" pitchFamily="49" charset="0"/>
+                <a:cs typeface="Cascadia Code" pitchFamily="49" charset="0"/>
+              </a:rPr>
+              <a:t>adonly</a:t>
+            </a:r>
+            <a:r>
+              <a:rPr lang="ru-RU" dirty="0">
+                <a:solidFill>
+                  <a:schemeClr val="bg1"/>
+                </a:solidFill>
+                <a:latin typeface="Cascadia Code" pitchFamily="49" charset="0"/>
+                <a:cs typeface="Cascadia Code" pitchFamily="49" charset="0"/>
+              </a:rPr>
+              <a:t> , делая их тем самым только для чтения.</a:t>
+            </a:r>
+            <a:endParaRPr lang="ru-RU" b="1" dirty="0">
+              <a:solidFill>
+                <a:schemeClr val="bg1"/>
+              </a:solidFill>
+              <a:latin typeface="Cascadia Code" pitchFamily="49" charset="0"/>
+              <a:cs typeface="Cascadia Code" pitchFamily="49" charset="0"/>
+            </a:endParaRPr>
+          </a:p>
+        </p:txBody>
+      </p:sp>
+      <p:pic>
+        <p:nvPicPr>
+          <p:cNvPr id="14338" name="Picture 2"/>
+          <p:cNvPicPr>
+            <a:picLocks noChangeAspect="1" noChangeArrowheads="1"/>
+          </p:cNvPicPr>
+          <p:nvPr/>
+        </p:nvPicPr>
+        <p:blipFill>
+          <a:blip r:embed="rId2" cstate="print"/>
+          <a:srcRect/>
+          <a:stretch>
+            <a:fillRect/>
+          </a:stretch>
+        </p:blipFill>
+        <p:spPr bwMode="auto">
+          <a:xfrm>
+            <a:off x="978535" y="5449888"/>
+            <a:ext cx="4667250" cy="733425"/>
+          </a:xfrm>
+          <a:prstGeom prst="rect">
+            <a:avLst/>
+          </a:prstGeom>
+          <a:noFill/>
+          <a:ln w="9525">
+            <a:noFill/>
+            <a:miter lim="800000"/>
+            <a:headEnd/>
+            <a:tailEnd/>
+          </a:ln>
+          <a:effectLst/>
+        </p:spPr>
+      </p:pic>
+      <p:pic>
+        <p:nvPicPr>
+          <p:cNvPr id="14339" name="Picture 3"/>
+          <p:cNvPicPr>
+            <a:picLocks noGrp="1" noChangeAspect="1" noChangeArrowheads="1"/>
+          </p:cNvPicPr>
+          <p:nvPr>
+            <p:ph sz="half" idx="2"/>
+          </p:nvPr>
+        </p:nvPicPr>
+        <p:blipFill>
+          <a:blip r:embed="rId3" cstate="print"/>
+          <a:srcRect/>
+          <a:stretch>
+            <a:fillRect/>
+          </a:stretch>
+        </p:blipFill>
+        <p:spPr bwMode="auto">
+          <a:xfrm>
+            <a:off x="6059878" y="1825625"/>
+            <a:ext cx="5817532" cy="3291840"/>
+          </a:xfrm>
+          <a:prstGeom prst="rect">
+            <a:avLst/>
+          </a:prstGeom>
+          <a:noFill/>
+          <a:ln w="9525">
+            <a:noFill/>
+            <a:miter lim="800000"/>
+            <a:headEnd/>
+            <a:tailEnd/>
+          </a:ln>
+          <a:effectLst/>
+        </p:spPr>
+      </p:pic>
+    </p:spTree>
+  </p:cSld>
+  <p:clrMapOvr>
+    <a:masterClrMapping/>
+  </p:clrMapOvr>
+</p:sld>
+</file>
+
+<file path=ppt/slides/slide37.xml><?xml version="1.0" encoding="utf-8"?>
+<p:sld xmlns:a="http://schemas.openxmlformats.org/drawingml/2006/main" xmlns:r="http://schemas.openxmlformats.org/officeDocument/2006/relationships" xmlns:p="http://schemas.openxmlformats.org/presentationml/2006/main">
+  <p:cSld>
+    <p:spTree>
+      <p:nvGrpSpPr>
+        <p:cNvPr id="1" name=""/>
+        <p:cNvGrpSpPr/>
+        <p:nvPr/>
+      </p:nvGrpSpPr>
+      <p:grpSpPr>
+        <a:xfrm>
+          <a:off x="0" y="0"/>
+          <a:ext cx="0" cy="0"/>
+          <a:chOff x="0" y="0"/>
+          <a:chExt cx="0" cy="0"/>
+        </a:xfrm>
+      </p:grpSpPr>
+      <p:sp>
+        <p:nvSpPr>
+          <p:cNvPr id="2" name="Заголовок 1"/>
+          <p:cNvSpPr>
+            <a:spLocks noGrp="1"/>
+          </p:cNvSpPr>
+          <p:nvPr>
+            <p:ph type="title"/>
+          </p:nvPr>
+        </p:nvSpPr>
+        <p:spPr/>
+        <p:txBody>
+          <a:bodyPr/>
+          <a:lstStyle/>
+          <a:p>
+            <a:r>
+              <a:rPr lang="en-US" b="1" dirty="0">
+                <a:solidFill>
+                  <a:schemeClr val="bg1"/>
+                </a:solidFill>
+                <a:latin typeface="Cascadia Code" pitchFamily="49" charset="0"/>
+                <a:cs typeface="Cascadia Code" pitchFamily="49" charset="0"/>
+              </a:rPr>
+              <a:t>Partial</a:t>
+            </a:r>
+            <a:endParaRPr lang="ru-RU" b="1" dirty="0">
+              <a:solidFill>
+                <a:schemeClr val="bg1"/>
+              </a:solidFill>
+              <a:latin typeface="Cascadia Code" pitchFamily="49" charset="0"/>
+              <a:cs typeface="Cascadia Code" pitchFamily="49" charset="0"/>
+            </a:endParaRPr>
+          </a:p>
+        </p:txBody>
+      </p:sp>
+      <p:sp>
+        <p:nvSpPr>
+          <p:cNvPr id="9" name="Содержимое 8"/>
+          <p:cNvSpPr>
+            <a:spLocks noGrp="1"/>
+          </p:cNvSpPr>
+          <p:nvPr>
+            <p:ph sz="half" idx="2"/>
+          </p:nvPr>
+        </p:nvSpPr>
+        <p:spPr>
+          <a:xfrm>
+            <a:off x="6172200" y="1825625"/>
+            <a:ext cx="5181600" cy="4351338"/>
+          </a:xfrm>
+        </p:spPr>
+        <p:txBody>
+          <a:bodyPr/>
+          <a:lstStyle/>
+          <a:p>
+            <a:pPr>
+              <a:buNone/>
+            </a:pPr>
+            <a:r>
+              <a:rPr lang="ru-RU" dirty="0">
+                <a:solidFill>
+                  <a:schemeClr val="bg1"/>
+                </a:solidFill>
+                <a:latin typeface="Cascadia Code" pitchFamily="49" charset="0"/>
+                <a:cs typeface="Cascadia Code" pitchFamily="49" charset="0"/>
+              </a:rPr>
+              <a:t>Сопоставимый тип </a:t>
+            </a:r>
+            <a:r>
+              <a:rPr lang="ru-RU" dirty="0" err="1">
+                <a:solidFill>
+                  <a:schemeClr val="bg1"/>
+                </a:solidFill>
+                <a:latin typeface="Cascadia Code" pitchFamily="49" charset="0"/>
+                <a:cs typeface="Cascadia Code" pitchFamily="49" charset="0"/>
+              </a:rPr>
+              <a:t>Partial</a:t>
+            </a:r>
+            <a:r>
+              <a:rPr lang="ru-RU" dirty="0">
+                <a:solidFill>
+                  <a:schemeClr val="bg1"/>
+                </a:solidFill>
+                <a:latin typeface="Cascadia Code" pitchFamily="49" charset="0"/>
+                <a:cs typeface="Cascadia Code" pitchFamily="49" charset="0"/>
+              </a:rPr>
+              <a:t> добавляет членам объекта модификатор ?: делая их таким образом необязательными</a:t>
+            </a:r>
+          </a:p>
+        </p:txBody>
+      </p:sp>
+      <p:pic>
+        <p:nvPicPr>
+          <p:cNvPr id="15362" name="Picture 2"/>
+          <p:cNvPicPr>
+            <a:picLocks noChangeAspect="1" noChangeArrowheads="1"/>
+          </p:cNvPicPr>
+          <p:nvPr/>
+        </p:nvPicPr>
+        <p:blipFill>
+          <a:blip r:embed="rId2" cstate="print"/>
+          <a:srcRect/>
+          <a:stretch>
+            <a:fillRect/>
+          </a:stretch>
+        </p:blipFill>
+        <p:spPr bwMode="auto">
+          <a:xfrm>
+            <a:off x="6382703" y="5232718"/>
+            <a:ext cx="5220017" cy="956920"/>
+          </a:xfrm>
+          <a:prstGeom prst="rect">
+            <a:avLst/>
+          </a:prstGeom>
+          <a:noFill/>
+          <a:ln w="9525">
+            <a:noFill/>
+            <a:miter lim="800000"/>
+            <a:headEnd/>
+            <a:tailEnd/>
+          </a:ln>
+          <a:effectLst/>
+        </p:spPr>
+      </p:pic>
+      <p:pic>
+        <p:nvPicPr>
+          <p:cNvPr id="15363" name="Picture 3"/>
+          <p:cNvPicPr>
+            <a:picLocks noGrp="1" noChangeAspect="1" noChangeArrowheads="1"/>
+          </p:cNvPicPr>
+          <p:nvPr>
+            <p:ph sz="half" idx="1"/>
+          </p:nvPr>
+        </p:nvPicPr>
+        <p:blipFill>
+          <a:blip r:embed="rId3" cstate="print"/>
+          <a:srcRect/>
+          <a:stretch>
+            <a:fillRect/>
+          </a:stretch>
+        </p:blipFill>
+        <p:spPr bwMode="auto">
+          <a:xfrm>
+            <a:off x="357781" y="1825625"/>
+            <a:ext cx="5662019" cy="3574347"/>
+          </a:xfrm>
+          <a:prstGeom prst="rect">
+            <a:avLst/>
+          </a:prstGeom>
+          <a:noFill/>
+          <a:ln w="9525">
+            <a:noFill/>
+            <a:miter lim="800000"/>
+            <a:headEnd/>
+            <a:tailEnd/>
+          </a:ln>
+          <a:effectLst/>
+        </p:spPr>
+      </p:pic>
+    </p:spTree>
+  </p:cSld>
+  <p:clrMapOvr>
+    <a:masterClrMapping/>
+  </p:clrMapOvr>
+</p:sld>
+</file>
+
+<file path=ppt/slides/slide38.xml><?xml version="1.0" encoding="utf-8"?>
+<p:sld xmlns:a="http://schemas.openxmlformats.org/drawingml/2006/main" xmlns:r="http://schemas.openxmlformats.org/officeDocument/2006/relationships" xmlns:p="http://schemas.openxmlformats.org/presentationml/2006/main">
+  <p:cSld>
+    <p:spTree>
+      <p:nvGrpSpPr>
+        <p:cNvPr id="1" name=""/>
+        <p:cNvGrpSpPr/>
+        <p:nvPr/>
+      </p:nvGrpSpPr>
+      <p:grpSpPr>
+        <a:xfrm>
+          <a:off x="0" y="0"/>
+          <a:ext cx="0" cy="0"/>
+          <a:chOff x="0" y="0"/>
+          <a:chExt cx="0" cy="0"/>
+        </a:xfrm>
+      </p:grpSpPr>
+      <p:sp>
+        <p:nvSpPr>
+          <p:cNvPr id="2" name="Заголовок 1"/>
+          <p:cNvSpPr>
+            <a:spLocks noGrp="1"/>
+          </p:cNvSpPr>
+          <p:nvPr>
+            <p:ph type="title"/>
+          </p:nvPr>
+        </p:nvSpPr>
+        <p:spPr/>
+        <p:txBody>
+          <a:bodyPr/>
+          <a:lstStyle/>
+          <a:p>
+            <a:r>
+              <a:rPr lang="en-US" b="1" dirty="0">
+                <a:solidFill>
+                  <a:schemeClr val="bg1"/>
+                </a:solidFill>
+                <a:latin typeface="Cascadia Code" pitchFamily="49" charset="0"/>
+                <a:cs typeface="Cascadia Code" pitchFamily="49" charset="0"/>
+              </a:rPr>
+              <a:t>Pick</a:t>
+            </a:r>
+            <a:endParaRPr lang="ru-RU" b="1" dirty="0">
+              <a:solidFill>
+                <a:schemeClr val="bg1"/>
+              </a:solidFill>
+              <a:latin typeface="Cascadia Code" pitchFamily="49" charset="0"/>
+              <a:cs typeface="Cascadia Code" pitchFamily="49" charset="0"/>
+            </a:endParaRPr>
+          </a:p>
+        </p:txBody>
+      </p:sp>
+      <p:sp>
+        <p:nvSpPr>
+          <p:cNvPr id="4" name="Содержимое 3"/>
+          <p:cNvSpPr>
+            <a:spLocks noGrp="1"/>
+          </p:cNvSpPr>
+          <p:nvPr>
+            <p:ph sz="half" idx="1"/>
+          </p:nvPr>
+        </p:nvSpPr>
+        <p:spPr>
+          <a:xfrm>
+            <a:off x="838200" y="1825625"/>
+            <a:ext cx="5181600" cy="4351338"/>
+          </a:xfrm>
+        </p:spPr>
+        <p:txBody>
+          <a:bodyPr>
+            <a:normAutofit/>
+          </a:bodyPr>
+          <a:lstStyle/>
+          <a:p>
+            <a:pPr>
+              <a:buNone/>
+            </a:pPr>
+            <a:r>
+              <a:rPr lang="be-BY" dirty="0">
+                <a:solidFill>
+                  <a:schemeClr val="bg1"/>
+                </a:solidFill>
+                <a:latin typeface="Cascadia Code" pitchFamily="49" charset="0"/>
+                <a:cs typeface="Cascadia Code" pitchFamily="49" charset="0"/>
+              </a:rPr>
+              <a:t>П</a:t>
+            </a:r>
+            <a:r>
+              <a:rPr lang="ru-RU" dirty="0" err="1">
+                <a:solidFill>
+                  <a:schemeClr val="bg1"/>
+                </a:solidFill>
+                <a:latin typeface="Cascadia Code" pitchFamily="49" charset="0"/>
+                <a:cs typeface="Cascadia Code" pitchFamily="49" charset="0"/>
+              </a:rPr>
+              <a:t>редназначен</a:t>
+            </a:r>
+            <a:r>
+              <a:rPr lang="ru-RU" dirty="0">
+                <a:solidFill>
+                  <a:schemeClr val="bg1"/>
+                </a:solidFill>
+                <a:latin typeface="Cascadia Code" pitchFamily="49" charset="0"/>
+                <a:cs typeface="Cascadia Code" pitchFamily="49" charset="0"/>
+              </a:rPr>
+              <a:t> для фильтрации объектного типа ожидаемого в качестве первого параметра типа. </a:t>
+            </a:r>
+          </a:p>
+        </p:txBody>
+      </p:sp>
+      <p:pic>
+        <p:nvPicPr>
+          <p:cNvPr id="16386" name="Picture 2"/>
+          <p:cNvPicPr>
+            <a:picLocks noGrp="1" noChangeAspect="1" noChangeArrowheads="1"/>
+          </p:cNvPicPr>
+          <p:nvPr>
+            <p:ph sz="half" idx="2"/>
+          </p:nvPr>
+        </p:nvPicPr>
+        <p:blipFill>
+          <a:blip r:embed="rId2" cstate="print"/>
+          <a:srcRect/>
+          <a:stretch>
+            <a:fillRect/>
+          </a:stretch>
+        </p:blipFill>
+        <p:spPr bwMode="auto">
+          <a:xfrm>
+            <a:off x="6172199" y="1825625"/>
+            <a:ext cx="5767521" cy="2394818"/>
+          </a:xfrm>
+          <a:prstGeom prst="rect">
+            <a:avLst/>
+          </a:prstGeom>
+          <a:noFill/>
+          <a:ln w="9525">
+            <a:noFill/>
+            <a:miter lim="800000"/>
+            <a:headEnd/>
+            <a:tailEnd/>
+          </a:ln>
+          <a:effectLst/>
+        </p:spPr>
+      </p:pic>
+      <p:pic>
+        <p:nvPicPr>
+          <p:cNvPr id="16387" name="Picture 3"/>
+          <p:cNvPicPr>
+            <a:picLocks noChangeAspect="1" noChangeArrowheads="1"/>
+          </p:cNvPicPr>
+          <p:nvPr/>
+        </p:nvPicPr>
+        <p:blipFill>
+          <a:blip r:embed="rId3" cstate="print"/>
+          <a:srcRect/>
+          <a:stretch>
+            <a:fillRect/>
+          </a:stretch>
+        </p:blipFill>
+        <p:spPr bwMode="auto">
+          <a:xfrm>
+            <a:off x="6151880" y="4677728"/>
+            <a:ext cx="5821790" cy="940752"/>
+          </a:xfrm>
+          <a:prstGeom prst="rect">
+            <a:avLst/>
+          </a:prstGeom>
+          <a:noFill/>
+          <a:ln w="9525">
+            <a:noFill/>
+            <a:miter lim="800000"/>
+            <a:headEnd/>
+            <a:tailEnd/>
+          </a:ln>
+          <a:effectLst/>
+        </p:spPr>
+      </p:pic>
+    </p:spTree>
+  </p:cSld>
+  <p:clrMapOvr>
+    <a:masterClrMapping/>
+  </p:clrMapOvr>
+</p:sld>
+</file>
+
+<file path=ppt/slides/slide39.xml><?xml version="1.0" encoding="utf-8"?>
+<p:sld xmlns:a="http://schemas.openxmlformats.org/drawingml/2006/main" xmlns:r="http://schemas.openxmlformats.org/officeDocument/2006/relationships" xmlns:p="http://schemas.openxmlformats.org/presentationml/2006/main">
+  <p:cSld>
+    <p:spTree>
+      <p:nvGrpSpPr>
+        <p:cNvPr id="1" name=""/>
+        <p:cNvGrpSpPr/>
+        <p:nvPr/>
+      </p:nvGrpSpPr>
+      <p:grpSpPr>
+        <a:xfrm>
+          <a:off x="0" y="0"/>
+          <a:ext cx="0" cy="0"/>
+          <a:chOff x="0" y="0"/>
+          <a:chExt cx="0" cy="0"/>
+        </a:xfrm>
+      </p:grpSpPr>
+      <p:sp>
+        <p:nvSpPr>
+          <p:cNvPr id="2" name="Заголовок 1"/>
+          <p:cNvSpPr>
+            <a:spLocks noGrp="1"/>
+          </p:cNvSpPr>
+          <p:nvPr>
+            <p:ph type="title"/>
+          </p:nvPr>
+        </p:nvSpPr>
+        <p:spPr/>
+        <p:txBody>
+          <a:bodyPr/>
+          <a:lstStyle/>
+          <a:p>
+            <a:r>
+              <a:rPr lang="en-US" dirty="0">
+                <a:solidFill>
+                  <a:schemeClr val="bg1"/>
+                </a:solidFill>
+                <a:latin typeface="Cascadia Code" pitchFamily="49" charset="0"/>
+                <a:cs typeface="Cascadia Code" pitchFamily="49" charset="0"/>
+              </a:rPr>
+              <a:t>Require</a:t>
+            </a:r>
+            <a:endParaRPr lang="ru-RU" dirty="0">
+              <a:solidFill>
+                <a:schemeClr val="bg1"/>
+              </a:solidFill>
+              <a:latin typeface="Cascadia Code" pitchFamily="49" charset="0"/>
+              <a:cs typeface="Cascadia Code" pitchFamily="49" charset="0"/>
+            </a:endParaRPr>
+          </a:p>
+        </p:txBody>
+      </p:sp>
+      <p:sp>
+        <p:nvSpPr>
+          <p:cNvPr id="4" name="Содержимое 3"/>
+          <p:cNvSpPr>
+            <a:spLocks noGrp="1"/>
+          </p:cNvSpPr>
+          <p:nvPr>
+            <p:ph sz="half" idx="1"/>
+          </p:nvPr>
+        </p:nvSpPr>
+        <p:spPr/>
+        <p:txBody>
+          <a:bodyPr/>
+          <a:lstStyle/>
+          <a:p>
+            <a:pPr>
+              <a:buNone/>
+            </a:pPr>
+            <a:r>
+              <a:rPr lang="ru-RU" dirty="0">
+                <a:solidFill>
+                  <a:schemeClr val="bg1"/>
+                </a:solidFill>
+                <a:latin typeface="Cascadia Code" pitchFamily="49" charset="0"/>
+                <a:cs typeface="Cascadia Code" pitchFamily="49" charset="0"/>
+              </a:rPr>
+              <a:t>Сопоставимый тип </a:t>
+            </a:r>
+            <a:r>
+              <a:rPr lang="ru-RU" dirty="0" err="1">
+                <a:solidFill>
+                  <a:schemeClr val="bg1"/>
+                </a:solidFill>
+                <a:latin typeface="Cascadia Code" pitchFamily="49" charset="0"/>
+                <a:cs typeface="Cascadia Code" pitchFamily="49" charset="0"/>
+              </a:rPr>
+              <a:t>Required</a:t>
+            </a:r>
+            <a:r>
+              <a:rPr lang="ru-RU" dirty="0">
+                <a:solidFill>
+                  <a:schemeClr val="bg1"/>
+                </a:solidFill>
+                <a:latin typeface="Cascadia Code" pitchFamily="49" charset="0"/>
+                <a:cs typeface="Cascadia Code" pitchFamily="49" charset="0"/>
+              </a:rPr>
+              <a:t> удаляет все необязательные модификаторы ?: приводя члены объекта к обязательным.</a:t>
+            </a:r>
+          </a:p>
+        </p:txBody>
+      </p:sp>
+      <p:pic>
+        <p:nvPicPr>
+          <p:cNvPr id="17410" name="Picture 2"/>
+          <p:cNvPicPr>
+            <a:picLocks noGrp="1" noChangeAspect="1" noChangeArrowheads="1"/>
+          </p:cNvPicPr>
+          <p:nvPr>
+            <p:ph sz="half" idx="2"/>
+          </p:nvPr>
+        </p:nvPicPr>
+        <p:blipFill>
+          <a:blip r:embed="rId2" cstate="print"/>
+          <a:srcRect/>
+          <a:stretch>
+            <a:fillRect/>
+          </a:stretch>
+        </p:blipFill>
+        <p:spPr bwMode="auto">
+          <a:xfrm>
+            <a:off x="6172199" y="1860876"/>
+            <a:ext cx="5759181" cy="4103043"/>
+          </a:xfrm>
+          <a:prstGeom prst="rect">
+            <a:avLst/>
+          </a:prstGeom>
+          <a:noFill/>
+          <a:ln w="9525">
+            <a:noFill/>
+            <a:miter lim="800000"/>
+            <a:headEnd/>
+            <a:tailEnd/>
+          </a:ln>
+          <a:effectLst/>
+        </p:spPr>
+      </p:pic>
+      <p:pic>
+        <p:nvPicPr>
+          <p:cNvPr id="17412" name="Picture 4"/>
+          <p:cNvPicPr>
+            <a:picLocks noChangeAspect="1" noChangeArrowheads="1"/>
+          </p:cNvPicPr>
+          <p:nvPr/>
+        </p:nvPicPr>
+        <p:blipFill>
+          <a:blip r:embed="rId3" cstate="print"/>
+          <a:srcRect/>
+          <a:stretch>
+            <a:fillRect/>
+          </a:stretch>
+        </p:blipFill>
+        <p:spPr bwMode="auto">
+          <a:xfrm>
+            <a:off x="1023303" y="4993640"/>
+            <a:ext cx="4696777" cy="983404"/>
+          </a:xfrm>
+          <a:prstGeom prst="rect">
+            <a:avLst/>
+          </a:prstGeom>
+          <a:noFill/>
+          <a:ln w="9525">
+            <a:noFill/>
+            <a:miter lim="800000"/>
+            <a:headEnd/>
+            <a:tailEnd/>
+          </a:ln>
+          <a:effectLst/>
+        </p:spPr>
+      </p:pic>
+    </p:spTree>
   </p:cSld>
   <p:clrMapOvr>
     <a:masterClrMapping/>
@@ -5679,7 +10563,7 @@
               </a:rPr>
               <a:t>Установка и начало работы</a:t>
             </a:r>
-            <a:endParaRPr lang="ru-BY" sz="4400" dirty="0"/>
+            <a:endParaRPr lang="x-none" sz="4400" dirty="0"/>
           </a:p>
         </p:txBody>
       </p:sp>
@@ -5736,7 +10620,7 @@
           <p:nvPr/>
         </p:nvPicPr>
         <p:blipFill rotWithShape="1">
-          <a:blip r:embed="rId2"/>
+          <a:blip r:embed="rId2" cstate="print"/>
           <a:srcRect t="31261" b="21007"/>
           <a:stretch/>
         </p:blipFill>
@@ -5765,7 +10649,7 @@
           <p:nvPr/>
         </p:nvPicPr>
         <p:blipFill rotWithShape="1">
-          <a:blip r:embed="rId3"/>
+          <a:blip r:embed="rId3" cstate="print"/>
           <a:srcRect t="32821" b="17330"/>
           <a:stretch/>
         </p:blipFill>
@@ -5794,7 +10678,7 @@
           <p:nvPr/>
         </p:nvPicPr>
         <p:blipFill rotWithShape="1">
-          <a:blip r:embed="rId4"/>
+          <a:blip r:embed="rId4" cstate="print"/>
           <a:srcRect t="12345"/>
           <a:stretch/>
         </p:blipFill>
@@ -5896,7 +10780,7 @@
               </a:rPr>
               <a:t>https://www.Typescriptlang.Org/play</a:t>
             </a:r>
-            <a:endParaRPr lang="ru-BY" sz="2800" dirty="0"/>
+            <a:endParaRPr lang="x-none" sz="2800" dirty="0"/>
           </a:p>
         </p:txBody>
       </p:sp>
@@ -5906,6 +10790,1315 @@
         <p14:creationId xmlns:p14="http://schemas.microsoft.com/office/powerpoint/2010/main" val="3785373517"/>
       </p:ext>
     </p:extLst>
+  </p:cSld>
+  <p:clrMapOvr>
+    <a:masterClrMapping/>
+  </p:clrMapOvr>
+</p:sld>
+</file>
+
+<file path=ppt/slides/slide40.xml><?xml version="1.0" encoding="utf-8"?>
+<p:sld xmlns:a="http://schemas.openxmlformats.org/drawingml/2006/main" xmlns:r="http://schemas.openxmlformats.org/officeDocument/2006/relationships" xmlns:p="http://schemas.openxmlformats.org/presentationml/2006/main">
+  <p:cSld>
+    <p:spTree>
+      <p:nvGrpSpPr>
+        <p:cNvPr id="1" name=""/>
+        <p:cNvGrpSpPr/>
+        <p:nvPr/>
+      </p:nvGrpSpPr>
+      <p:grpSpPr>
+        <a:xfrm>
+          <a:off x="0" y="0"/>
+          <a:ext cx="0" cy="0"/>
+          <a:chOff x="0" y="0"/>
+          <a:chExt cx="0" cy="0"/>
+        </a:xfrm>
+      </p:grpSpPr>
+      <p:sp>
+        <p:nvSpPr>
+          <p:cNvPr id="2" name="Заголовок 1"/>
+          <p:cNvSpPr>
+            <a:spLocks noGrp="1"/>
+          </p:cNvSpPr>
+          <p:nvPr>
+            <p:ph type="title"/>
+          </p:nvPr>
+        </p:nvSpPr>
+        <p:spPr/>
+        <p:txBody>
+          <a:bodyPr/>
+          <a:lstStyle/>
+          <a:p>
+            <a:r>
+              <a:rPr lang="en-US" b="1" dirty="0">
+                <a:solidFill>
+                  <a:schemeClr val="bg1"/>
+                </a:solidFill>
+                <a:latin typeface="Cascadia Code" pitchFamily="49" charset="0"/>
+                <a:cs typeface="Cascadia Code" pitchFamily="49" charset="0"/>
+              </a:rPr>
+              <a:t>Record</a:t>
+            </a:r>
+            <a:endParaRPr lang="ru-RU" b="1" dirty="0">
+              <a:solidFill>
+                <a:schemeClr val="bg1"/>
+              </a:solidFill>
+              <a:latin typeface="Cascadia Code" pitchFamily="49" charset="0"/>
+              <a:cs typeface="Cascadia Code" pitchFamily="49" charset="0"/>
+            </a:endParaRPr>
+          </a:p>
+        </p:txBody>
+      </p:sp>
+      <p:sp>
+        <p:nvSpPr>
+          <p:cNvPr id="4" name="Содержимое 3"/>
+          <p:cNvSpPr>
+            <a:spLocks noGrp="1"/>
+          </p:cNvSpPr>
+          <p:nvPr>
+            <p:ph sz="half" idx="1"/>
+          </p:nvPr>
+        </p:nvSpPr>
+        <p:spPr>
+          <a:xfrm>
+            <a:off x="838200" y="1825625"/>
+            <a:ext cx="5181600" cy="4351338"/>
+          </a:xfrm>
+        </p:spPr>
+        <p:txBody>
+          <a:bodyPr/>
+          <a:lstStyle/>
+          <a:p>
+            <a:pPr>
+              <a:buNone/>
+            </a:pPr>
+            <a:r>
+              <a:rPr lang="ru-RU" b="1" dirty="0">
+                <a:solidFill>
+                  <a:schemeClr val="bg1"/>
+                </a:solidFill>
+                <a:latin typeface="Cascadia Code" pitchFamily="49" charset="0"/>
+                <a:cs typeface="Cascadia Code" pitchFamily="49" charset="0"/>
+              </a:rPr>
+              <a:t>Предназначен для динамического определения полей в объектном типе. Данный тип определяет два параметра типа.</a:t>
+            </a:r>
+          </a:p>
+        </p:txBody>
+      </p:sp>
+      <p:pic>
+        <p:nvPicPr>
+          <p:cNvPr id="18434" name="Picture 2"/>
+          <p:cNvPicPr>
+            <a:picLocks noGrp="1" noChangeAspect="1" noChangeArrowheads="1"/>
+          </p:cNvPicPr>
+          <p:nvPr>
+            <p:ph sz="half" idx="2"/>
+          </p:nvPr>
+        </p:nvPicPr>
+        <p:blipFill>
+          <a:blip r:embed="rId2" cstate="print"/>
+          <a:srcRect/>
+          <a:stretch>
+            <a:fillRect/>
+          </a:stretch>
+        </p:blipFill>
+        <p:spPr bwMode="auto">
+          <a:xfrm>
+            <a:off x="6172199" y="1825625"/>
+            <a:ext cx="5842129" cy="3721072"/>
+          </a:xfrm>
+          <a:prstGeom prst="rect">
+            <a:avLst/>
+          </a:prstGeom>
+          <a:noFill/>
+          <a:ln w="9525">
+            <a:noFill/>
+            <a:miter lim="800000"/>
+            <a:headEnd/>
+            <a:tailEnd/>
+          </a:ln>
+          <a:effectLst/>
+        </p:spPr>
+      </p:pic>
+      <p:pic>
+        <p:nvPicPr>
+          <p:cNvPr id="18435" name="Picture 3"/>
+          <p:cNvPicPr>
+            <a:picLocks noChangeAspect="1" noChangeArrowheads="1"/>
+          </p:cNvPicPr>
+          <p:nvPr/>
+        </p:nvPicPr>
+        <p:blipFill>
+          <a:blip r:embed="rId3" cstate="print"/>
+          <a:srcRect/>
+          <a:stretch>
+            <a:fillRect/>
+          </a:stretch>
+        </p:blipFill>
+        <p:spPr bwMode="auto">
+          <a:xfrm>
+            <a:off x="924560" y="4790758"/>
+            <a:ext cx="4267200" cy="771525"/>
+          </a:xfrm>
+          <a:prstGeom prst="rect">
+            <a:avLst/>
+          </a:prstGeom>
+          <a:noFill/>
+          <a:ln w="9525">
+            <a:noFill/>
+            <a:miter lim="800000"/>
+            <a:headEnd/>
+            <a:tailEnd/>
+          </a:ln>
+          <a:effectLst/>
+        </p:spPr>
+      </p:pic>
+    </p:spTree>
+  </p:cSld>
+  <p:clrMapOvr>
+    <a:masterClrMapping/>
+  </p:clrMapOvr>
+</p:sld>
+</file>
+
+<file path=ppt/slides/slide41.xml><?xml version="1.0" encoding="utf-8"?>
+<p:sld xmlns:a="http://schemas.openxmlformats.org/drawingml/2006/main" xmlns:r="http://schemas.openxmlformats.org/officeDocument/2006/relationships" xmlns:p="http://schemas.openxmlformats.org/presentationml/2006/main">
+  <p:cSld>
+    <p:spTree>
+      <p:nvGrpSpPr>
+        <p:cNvPr id="1" name=""/>
+        <p:cNvGrpSpPr/>
+        <p:nvPr/>
+      </p:nvGrpSpPr>
+      <p:grpSpPr>
+        <a:xfrm>
+          <a:off x="0" y="0"/>
+          <a:ext cx="0" cy="0"/>
+          <a:chOff x="0" y="0"/>
+          <a:chExt cx="0" cy="0"/>
+        </a:xfrm>
+      </p:grpSpPr>
+      <p:sp>
+        <p:nvSpPr>
+          <p:cNvPr id="2" name="Заголовок 1"/>
+          <p:cNvSpPr>
+            <a:spLocks noGrp="1"/>
+          </p:cNvSpPr>
+          <p:nvPr>
+            <p:ph type="title"/>
+          </p:nvPr>
+        </p:nvSpPr>
+        <p:spPr/>
+        <p:txBody>
+          <a:bodyPr/>
+          <a:lstStyle/>
+          <a:p>
+            <a:r>
+              <a:rPr lang="en-US" b="1" dirty="0">
+                <a:solidFill>
+                  <a:schemeClr val="bg1"/>
+                </a:solidFill>
+                <a:latin typeface="Cascadia Code" pitchFamily="49" charset="0"/>
+                <a:cs typeface="Cascadia Code" pitchFamily="49" charset="0"/>
+              </a:rPr>
+              <a:t>Extract</a:t>
+            </a:r>
+            <a:endParaRPr lang="ru-RU" b="1" dirty="0">
+              <a:solidFill>
+                <a:schemeClr val="bg1"/>
+              </a:solidFill>
+              <a:latin typeface="Cascadia Code" pitchFamily="49" charset="0"/>
+              <a:cs typeface="Cascadia Code" pitchFamily="49" charset="0"/>
+            </a:endParaRPr>
+          </a:p>
+        </p:txBody>
+      </p:sp>
+      <p:sp>
+        <p:nvSpPr>
+          <p:cNvPr id="4" name="Содержимое 3"/>
+          <p:cNvSpPr>
+            <a:spLocks noGrp="1"/>
+          </p:cNvSpPr>
+          <p:nvPr>
+            <p:ph sz="half" idx="1"/>
+          </p:nvPr>
+        </p:nvSpPr>
+        <p:spPr>
+          <a:xfrm>
+            <a:off x="838200" y="1825625"/>
+            <a:ext cx="5181600" cy="4351338"/>
+          </a:xfrm>
+        </p:spPr>
+        <p:txBody>
+          <a:bodyPr/>
+          <a:lstStyle/>
+          <a:p>
+            <a:pPr>
+              <a:buNone/>
+            </a:pPr>
+            <a:r>
+              <a:rPr lang="ru-RU" b="1" dirty="0">
+                <a:solidFill>
+                  <a:schemeClr val="bg1"/>
+                </a:solidFill>
+                <a:latin typeface="Cascadia Code" pitchFamily="49" charset="0"/>
+                <a:cs typeface="Cascadia Code" pitchFamily="49" charset="0"/>
+              </a:rPr>
+              <a:t>Пересечение одного типа относительно другого</a:t>
+            </a:r>
+          </a:p>
+        </p:txBody>
+      </p:sp>
+      <p:pic>
+        <p:nvPicPr>
+          <p:cNvPr id="19458" name="Picture 2"/>
+          <p:cNvPicPr>
+            <a:picLocks noChangeAspect="1" noChangeArrowheads="1"/>
+          </p:cNvPicPr>
+          <p:nvPr/>
+        </p:nvPicPr>
+        <p:blipFill>
+          <a:blip r:embed="rId2" cstate="print"/>
+          <a:srcRect/>
+          <a:stretch>
+            <a:fillRect/>
+          </a:stretch>
+        </p:blipFill>
+        <p:spPr bwMode="auto">
+          <a:xfrm>
+            <a:off x="6081078" y="2892108"/>
+            <a:ext cx="5495925" cy="504825"/>
+          </a:xfrm>
+          <a:prstGeom prst="rect">
+            <a:avLst/>
+          </a:prstGeom>
+          <a:noFill/>
+          <a:ln w="9525">
+            <a:noFill/>
+            <a:miter lim="800000"/>
+            <a:headEnd/>
+            <a:tailEnd/>
+          </a:ln>
+          <a:effectLst/>
+        </p:spPr>
+      </p:pic>
+      <p:pic>
+        <p:nvPicPr>
+          <p:cNvPr id="19459" name="Picture 3"/>
+          <p:cNvPicPr>
+            <a:picLocks noGrp="1" noChangeAspect="1" noChangeArrowheads="1"/>
+          </p:cNvPicPr>
+          <p:nvPr>
+            <p:ph sz="half" idx="2"/>
+          </p:nvPr>
+        </p:nvPicPr>
+        <p:blipFill>
+          <a:blip r:embed="rId3" cstate="print"/>
+          <a:srcRect/>
+          <a:stretch>
+            <a:fillRect/>
+          </a:stretch>
+        </p:blipFill>
+        <p:spPr bwMode="auto">
+          <a:xfrm>
+            <a:off x="6101080" y="1921463"/>
+            <a:ext cx="5842000" cy="562703"/>
+          </a:xfrm>
+          <a:prstGeom prst="rect">
+            <a:avLst/>
+          </a:prstGeom>
+          <a:noFill/>
+          <a:ln w="9525">
+            <a:noFill/>
+            <a:miter lim="800000"/>
+            <a:headEnd/>
+            <a:tailEnd/>
+          </a:ln>
+          <a:effectLst/>
+        </p:spPr>
+      </p:pic>
+    </p:spTree>
+  </p:cSld>
+  <p:clrMapOvr>
+    <a:masterClrMapping/>
+  </p:clrMapOvr>
+</p:sld>
+</file>
+
+<file path=ppt/slides/slide42.xml><?xml version="1.0" encoding="utf-8"?>
+<p:sld xmlns:a="http://schemas.openxmlformats.org/drawingml/2006/main" xmlns:r="http://schemas.openxmlformats.org/officeDocument/2006/relationships" xmlns:p="http://schemas.openxmlformats.org/presentationml/2006/main">
+  <p:cSld>
+    <p:spTree>
+      <p:nvGrpSpPr>
+        <p:cNvPr id="1" name=""/>
+        <p:cNvGrpSpPr/>
+        <p:nvPr/>
+      </p:nvGrpSpPr>
+      <p:grpSpPr>
+        <a:xfrm>
+          <a:off x="0" y="0"/>
+          <a:ext cx="0" cy="0"/>
+          <a:chOff x="0" y="0"/>
+          <a:chExt cx="0" cy="0"/>
+        </a:xfrm>
+      </p:grpSpPr>
+      <p:sp>
+        <p:nvSpPr>
+          <p:cNvPr id="2" name="Заголовок 1"/>
+          <p:cNvSpPr>
+            <a:spLocks noGrp="1"/>
+          </p:cNvSpPr>
+          <p:nvPr>
+            <p:ph type="title"/>
+          </p:nvPr>
+        </p:nvSpPr>
+        <p:spPr/>
+        <p:txBody>
+          <a:bodyPr/>
+          <a:lstStyle/>
+          <a:p>
+            <a:r>
+              <a:rPr lang="en-US" b="1" dirty="0">
+                <a:solidFill>
+                  <a:schemeClr val="bg1"/>
+                </a:solidFill>
+                <a:latin typeface="Cascadia Code" pitchFamily="49" charset="0"/>
+                <a:cs typeface="Cascadia Code" pitchFamily="49" charset="0"/>
+              </a:rPr>
+              <a:t>Exclude</a:t>
+            </a:r>
+            <a:endParaRPr lang="ru-RU" b="1" dirty="0">
+              <a:solidFill>
+                <a:schemeClr val="bg1"/>
+              </a:solidFill>
+              <a:latin typeface="Cascadia Code" pitchFamily="49" charset="0"/>
+              <a:cs typeface="Cascadia Code" pitchFamily="49" charset="0"/>
+            </a:endParaRPr>
+          </a:p>
+        </p:txBody>
+      </p:sp>
+      <p:sp>
+        <p:nvSpPr>
+          <p:cNvPr id="4" name="Содержимое 3"/>
+          <p:cNvSpPr>
+            <a:spLocks noGrp="1"/>
+          </p:cNvSpPr>
+          <p:nvPr>
+            <p:ph sz="half" idx="1"/>
+          </p:nvPr>
+        </p:nvSpPr>
+        <p:spPr>
+          <a:xfrm>
+            <a:off x="838200" y="1825625"/>
+            <a:ext cx="5181600" cy="4351338"/>
+          </a:xfrm>
+        </p:spPr>
+        <p:txBody>
+          <a:bodyPr/>
+          <a:lstStyle/>
+          <a:p>
+            <a:pPr>
+              <a:buNone/>
+            </a:pPr>
+            <a:r>
+              <a:rPr lang="ru-RU" b="1" dirty="0">
+                <a:solidFill>
+                  <a:schemeClr val="bg1"/>
+                </a:solidFill>
+                <a:latin typeface="Cascadia Code" pitchFamily="49" charset="0"/>
+                <a:cs typeface="Cascadia Code" pitchFamily="49" charset="0"/>
+              </a:rPr>
+              <a:t>Разница одного типа относительно другого</a:t>
+            </a:r>
+          </a:p>
+        </p:txBody>
+      </p:sp>
+      <p:pic>
+        <p:nvPicPr>
+          <p:cNvPr id="20482" name="Picture 2"/>
+          <p:cNvPicPr>
+            <a:picLocks noChangeAspect="1" noChangeArrowheads="1"/>
+          </p:cNvPicPr>
+          <p:nvPr/>
+        </p:nvPicPr>
+        <p:blipFill>
+          <a:blip r:embed="rId2" cstate="print"/>
+          <a:srcRect/>
+          <a:stretch>
+            <a:fillRect/>
+          </a:stretch>
+        </p:blipFill>
+        <p:spPr bwMode="auto">
+          <a:xfrm>
+            <a:off x="6094413" y="2721293"/>
+            <a:ext cx="5803077" cy="499427"/>
+          </a:xfrm>
+          <a:prstGeom prst="rect">
+            <a:avLst/>
+          </a:prstGeom>
+          <a:noFill/>
+          <a:ln w="9525">
+            <a:noFill/>
+            <a:miter lim="800000"/>
+            <a:headEnd/>
+            <a:tailEnd/>
+          </a:ln>
+          <a:effectLst/>
+        </p:spPr>
+      </p:pic>
+      <p:pic>
+        <p:nvPicPr>
+          <p:cNvPr id="20483" name="Picture 3"/>
+          <p:cNvPicPr>
+            <a:picLocks noGrp="1" noChangeAspect="1" noChangeArrowheads="1"/>
+          </p:cNvPicPr>
+          <p:nvPr>
+            <p:ph sz="half" idx="2"/>
+          </p:nvPr>
+        </p:nvPicPr>
+        <p:blipFill>
+          <a:blip r:embed="rId3" cstate="print"/>
+          <a:srcRect/>
+          <a:stretch>
+            <a:fillRect/>
+          </a:stretch>
+        </p:blipFill>
+        <p:spPr bwMode="auto">
+          <a:xfrm>
+            <a:off x="6080759" y="1937829"/>
+            <a:ext cx="5834759" cy="551371"/>
+          </a:xfrm>
+          <a:prstGeom prst="rect">
+            <a:avLst/>
+          </a:prstGeom>
+          <a:noFill/>
+          <a:ln w="9525">
+            <a:noFill/>
+            <a:miter lim="800000"/>
+            <a:headEnd/>
+            <a:tailEnd/>
+          </a:ln>
+          <a:effectLst/>
+        </p:spPr>
+      </p:pic>
+    </p:spTree>
+  </p:cSld>
+  <p:clrMapOvr>
+    <a:masterClrMapping/>
+  </p:clrMapOvr>
+</p:sld>
+</file>
+
+<file path=ppt/slides/slide43.xml><?xml version="1.0" encoding="utf-8"?>
+<p:sld xmlns:a="http://schemas.openxmlformats.org/drawingml/2006/main" xmlns:r="http://schemas.openxmlformats.org/officeDocument/2006/relationships" xmlns:p="http://schemas.openxmlformats.org/presentationml/2006/main">
+  <p:cSld>
+    <p:spTree>
+      <p:nvGrpSpPr>
+        <p:cNvPr id="1" name=""/>
+        <p:cNvGrpSpPr/>
+        <p:nvPr/>
+      </p:nvGrpSpPr>
+      <p:grpSpPr>
+        <a:xfrm>
+          <a:off x="0" y="0"/>
+          <a:ext cx="0" cy="0"/>
+          <a:chOff x="0" y="0"/>
+          <a:chExt cx="0" cy="0"/>
+        </a:xfrm>
+      </p:grpSpPr>
+      <p:sp>
+        <p:nvSpPr>
+          <p:cNvPr id="2" name="Заголовок 1"/>
+          <p:cNvSpPr>
+            <a:spLocks noGrp="1"/>
+          </p:cNvSpPr>
+          <p:nvPr>
+            <p:ph type="title"/>
+          </p:nvPr>
+        </p:nvSpPr>
+        <p:spPr/>
+        <p:txBody>
+          <a:bodyPr/>
+          <a:lstStyle/>
+          <a:p>
+            <a:r>
+              <a:rPr lang="en-US" b="1" dirty="0" err="1">
+                <a:solidFill>
+                  <a:schemeClr val="bg1"/>
+                </a:solidFill>
+                <a:latin typeface="Cascadia Code" pitchFamily="49" charset="0"/>
+                <a:cs typeface="Cascadia Code" pitchFamily="49" charset="0"/>
+              </a:rPr>
+              <a:t>InstanceType</a:t>
+            </a:r>
+            <a:endParaRPr lang="ru-RU" b="1" dirty="0">
+              <a:solidFill>
+                <a:schemeClr val="bg1"/>
+              </a:solidFill>
+              <a:latin typeface="Cascadia Code" pitchFamily="49" charset="0"/>
+              <a:cs typeface="Cascadia Code" pitchFamily="49" charset="0"/>
+            </a:endParaRPr>
+          </a:p>
+        </p:txBody>
+      </p:sp>
+      <p:sp>
+        <p:nvSpPr>
+          <p:cNvPr id="4" name="Содержимое 3"/>
+          <p:cNvSpPr>
+            <a:spLocks noGrp="1"/>
+          </p:cNvSpPr>
+          <p:nvPr>
+            <p:ph sz="half" idx="1"/>
+          </p:nvPr>
+        </p:nvSpPr>
+        <p:spPr>
+          <a:xfrm>
+            <a:off x="838200" y="1825625"/>
+            <a:ext cx="5181600" cy="4351338"/>
+          </a:xfrm>
+        </p:spPr>
+        <p:txBody>
+          <a:bodyPr>
+            <a:normAutofit/>
+          </a:bodyPr>
+          <a:lstStyle/>
+          <a:p>
+            <a:pPr>
+              <a:buNone/>
+            </a:pPr>
+            <a:r>
+              <a:rPr lang="ru-RU" dirty="0">
+                <a:solidFill>
+                  <a:schemeClr val="bg1"/>
+                </a:solidFill>
+                <a:latin typeface="Cascadia Code" pitchFamily="49" charset="0"/>
+                <a:cs typeface="Cascadia Code" pitchFamily="49" charset="0"/>
+              </a:rPr>
+              <a:t>предназначен для получения типа экземпляра на основе типа представляющего класс. Параметр типа T должен обязательно принадлежать к типу класса</a:t>
+            </a:r>
+            <a:endParaRPr lang="ru-RU" b="1" dirty="0">
+              <a:solidFill>
+                <a:schemeClr val="bg1"/>
+              </a:solidFill>
+              <a:latin typeface="Cascadia Code" pitchFamily="49" charset="0"/>
+              <a:cs typeface="Cascadia Code" pitchFamily="49" charset="0"/>
+            </a:endParaRPr>
+          </a:p>
+        </p:txBody>
+      </p:sp>
+      <p:pic>
+        <p:nvPicPr>
+          <p:cNvPr id="10" name="Содержимое 9" descr="Снимок экрана 2024-03-22 204409.png"/>
+          <p:cNvPicPr>
+            <a:picLocks noGrp="1" noChangeAspect="1"/>
+          </p:cNvPicPr>
+          <p:nvPr>
+            <p:ph sz="half" idx="2"/>
+          </p:nvPr>
+        </p:nvPicPr>
+        <p:blipFill>
+          <a:blip r:embed="rId2" cstate="print"/>
+          <a:stretch>
+            <a:fillRect/>
+          </a:stretch>
+        </p:blipFill>
+        <p:spPr>
+          <a:xfrm>
+            <a:off x="6412026" y="1895558"/>
+            <a:ext cx="4701948" cy="1752752"/>
+          </a:xfrm>
+        </p:spPr>
+      </p:pic>
+      <p:pic>
+        <p:nvPicPr>
+          <p:cNvPr id="21507" name="Picture 3"/>
+          <p:cNvPicPr>
+            <a:picLocks noChangeAspect="1" noChangeArrowheads="1"/>
+          </p:cNvPicPr>
+          <p:nvPr/>
+        </p:nvPicPr>
+        <p:blipFill>
+          <a:blip r:embed="rId3" cstate="print"/>
+          <a:srcRect/>
+          <a:stretch>
+            <a:fillRect/>
+          </a:stretch>
+        </p:blipFill>
+        <p:spPr bwMode="auto">
+          <a:xfrm>
+            <a:off x="2229287" y="5344160"/>
+            <a:ext cx="7882454" cy="698183"/>
+          </a:xfrm>
+          <a:prstGeom prst="rect">
+            <a:avLst/>
+          </a:prstGeom>
+          <a:noFill/>
+          <a:ln w="9525">
+            <a:noFill/>
+            <a:miter lim="800000"/>
+            <a:headEnd/>
+            <a:tailEnd/>
+          </a:ln>
+          <a:effectLst/>
+        </p:spPr>
+      </p:pic>
+    </p:spTree>
+  </p:cSld>
+  <p:clrMapOvr>
+    <a:masterClrMapping/>
+  </p:clrMapOvr>
+</p:sld>
+</file>
+
+<file path=ppt/slides/slide44.xml><?xml version="1.0" encoding="utf-8"?>
+<p:sld xmlns:a="http://schemas.openxmlformats.org/drawingml/2006/main" xmlns:r="http://schemas.openxmlformats.org/officeDocument/2006/relationships" xmlns:p="http://schemas.openxmlformats.org/presentationml/2006/main">
+  <p:cSld>
+    <p:spTree>
+      <p:nvGrpSpPr>
+        <p:cNvPr id="1" name=""/>
+        <p:cNvGrpSpPr/>
+        <p:nvPr/>
+      </p:nvGrpSpPr>
+      <p:grpSpPr>
+        <a:xfrm>
+          <a:off x="0" y="0"/>
+          <a:ext cx="0" cy="0"/>
+          <a:chOff x="0" y="0"/>
+          <a:chExt cx="0" cy="0"/>
+        </a:xfrm>
+      </p:grpSpPr>
+      <p:sp>
+        <p:nvSpPr>
+          <p:cNvPr id="2" name="Заголовок 1"/>
+          <p:cNvSpPr>
+            <a:spLocks noGrp="1"/>
+          </p:cNvSpPr>
+          <p:nvPr>
+            <p:ph type="title"/>
+          </p:nvPr>
+        </p:nvSpPr>
+        <p:spPr/>
+        <p:txBody>
+          <a:bodyPr/>
+          <a:lstStyle/>
+          <a:p>
+            <a:r>
+              <a:rPr lang="en-US" b="1" dirty="0" err="1">
+                <a:solidFill>
+                  <a:schemeClr val="bg1"/>
+                </a:solidFill>
+                <a:latin typeface="Cascadia Code" pitchFamily="49" charset="0"/>
+                <a:cs typeface="Cascadia Code" pitchFamily="49" charset="0"/>
+              </a:rPr>
+              <a:t>NonNullable</a:t>
+            </a:r>
+            <a:endParaRPr lang="ru-RU" b="1" dirty="0">
+              <a:solidFill>
+                <a:schemeClr val="bg1"/>
+              </a:solidFill>
+              <a:latin typeface="Cascadia Code" pitchFamily="49" charset="0"/>
+              <a:cs typeface="Cascadia Code" pitchFamily="49" charset="0"/>
+            </a:endParaRPr>
+          </a:p>
+        </p:txBody>
+      </p:sp>
+      <p:sp>
+        <p:nvSpPr>
+          <p:cNvPr id="4" name="Содержимое 3"/>
+          <p:cNvSpPr>
+            <a:spLocks noGrp="1"/>
+          </p:cNvSpPr>
+          <p:nvPr>
+            <p:ph sz="half" idx="1"/>
+          </p:nvPr>
+        </p:nvSpPr>
+        <p:spPr>
+          <a:xfrm>
+            <a:off x="838200" y="1825625"/>
+            <a:ext cx="5181600" cy="4351338"/>
+          </a:xfrm>
+        </p:spPr>
+        <p:txBody>
+          <a:bodyPr/>
+          <a:lstStyle/>
+          <a:p>
+            <a:pPr>
+              <a:buNone/>
+            </a:pPr>
+            <a:r>
+              <a:rPr lang="ru-RU" b="1" dirty="0">
+                <a:solidFill>
+                  <a:schemeClr val="bg1"/>
+                </a:solidFill>
+                <a:latin typeface="Cascadia Code" pitchFamily="49" charset="0"/>
+                <a:cs typeface="Cascadia Code" pitchFamily="49" charset="0"/>
+              </a:rPr>
+              <a:t>служит для исключения из типа признаков типов </a:t>
+            </a:r>
+            <a:r>
+              <a:rPr lang="ru-RU" b="1" dirty="0" err="1">
+                <a:solidFill>
+                  <a:schemeClr val="bg1"/>
+                </a:solidFill>
+                <a:latin typeface="Cascadia Code" pitchFamily="49" charset="0"/>
+                <a:cs typeface="Cascadia Code" pitchFamily="49" charset="0"/>
+              </a:rPr>
+              <a:t>null</a:t>
+            </a:r>
+            <a:r>
+              <a:rPr lang="ru-RU" b="1" dirty="0">
+                <a:solidFill>
+                  <a:schemeClr val="bg1"/>
+                </a:solidFill>
+                <a:latin typeface="Cascadia Code" pitchFamily="49" charset="0"/>
+                <a:cs typeface="Cascadia Code" pitchFamily="49" charset="0"/>
+              </a:rPr>
+              <a:t> и </a:t>
+            </a:r>
+            <a:r>
+              <a:rPr lang="ru-RU" b="1" dirty="0" err="1">
+                <a:solidFill>
+                  <a:schemeClr val="bg1"/>
+                </a:solidFill>
+                <a:latin typeface="Cascadia Code" pitchFamily="49" charset="0"/>
+                <a:cs typeface="Cascadia Code" pitchFamily="49" charset="0"/>
+              </a:rPr>
+              <a:t>undefined</a:t>
+            </a:r>
+            <a:r>
+              <a:rPr lang="ru-RU" b="1" dirty="0">
+                <a:solidFill>
+                  <a:schemeClr val="bg1"/>
+                </a:solidFill>
+                <a:latin typeface="Cascadia Code" pitchFamily="49" charset="0"/>
+                <a:cs typeface="Cascadia Code" pitchFamily="49" charset="0"/>
+              </a:rPr>
+              <a:t>.</a:t>
+            </a:r>
+          </a:p>
+        </p:txBody>
+      </p:sp>
+      <p:pic>
+        <p:nvPicPr>
+          <p:cNvPr id="6" name="Содержимое 7" descr="Снимок экрана 2024-03-22 204423.png"/>
+          <p:cNvPicPr>
+            <a:picLocks noChangeAspect="1"/>
+          </p:cNvPicPr>
+          <p:nvPr/>
+        </p:nvPicPr>
+        <p:blipFill>
+          <a:blip r:embed="rId2" cstate="print"/>
+          <a:stretch>
+            <a:fillRect/>
+          </a:stretch>
+        </p:blipFill>
+        <p:spPr>
+          <a:xfrm>
+            <a:off x="6162039" y="1960910"/>
+            <a:ext cx="5524669" cy="711170"/>
+          </a:xfrm>
+          <a:prstGeom prst="rect">
+            <a:avLst/>
+          </a:prstGeom>
+        </p:spPr>
+      </p:pic>
+      <p:pic>
+        <p:nvPicPr>
+          <p:cNvPr id="22530" name="Picture 2"/>
+          <p:cNvPicPr>
+            <a:picLocks noChangeAspect="1" noChangeArrowheads="1"/>
+          </p:cNvPicPr>
+          <p:nvPr/>
+        </p:nvPicPr>
+        <p:blipFill>
+          <a:blip r:embed="rId3" cstate="print"/>
+          <a:srcRect/>
+          <a:stretch>
+            <a:fillRect/>
+          </a:stretch>
+        </p:blipFill>
+        <p:spPr bwMode="auto">
+          <a:xfrm>
+            <a:off x="2565400" y="3562033"/>
+            <a:ext cx="7059613" cy="485775"/>
+          </a:xfrm>
+          <a:prstGeom prst="rect">
+            <a:avLst/>
+          </a:prstGeom>
+          <a:noFill/>
+          <a:ln w="9525">
+            <a:noFill/>
+            <a:miter lim="800000"/>
+            <a:headEnd/>
+            <a:tailEnd/>
+          </a:ln>
+          <a:effectLst/>
+        </p:spPr>
+      </p:pic>
+    </p:spTree>
+  </p:cSld>
+  <p:clrMapOvr>
+    <a:masterClrMapping/>
+  </p:clrMapOvr>
+</p:sld>
+</file>
+
+<file path=ppt/slides/slide45.xml><?xml version="1.0" encoding="utf-8"?>
+<p:sld xmlns:a="http://schemas.openxmlformats.org/drawingml/2006/main" xmlns:r="http://schemas.openxmlformats.org/officeDocument/2006/relationships" xmlns:p="http://schemas.openxmlformats.org/presentationml/2006/main">
+  <p:cSld>
+    <p:spTree>
+      <p:nvGrpSpPr>
+        <p:cNvPr id="1" name=""/>
+        <p:cNvGrpSpPr/>
+        <p:nvPr/>
+      </p:nvGrpSpPr>
+      <p:grpSpPr>
+        <a:xfrm>
+          <a:off x="0" y="0"/>
+          <a:ext cx="0" cy="0"/>
+          <a:chOff x="0" y="0"/>
+          <a:chExt cx="0" cy="0"/>
+        </a:xfrm>
+      </p:grpSpPr>
+      <p:sp>
+        <p:nvSpPr>
+          <p:cNvPr id="2" name="Заголовок 1"/>
+          <p:cNvSpPr>
+            <a:spLocks noGrp="1"/>
+          </p:cNvSpPr>
+          <p:nvPr>
+            <p:ph type="title"/>
+          </p:nvPr>
+        </p:nvSpPr>
+        <p:spPr/>
+        <p:txBody>
+          <a:bodyPr/>
+          <a:lstStyle/>
+          <a:p>
+            <a:r>
+              <a:rPr lang="en-US" b="1" dirty="0" err="1">
+                <a:solidFill>
+                  <a:schemeClr val="bg1"/>
+                </a:solidFill>
+                <a:latin typeface="Cascadia Code" pitchFamily="49" charset="0"/>
+                <a:cs typeface="Cascadia Code" pitchFamily="49" charset="0"/>
+              </a:rPr>
+              <a:t>ReturnType</a:t>
+            </a:r>
+            <a:endParaRPr lang="ru-RU" b="1" dirty="0">
+              <a:solidFill>
+                <a:schemeClr val="bg1"/>
+              </a:solidFill>
+              <a:latin typeface="Cascadia Code" pitchFamily="49" charset="0"/>
+              <a:cs typeface="Cascadia Code" pitchFamily="49" charset="0"/>
+            </a:endParaRPr>
+          </a:p>
+        </p:txBody>
+      </p:sp>
+      <p:sp>
+        <p:nvSpPr>
+          <p:cNvPr id="4" name="Содержимое 3"/>
+          <p:cNvSpPr>
+            <a:spLocks noGrp="1"/>
+          </p:cNvSpPr>
+          <p:nvPr>
+            <p:ph sz="half" idx="1"/>
+          </p:nvPr>
+        </p:nvSpPr>
+        <p:spPr>
+          <a:xfrm>
+            <a:off x="838200" y="1825625"/>
+            <a:ext cx="5181600" cy="4351338"/>
+          </a:xfrm>
+        </p:spPr>
+        <p:txBody>
+          <a:bodyPr/>
+          <a:lstStyle/>
+          <a:p>
+            <a:pPr>
+              <a:buNone/>
+            </a:pPr>
+            <a:r>
+              <a:rPr lang="ru-RU" b="1" dirty="0">
+                <a:solidFill>
+                  <a:schemeClr val="bg1"/>
+                </a:solidFill>
+                <a:latin typeface="Cascadia Code" pitchFamily="49" charset="0"/>
+                <a:cs typeface="Cascadia Code" pitchFamily="49" charset="0"/>
+              </a:rPr>
+              <a:t>служит для установления возвращаемого из функции типа. В качестве параметра типа должен обязательно выступать функциональный тип</a:t>
+            </a:r>
+          </a:p>
+        </p:txBody>
+      </p:sp>
+      <p:pic>
+        <p:nvPicPr>
+          <p:cNvPr id="9" name="Содержимое 8" descr="Снимок экрана 2024-03-22 204545.png"/>
+          <p:cNvPicPr>
+            <a:picLocks noGrp="1" noChangeAspect="1"/>
+          </p:cNvPicPr>
+          <p:nvPr>
+            <p:ph sz="half" idx="2"/>
+          </p:nvPr>
+        </p:nvPicPr>
+        <p:blipFill>
+          <a:blip r:embed="rId2" cstate="print"/>
+          <a:stretch>
+            <a:fillRect/>
+          </a:stretch>
+        </p:blipFill>
+        <p:spPr>
+          <a:xfrm>
+            <a:off x="6172200" y="1825625"/>
+            <a:ext cx="5181600" cy="999269"/>
+          </a:xfrm>
+        </p:spPr>
+      </p:pic>
+      <p:pic>
+        <p:nvPicPr>
+          <p:cNvPr id="23554" name="Picture 2"/>
+          <p:cNvPicPr>
+            <a:picLocks noChangeAspect="1" noChangeArrowheads="1"/>
+          </p:cNvPicPr>
+          <p:nvPr/>
+        </p:nvPicPr>
+        <p:blipFill>
+          <a:blip r:embed="rId3" cstate="print"/>
+          <a:srcRect/>
+          <a:stretch>
+            <a:fillRect/>
+          </a:stretch>
+        </p:blipFill>
+        <p:spPr bwMode="auto">
+          <a:xfrm>
+            <a:off x="3322320" y="5195848"/>
+            <a:ext cx="6699568" cy="577572"/>
+          </a:xfrm>
+          <a:prstGeom prst="rect">
+            <a:avLst/>
+          </a:prstGeom>
+          <a:noFill/>
+          <a:ln w="9525">
+            <a:noFill/>
+            <a:miter lim="800000"/>
+            <a:headEnd/>
+            <a:tailEnd/>
+          </a:ln>
+          <a:effectLst/>
+        </p:spPr>
+      </p:pic>
+    </p:spTree>
+  </p:cSld>
+  <p:clrMapOvr>
+    <a:masterClrMapping/>
+  </p:clrMapOvr>
+</p:sld>
+</file>
+
+<file path=ppt/slides/slide46.xml><?xml version="1.0" encoding="utf-8"?>
+<p:sld xmlns:a="http://schemas.openxmlformats.org/drawingml/2006/main" xmlns:r="http://schemas.openxmlformats.org/officeDocument/2006/relationships" xmlns:p="http://schemas.openxmlformats.org/presentationml/2006/main">
+  <p:cSld>
+    <p:spTree>
+      <p:nvGrpSpPr>
+        <p:cNvPr id="1" name=""/>
+        <p:cNvGrpSpPr/>
+        <p:nvPr/>
+      </p:nvGrpSpPr>
+      <p:grpSpPr>
+        <a:xfrm>
+          <a:off x="0" y="0"/>
+          <a:ext cx="0" cy="0"/>
+          <a:chOff x="0" y="0"/>
+          <a:chExt cx="0" cy="0"/>
+        </a:xfrm>
+      </p:grpSpPr>
+      <p:sp>
+        <p:nvSpPr>
+          <p:cNvPr id="2" name="Заголовок 1"/>
+          <p:cNvSpPr>
+            <a:spLocks noGrp="1"/>
+          </p:cNvSpPr>
+          <p:nvPr>
+            <p:ph type="title"/>
+          </p:nvPr>
+        </p:nvSpPr>
+        <p:spPr/>
+        <p:txBody>
+          <a:bodyPr/>
+          <a:lstStyle/>
+          <a:p>
+            <a:r>
+              <a:rPr lang="en-US" b="1" dirty="0">
+                <a:solidFill>
+                  <a:schemeClr val="bg1"/>
+                </a:solidFill>
+                <a:latin typeface="Cascadia Code" pitchFamily="49" charset="0"/>
+                <a:cs typeface="Cascadia Code" pitchFamily="49" charset="0"/>
+              </a:rPr>
+              <a:t>Omit</a:t>
+            </a:r>
+            <a:endParaRPr lang="ru-RU" b="1" dirty="0">
+              <a:solidFill>
+                <a:schemeClr val="bg1"/>
+              </a:solidFill>
+              <a:latin typeface="Cascadia Code" pitchFamily="49" charset="0"/>
+              <a:cs typeface="Cascadia Code" pitchFamily="49" charset="0"/>
+            </a:endParaRPr>
+          </a:p>
+        </p:txBody>
+      </p:sp>
+      <p:sp>
+        <p:nvSpPr>
+          <p:cNvPr id="4" name="Содержимое 3"/>
+          <p:cNvSpPr>
+            <a:spLocks noGrp="1"/>
+          </p:cNvSpPr>
+          <p:nvPr>
+            <p:ph sz="half" idx="1"/>
+          </p:nvPr>
+        </p:nvSpPr>
+        <p:spPr>
+          <a:xfrm>
+            <a:off x="838200" y="1825625"/>
+            <a:ext cx="5181600" cy="4351338"/>
+          </a:xfrm>
+        </p:spPr>
+        <p:txBody>
+          <a:bodyPr/>
+          <a:lstStyle/>
+          <a:p>
+            <a:pPr>
+              <a:buNone/>
+            </a:pPr>
+            <a:r>
+              <a:rPr lang="ru-RU" dirty="0">
+                <a:solidFill>
+                  <a:schemeClr val="bg1"/>
+                </a:solidFill>
+                <a:latin typeface="Cascadia Code" pitchFamily="49" charset="0"/>
+                <a:cs typeface="Cascadia Code" pitchFamily="49" charset="0"/>
+              </a:rPr>
+              <a:t>предназначен для определения нового типа путем исключения заданных признаков из существующего тип</a:t>
+            </a:r>
+            <a:endParaRPr lang="ru-RU" b="1" dirty="0">
+              <a:solidFill>
+                <a:schemeClr val="bg1"/>
+              </a:solidFill>
+              <a:latin typeface="Cascadia Code" pitchFamily="49" charset="0"/>
+              <a:cs typeface="Cascadia Code" pitchFamily="49" charset="0"/>
+            </a:endParaRPr>
+          </a:p>
+        </p:txBody>
+      </p:sp>
+      <p:pic>
+        <p:nvPicPr>
+          <p:cNvPr id="9" name="Содержимое 8" descr="Снимок экрана 2024-03-22 204435.png"/>
+          <p:cNvPicPr>
+            <a:picLocks noGrp="1" noChangeAspect="1"/>
+          </p:cNvPicPr>
+          <p:nvPr>
+            <p:ph sz="half" idx="2"/>
+          </p:nvPr>
+        </p:nvPicPr>
+        <p:blipFill>
+          <a:blip r:embed="rId2" cstate="print"/>
+          <a:stretch>
+            <a:fillRect/>
+          </a:stretch>
+        </p:blipFill>
+        <p:spPr>
+          <a:xfrm>
+            <a:off x="6469181" y="1825625"/>
+            <a:ext cx="4587638" cy="1714649"/>
+          </a:xfrm>
+        </p:spPr>
+      </p:pic>
+      <p:pic>
+        <p:nvPicPr>
+          <p:cNvPr id="25602" name="Picture 2"/>
+          <p:cNvPicPr>
+            <a:picLocks noChangeAspect="1" noChangeArrowheads="1"/>
+          </p:cNvPicPr>
+          <p:nvPr/>
+        </p:nvPicPr>
+        <p:blipFill>
+          <a:blip r:embed="rId3" cstate="print"/>
+          <a:srcRect/>
+          <a:stretch>
+            <a:fillRect/>
+          </a:stretch>
+        </p:blipFill>
+        <p:spPr bwMode="auto">
+          <a:xfrm>
+            <a:off x="2198053" y="4703763"/>
+            <a:ext cx="7431670" cy="995997"/>
+          </a:xfrm>
+          <a:prstGeom prst="rect">
+            <a:avLst/>
+          </a:prstGeom>
+          <a:noFill/>
+          <a:ln w="9525">
+            <a:noFill/>
+            <a:miter lim="800000"/>
+            <a:headEnd/>
+            <a:tailEnd/>
+          </a:ln>
+          <a:effectLst/>
+        </p:spPr>
+      </p:pic>
+    </p:spTree>
+  </p:cSld>
+  <p:clrMapOvr>
+    <a:masterClrMapping/>
+  </p:clrMapOvr>
+</p:sld>
+</file>
+
+<file path=ppt/slides/slide47.xml><?xml version="1.0" encoding="utf-8"?>
+<p:sld xmlns:a="http://schemas.openxmlformats.org/drawingml/2006/main" xmlns:r="http://schemas.openxmlformats.org/officeDocument/2006/relationships" xmlns:p="http://schemas.openxmlformats.org/presentationml/2006/main">
+  <p:cSld>
+    <p:spTree>
+      <p:nvGrpSpPr>
+        <p:cNvPr id="1" name=""/>
+        <p:cNvGrpSpPr/>
+        <p:nvPr/>
+      </p:nvGrpSpPr>
+      <p:grpSpPr>
+        <a:xfrm>
+          <a:off x="0" y="0"/>
+          <a:ext cx="0" cy="0"/>
+          <a:chOff x="0" y="0"/>
+          <a:chExt cx="0" cy="0"/>
+        </a:xfrm>
+      </p:grpSpPr>
+      <p:sp>
+        <p:nvSpPr>
+          <p:cNvPr id="2" name="Заголовок 1"/>
+          <p:cNvSpPr>
+            <a:spLocks noGrp="1"/>
+          </p:cNvSpPr>
+          <p:nvPr>
+            <p:ph type="title"/>
+          </p:nvPr>
+        </p:nvSpPr>
+        <p:spPr/>
+        <p:txBody>
+          <a:bodyPr/>
+          <a:lstStyle/>
+          <a:p>
+            <a:r>
+              <a:rPr lang="en-US" b="1" dirty="0">
+                <a:solidFill>
+                  <a:schemeClr val="bg1"/>
+                </a:solidFill>
+                <a:latin typeface="Cascadia Code" pitchFamily="49" charset="0"/>
+                <a:cs typeface="Cascadia Code" pitchFamily="49" charset="0"/>
+              </a:rPr>
+              <a:t>Parameters</a:t>
+            </a:r>
+            <a:endParaRPr lang="ru-RU" b="1" dirty="0">
+              <a:solidFill>
+                <a:schemeClr val="bg1"/>
+              </a:solidFill>
+              <a:latin typeface="Cascadia Code" pitchFamily="49" charset="0"/>
+              <a:cs typeface="Cascadia Code" pitchFamily="49" charset="0"/>
+            </a:endParaRPr>
+          </a:p>
+        </p:txBody>
+      </p:sp>
+      <p:sp>
+        <p:nvSpPr>
+          <p:cNvPr id="4" name="Содержимое 3"/>
+          <p:cNvSpPr>
+            <a:spLocks noGrp="1"/>
+          </p:cNvSpPr>
+          <p:nvPr>
+            <p:ph sz="half" idx="1"/>
+          </p:nvPr>
+        </p:nvSpPr>
+        <p:spPr>
+          <a:xfrm>
+            <a:off x="838200" y="1825625"/>
+            <a:ext cx="5181600" cy="4351338"/>
+          </a:xfrm>
+        </p:spPr>
+        <p:txBody>
+          <a:bodyPr/>
+          <a:lstStyle/>
+          <a:p>
+            <a:pPr>
+              <a:buNone/>
+            </a:pPr>
+            <a:r>
+              <a:rPr lang="ru-RU" b="1" dirty="0">
+                <a:solidFill>
+                  <a:schemeClr val="bg1"/>
+                </a:solidFill>
+                <a:latin typeface="Cascadia Code" pitchFamily="49" charset="0"/>
+                <a:cs typeface="Cascadia Code" pitchFamily="49" charset="0"/>
+              </a:rPr>
+              <a:t>предназначен для получения типов указанных в аннотации параметров функции.</a:t>
+            </a:r>
+          </a:p>
+        </p:txBody>
+      </p:sp>
+      <p:pic>
+        <p:nvPicPr>
+          <p:cNvPr id="7" name="Содержимое 6" descr="Снимок экрана 2024-03-22 204531.png"/>
+          <p:cNvPicPr>
+            <a:picLocks noGrp="1" noChangeAspect="1"/>
+          </p:cNvPicPr>
+          <p:nvPr>
+            <p:ph sz="half" idx="2"/>
+          </p:nvPr>
+        </p:nvPicPr>
+        <p:blipFill>
+          <a:blip r:embed="rId2" cstate="print"/>
+          <a:stretch>
+            <a:fillRect/>
+          </a:stretch>
+        </p:blipFill>
+        <p:spPr>
+          <a:xfrm>
+            <a:off x="6141720" y="1825625"/>
+            <a:ext cx="5181600" cy="2354155"/>
+          </a:xfrm>
+        </p:spPr>
+      </p:pic>
+      <p:pic>
+        <p:nvPicPr>
+          <p:cNvPr id="24578" name="Picture 2"/>
+          <p:cNvPicPr>
+            <a:picLocks noChangeAspect="1" noChangeArrowheads="1"/>
+          </p:cNvPicPr>
+          <p:nvPr/>
+        </p:nvPicPr>
+        <p:blipFill>
+          <a:blip r:embed="rId3" cstate="print"/>
+          <a:srcRect/>
+          <a:stretch>
+            <a:fillRect/>
+          </a:stretch>
+        </p:blipFill>
+        <p:spPr bwMode="auto">
+          <a:xfrm>
+            <a:off x="2838450" y="5267008"/>
+            <a:ext cx="6515100" cy="631825"/>
+          </a:xfrm>
+          <a:prstGeom prst="rect">
+            <a:avLst/>
+          </a:prstGeom>
+          <a:noFill/>
+          <a:ln w="9525">
+            <a:noFill/>
+            <a:miter lim="800000"/>
+            <a:headEnd/>
+            <a:tailEnd/>
+          </a:ln>
+          <a:effectLst/>
+        </p:spPr>
+      </p:pic>
+    </p:spTree>
   </p:cSld>
   <p:clrMapOvr>
     <a:masterClrMapping/>
@@ -5978,7 +12171,7 @@
               </a:rPr>
               <a:t>TypeScript</a:t>
             </a:r>
-            <a:endParaRPr lang="ru-BY" sz="4400" dirty="0"/>
+            <a:endParaRPr lang="x-none" sz="4400" dirty="0"/>
           </a:p>
         </p:txBody>
       </p:sp>
@@ -6186,7 +12379,7 @@
             </a:r>
           </a:p>
           <a:p>
-            <a:endParaRPr lang="ru-BY" sz="1800" dirty="0"/>
+            <a:endParaRPr lang="x-none" sz="1800" dirty="0"/>
           </a:p>
         </p:txBody>
       </p:sp>
@@ -6347,7 +12540,7 @@
         </p:nvSpPr>
         <p:spPr>
           <a:xfrm>
-            <a:off x="605873" y="103515"/>
+            <a:off x="339042" y="0"/>
             <a:ext cx="10515600" cy="1325563"/>
           </a:xfrm>
         </p:spPr>
@@ -6363,7 +12556,7 @@
                 <a:latin typeface="Cascadia Code" panose="020B0609020000020004" pitchFamily="49" charset="0"/>
                 <a:cs typeface="Cascadia Code" panose="020B0609020000020004" pitchFamily="49" charset="0"/>
               </a:rPr>
-              <a:t>Тип данных </a:t>
+              <a:t>Разница между </a:t>
             </a:r>
             <a:r>
               <a:rPr lang="en-US" b="1" dirty="0">
@@ -6373,9 +12566,9 @@
                 <a:latin typeface="Cascadia Code" panose="020B0609020000020004" pitchFamily="49" charset="0"/>
                 <a:cs typeface="Cascadia Code" panose="020B0609020000020004" pitchFamily="49" charset="0"/>
               </a:rPr>
-              <a:t>Number</a:t>
-            </a:r>
-            <a:endParaRPr lang="ru-BY" b="1" dirty="0">
+              <a:t>var, let/const</a:t>
+            </a:r>
+            <a:endParaRPr lang="x-none" b="1" dirty="0">
               <a:solidFill>
                 <a:schemeClr val="bg1"/>
               </a:solidFill>
@@ -6385,154 +12578,366 @@
           </a:p>
         </p:txBody>
       </p:sp>
-      <p:sp>
-        <p:nvSpPr>
-          <p:cNvPr id="7" name="TextBox 6">
-            <a:extLst>
-              <a:ext uri="{FF2B5EF4-FFF2-40B4-BE49-F238E27FC236}">
-                <a16:creationId xmlns:a16="http://schemas.microsoft.com/office/drawing/2014/main" id="{7C4870F7-81BB-468B-A5AF-27FA57952247}"/>
-              </a:ext>
-            </a:extLst>
-          </p:cNvPr>
-          <p:cNvSpPr txBox="1"/>
-          <p:nvPr/>
-        </p:nvSpPr>
-        <p:spPr>
-          <a:xfrm>
-            <a:off x="605873" y="1145297"/>
-            <a:ext cx="6094520" cy="523220"/>
-          </a:xfrm>
-          <a:prstGeom prst="rect">
-            <a:avLst/>
-          </a:prstGeom>
-          <a:noFill/>
-        </p:spPr>
-        <p:txBody>
-          <a:bodyPr wrap="square">
-            <a:spAutoFit/>
-          </a:bodyPr>
-          <a:lstStyle/>
-          <a:p>
-            <a:r>
-              <a:rPr lang="en-US" sz="2800" b="1" dirty="0" err="1">
-                <a:solidFill>
-                  <a:schemeClr val="bg1"/>
-                </a:solidFill>
-                <a:latin typeface="Cascadia Code" panose="020B0609020000020004" pitchFamily="49" charset="0"/>
-                <a:cs typeface="Cascadia Code" panose="020B0609020000020004" pitchFamily="49" charset="0"/>
-              </a:rPr>
-              <a:t>number.ts</a:t>
-            </a:r>
-            <a:endParaRPr lang="ru-BY" sz="2800" dirty="0"/>
-          </a:p>
-        </p:txBody>
-      </p:sp>
-      <p:sp>
-        <p:nvSpPr>
-          <p:cNvPr id="9" name="TextBox 8">
-            <a:extLst>
-              <a:ext uri="{FF2B5EF4-FFF2-40B4-BE49-F238E27FC236}">
-                <a16:creationId xmlns:a16="http://schemas.microsoft.com/office/drawing/2014/main" id="{22DD91EA-BD25-4083-AFEB-AD31B5980BE2}"/>
-              </a:ext>
-            </a:extLst>
-          </p:cNvPr>
-          <p:cNvSpPr txBox="1"/>
-          <p:nvPr/>
-        </p:nvSpPr>
-        <p:spPr>
-          <a:xfrm>
-            <a:off x="6524143" y="1100954"/>
-            <a:ext cx="6094520" cy="523220"/>
-          </a:xfrm>
-          <a:prstGeom prst="rect">
-            <a:avLst/>
-          </a:prstGeom>
-          <a:noFill/>
-        </p:spPr>
-        <p:txBody>
-          <a:bodyPr wrap="square">
-            <a:spAutoFit/>
-          </a:bodyPr>
-          <a:lstStyle/>
-          <a:p>
-            <a:r>
-              <a:rPr lang="en-US" sz="2800" b="1" dirty="0">
-                <a:solidFill>
-                  <a:schemeClr val="bg1"/>
-                </a:solidFill>
-                <a:latin typeface="Cascadia Code" panose="020B0609020000020004" pitchFamily="49" charset="0"/>
-                <a:cs typeface="Cascadia Code" panose="020B0609020000020004" pitchFamily="49" charset="0"/>
-              </a:rPr>
-              <a:t>number.js</a:t>
-            </a:r>
-            <a:endParaRPr lang="ru-BY" sz="2800" dirty="0"/>
-          </a:p>
-        </p:txBody>
-      </p:sp>
-      <p:sp>
-        <p:nvSpPr>
-          <p:cNvPr id="15" name="TextBox 14">
-            <a:extLst>
-              <a:ext uri="{FF2B5EF4-FFF2-40B4-BE49-F238E27FC236}">
-                <a16:creationId xmlns:a16="http://schemas.microsoft.com/office/drawing/2014/main" id="{371D0C6D-38BA-4CF5-A2DE-D39E78E34834}"/>
-              </a:ext>
-            </a:extLst>
-          </p:cNvPr>
-          <p:cNvSpPr txBox="1"/>
-          <p:nvPr/>
-        </p:nvSpPr>
-        <p:spPr>
-          <a:xfrm>
-            <a:off x="605873" y="4489427"/>
-            <a:ext cx="6307584" cy="523220"/>
-          </a:xfrm>
-          <a:prstGeom prst="rect">
-            <a:avLst/>
-          </a:prstGeom>
-          <a:noFill/>
-        </p:spPr>
-        <p:txBody>
-          <a:bodyPr wrap="square">
-            <a:spAutoFit/>
-          </a:bodyPr>
-          <a:lstStyle/>
-          <a:p>
-            <a:r>
-              <a:rPr lang="ru-RU" sz="2800" b="1" dirty="0">
-                <a:solidFill>
-                  <a:schemeClr val="bg1"/>
-                </a:solidFill>
-                <a:latin typeface="Cascadia Code" panose="020B0609020000020004" pitchFamily="49" charset="0"/>
-                <a:cs typeface="Cascadia Code" panose="020B0609020000020004" pitchFamily="49" charset="0"/>
-              </a:rPr>
-              <a:t>Компиляция в </a:t>
-            </a:r>
-            <a:r>
-              <a:rPr lang="en-US" sz="2800" b="1" dirty="0">
-                <a:solidFill>
-                  <a:schemeClr val="bg1"/>
-                </a:solidFill>
-                <a:latin typeface="Cascadia Code" panose="020B0609020000020004" pitchFamily="49" charset="0"/>
-                <a:cs typeface="Cascadia Code" panose="020B0609020000020004" pitchFamily="49" charset="0"/>
-              </a:rPr>
-              <a:t>JavaScript</a:t>
-            </a:r>
-            <a:endParaRPr lang="en-US" sz="2800" dirty="0">
-              <a:solidFill>
-                <a:schemeClr val="bg1"/>
-              </a:solidFill>
-              <a:latin typeface="Cascadia Code" panose="020B0609020000020004" pitchFamily="49" charset="0"/>
-              <a:cs typeface="Cascadia Code" panose="020B0609020000020004" pitchFamily="49" charset="0"/>
-            </a:endParaRPr>
-          </a:p>
-        </p:txBody>
-      </p:sp>
+      <p:graphicFrame>
+        <p:nvGraphicFramePr>
+          <p:cNvPr id="5" name="Таблица 5">
+            <a:extLst>
+              <a:ext uri="{FF2B5EF4-FFF2-40B4-BE49-F238E27FC236}">
+                <a16:creationId xmlns:a16="http://schemas.microsoft.com/office/drawing/2014/main" id="{AF8BDA92-BFFB-4A94-9E16-7C7431182EA4}"/>
+              </a:ext>
+            </a:extLst>
+          </p:cNvPr>
+          <p:cNvGraphicFramePr>
+            <a:graphicFrameLocks noGrp="1"/>
+          </p:cNvGraphicFramePr>
+          <p:nvPr>
+            <p:extLst>
+              <p:ext uri="{D42A27DB-BD31-4B8C-83A1-F6EECF244321}">
+                <p14:modId xmlns:p14="http://schemas.microsoft.com/office/powerpoint/2010/main" val="1612345232"/>
+              </p:ext>
+            </p:extLst>
+          </p:nvPr>
+        </p:nvGraphicFramePr>
+        <p:xfrm>
+          <a:off x="2032000" y="991488"/>
+          <a:ext cx="8128000" cy="5791200"/>
+        </p:xfrm>
+        <a:graphic>
+          <a:graphicData uri="http://schemas.openxmlformats.org/drawingml/2006/table">
+            <a:tbl>
+              <a:tblPr firstRow="1" bandRow="1">
+                <a:tableStyleId>{5C22544A-7EE6-4342-B048-85BDC9FD1C3A}</a:tableStyleId>
+              </a:tblPr>
+              <a:tblGrid>
+                <a:gridCol w="4064000">
+                  <a:extLst>
+                    <a:ext uri="{9D8B030D-6E8A-4147-A177-3AD203B41FA5}">
+                      <a16:colId xmlns:a16="http://schemas.microsoft.com/office/drawing/2014/main" val="438599811"/>
+                    </a:ext>
+                  </a:extLst>
+                </a:gridCol>
+                <a:gridCol w="4064000">
+                  <a:extLst>
+                    <a:ext uri="{9D8B030D-6E8A-4147-A177-3AD203B41FA5}">
+                      <a16:colId xmlns:a16="http://schemas.microsoft.com/office/drawing/2014/main" val="244152181"/>
+                    </a:ext>
+                  </a:extLst>
+                </a:gridCol>
+              </a:tblGrid>
+              <a:tr h="370840">
+                <a:tc>
+                  <a:txBody>
+                    <a:bodyPr/>
+                    <a:lstStyle/>
+                    <a:p>
+                      <a:pPr algn="ctr"/>
+                      <a:r>
+                        <a:rPr lang="en-US" sz="3200" dirty="0"/>
+                        <a:t>var</a:t>
+                      </a:r>
+                      <a:endParaRPr lang="ru-BY" sz="3200" dirty="0"/>
+                    </a:p>
+                  </a:txBody>
+                  <a:tcPr/>
+                </a:tc>
+                <a:tc>
+                  <a:txBody>
+                    <a:bodyPr/>
+                    <a:lstStyle/>
+                    <a:p>
+                      <a:pPr algn="ctr"/>
+                      <a:r>
+                        <a:rPr lang="en-US" sz="3200" dirty="0"/>
+                        <a:t>let/const</a:t>
+                      </a:r>
+                      <a:endParaRPr lang="ru-BY" sz="3200" dirty="0"/>
+                    </a:p>
+                  </a:txBody>
+                  <a:tcPr/>
+                </a:tc>
+                <a:extLst>
+                  <a:ext uri="{0D108BD9-81ED-4DB2-BD59-A6C34878D82A}">
+                    <a16:rowId xmlns:a16="http://schemas.microsoft.com/office/drawing/2014/main" val="1748490779"/>
+                  </a:ext>
+                </a:extLst>
+              </a:tr>
+              <a:tr h="370840">
+                <a:tc>
+                  <a:txBody>
+                    <a:bodyPr/>
+                    <a:lstStyle/>
+                    <a:p>
+                      <a:r>
+                        <a:rPr lang="ru-RU" sz="1800" b="0" i="0" kern="1200" dirty="0">
+                          <a:solidFill>
+                            <a:srgbClr val="181717"/>
+                          </a:solidFill>
+                          <a:effectLst/>
+                          <a:latin typeface="+mn-lt"/>
+                          <a:ea typeface="+mn-ea"/>
+                          <a:cs typeface="+mn-cs"/>
+                        </a:rPr>
+                        <a:t>Может быть доступна вне области видимости, в которой она определена.</a:t>
+                      </a:r>
+                      <a:endParaRPr lang="en-US" sz="1800" b="0" i="0" kern="1200" dirty="0">
+                        <a:solidFill>
+                          <a:srgbClr val="181717"/>
+                        </a:solidFill>
+                        <a:effectLst/>
+                        <a:latin typeface="+mn-lt"/>
+                        <a:ea typeface="+mn-ea"/>
+                        <a:cs typeface="+mn-cs"/>
+                      </a:endParaRPr>
+                    </a:p>
+                    <a:p>
+                      <a:endParaRPr lang="en-US" dirty="0">
+                        <a:solidFill>
+                          <a:schemeClr val="tx1">
+                            <a:lumMod val="95000"/>
+                            <a:lumOff val="5000"/>
+                          </a:schemeClr>
+                        </a:solidFill>
+                      </a:endParaRPr>
+                    </a:p>
+                    <a:p>
+                      <a:endParaRPr lang="en-US" dirty="0">
+                        <a:solidFill>
+                          <a:schemeClr val="tx1">
+                            <a:lumMod val="95000"/>
+                            <a:lumOff val="5000"/>
+                          </a:schemeClr>
+                        </a:solidFill>
+                      </a:endParaRPr>
+                    </a:p>
+                    <a:p>
+                      <a:endParaRPr lang="en-US" dirty="0">
+                        <a:solidFill>
+                          <a:schemeClr val="tx1">
+                            <a:lumMod val="95000"/>
+                            <a:lumOff val="5000"/>
+                          </a:schemeClr>
+                        </a:solidFill>
+                      </a:endParaRPr>
+                    </a:p>
+                    <a:p>
+                      <a:endParaRPr lang="ru-BY" dirty="0">
+                        <a:solidFill>
+                          <a:schemeClr val="tx1">
+                            <a:lumMod val="95000"/>
+                            <a:lumOff val="5000"/>
+                          </a:schemeClr>
+                        </a:solidFill>
+                      </a:endParaRPr>
+                    </a:p>
+                  </a:txBody>
+                  <a:tcPr/>
+                </a:tc>
+                <a:tc>
+                  <a:txBody>
+                    <a:bodyPr/>
+                    <a:lstStyle/>
+                    <a:p>
+                      <a:r>
+                        <a:rPr lang="ru-RU" sz="1800" b="0" i="0" kern="1200" dirty="0">
+                          <a:solidFill>
+                            <a:schemeClr val="dk1"/>
+                          </a:solidFill>
+                          <a:effectLst/>
+                          <a:latin typeface="+mn-lt"/>
+                          <a:ea typeface="+mn-ea"/>
+                          <a:cs typeface="+mn-cs"/>
+                        </a:rPr>
+                        <a:t>Доступна только в рамках области видимости, в котором она определена</a:t>
+                      </a:r>
+                      <a:endParaRPr lang="ru-BY" dirty="0"/>
+                    </a:p>
+                  </a:txBody>
+                  <a:tcPr/>
+                </a:tc>
+                <a:extLst>
+                  <a:ext uri="{0D108BD9-81ED-4DB2-BD59-A6C34878D82A}">
+                    <a16:rowId xmlns:a16="http://schemas.microsoft.com/office/drawing/2014/main" val="1627316656"/>
+                  </a:ext>
+                </a:extLst>
+              </a:tr>
+              <a:tr h="370840">
+                <a:tc>
+                  <a:txBody>
+                    <a:bodyPr/>
+                    <a:lstStyle/>
+                    <a:p>
+                      <a:r>
+                        <a:rPr lang="ru-RU" sz="1800" b="0" i="0" kern="1200" dirty="0">
+                          <a:solidFill>
+                            <a:schemeClr val="bg2">
+                              <a:lumMod val="10000"/>
+                            </a:schemeClr>
+                          </a:solidFill>
+                          <a:effectLst/>
+                          <a:latin typeface="+mn-lt"/>
+                          <a:ea typeface="+mn-ea"/>
+                          <a:cs typeface="+mn-cs"/>
+                        </a:rPr>
+                        <a:t>Можно использовать в функции перед определением.</a:t>
+                      </a:r>
+                      <a:endParaRPr lang="en-US" sz="1800" b="0" i="0" kern="1200" dirty="0">
+                        <a:solidFill>
+                          <a:schemeClr val="bg2">
+                            <a:lumMod val="10000"/>
+                          </a:schemeClr>
+                        </a:solidFill>
+                        <a:effectLst/>
+                        <a:latin typeface="+mn-lt"/>
+                        <a:ea typeface="+mn-ea"/>
+                        <a:cs typeface="+mn-cs"/>
+                      </a:endParaRPr>
+                    </a:p>
+                    <a:p>
+                      <a:endParaRPr lang="en-US" sz="1800" b="0" i="0" kern="1200" dirty="0">
+                        <a:solidFill>
+                          <a:schemeClr val="bg2">
+                            <a:lumMod val="10000"/>
+                          </a:schemeClr>
+                        </a:solidFill>
+                        <a:effectLst/>
+                        <a:latin typeface="+mn-lt"/>
+                        <a:ea typeface="+mn-ea"/>
+                        <a:cs typeface="+mn-cs"/>
+                      </a:endParaRPr>
+                    </a:p>
+                    <a:p>
+                      <a:endParaRPr lang="en-US" dirty="0">
+                        <a:solidFill>
+                          <a:schemeClr val="bg2">
+                            <a:lumMod val="10000"/>
+                          </a:schemeClr>
+                        </a:solidFill>
+                      </a:endParaRPr>
+                    </a:p>
+                  </a:txBody>
+                  <a:tcPr/>
+                </a:tc>
+                <a:tc>
+                  <a:txBody>
+                    <a:bodyPr/>
+                    <a:lstStyle/>
+                    <a:p>
+                      <a:r>
+                        <a:rPr lang="ru-RU" sz="1800" b="0" i="0" kern="1200" dirty="0">
+                          <a:solidFill>
+                            <a:schemeClr val="dk1"/>
+                          </a:solidFill>
+                          <a:effectLst/>
+                          <a:latin typeface="+mn-lt"/>
+                          <a:ea typeface="+mn-ea"/>
+                          <a:cs typeface="+mn-cs"/>
+                        </a:rPr>
+                        <a:t>Можно использовать только после определения</a:t>
+                      </a:r>
+                      <a:r>
+                        <a:rPr lang="en-US" sz="1800" b="0" i="0" kern="1200" dirty="0">
+                          <a:solidFill>
+                            <a:schemeClr val="dk1"/>
+                          </a:solidFill>
+                          <a:effectLst/>
+                          <a:latin typeface="+mn-lt"/>
+                          <a:ea typeface="+mn-ea"/>
+                          <a:cs typeface="+mn-cs"/>
+                        </a:rPr>
+                        <a:t>.</a:t>
+                      </a:r>
+                      <a:endParaRPr lang="ru-BY" dirty="0"/>
+                    </a:p>
+                  </a:txBody>
+                  <a:tcPr/>
+                </a:tc>
+                <a:extLst>
+                  <a:ext uri="{0D108BD9-81ED-4DB2-BD59-A6C34878D82A}">
+                    <a16:rowId xmlns:a16="http://schemas.microsoft.com/office/drawing/2014/main" val="3013510189"/>
+                  </a:ext>
+                </a:extLst>
+              </a:tr>
+              <a:tr h="370840">
+                <a:tc>
+                  <a:txBody>
+                    <a:bodyPr/>
+                    <a:lstStyle/>
+                    <a:p>
+                      <a:r>
+                        <a:rPr lang="ru-RU" sz="1800" b="0" i="0" kern="1200" dirty="0">
+                          <a:solidFill>
+                            <a:schemeClr val="dk1"/>
+                          </a:solidFill>
+                          <a:effectLst/>
+                          <a:latin typeface="+mn-lt"/>
+                          <a:ea typeface="+mn-ea"/>
+                          <a:cs typeface="+mn-cs"/>
+                        </a:rPr>
+                        <a:t>В одной и той же области видимости можно несколько раз определить переменную с одним и тем же именем.</a:t>
+                      </a:r>
+                      <a:endParaRPr lang="en-US" sz="1800" b="0" i="0" kern="1200" dirty="0">
+                        <a:solidFill>
+                          <a:schemeClr val="dk1"/>
+                        </a:solidFill>
+                        <a:effectLst/>
+                        <a:latin typeface="+mn-lt"/>
+                        <a:ea typeface="+mn-ea"/>
+                        <a:cs typeface="+mn-cs"/>
+                      </a:endParaRPr>
+                    </a:p>
+                    <a:p>
+                      <a:endParaRPr lang="en-US" dirty="0"/>
+                    </a:p>
+                    <a:p>
+                      <a:endParaRPr lang="en-US" dirty="0"/>
+                    </a:p>
+                    <a:p>
+                      <a:endParaRPr lang="en-US" dirty="0"/>
+                    </a:p>
+                    <a:p>
+                      <a:endParaRPr lang="ru-BY" dirty="0"/>
+                    </a:p>
+                  </a:txBody>
+                  <a:tcPr/>
+                </a:tc>
+                <a:tc>
+                  <a:txBody>
+                    <a:bodyPr/>
+                    <a:lstStyle/>
+                    <a:p>
+                      <a:r>
+                        <a:rPr lang="ru-RU" sz="1800" b="0" i="0" kern="1200" dirty="0">
+                          <a:solidFill>
+                            <a:schemeClr val="dk1"/>
+                          </a:solidFill>
+                          <a:effectLst/>
+                          <a:latin typeface="+mn-lt"/>
+                          <a:ea typeface="+mn-ea"/>
+                          <a:cs typeface="+mn-cs"/>
+                        </a:rPr>
+                        <a:t>В одной и той же области видимости можно только один раз определить переменную с одним и тем же именем.</a:t>
+                      </a:r>
+                      <a:endParaRPr lang="ru-BY" dirty="0"/>
+                    </a:p>
+                  </a:txBody>
+                  <a:tcPr/>
+                </a:tc>
+                <a:extLst>
+                  <a:ext uri="{0D108BD9-81ED-4DB2-BD59-A6C34878D82A}">
+                    <a16:rowId xmlns:a16="http://schemas.microsoft.com/office/drawing/2014/main" val="2602281036"/>
+                  </a:ext>
+                </a:extLst>
+              </a:tr>
+            </a:tbl>
+          </a:graphicData>
+        </a:graphic>
+      </p:graphicFrame>
       <p:pic>
         <p:nvPicPr>
-          <p:cNvPr id="14" name="Рисунок 13">
-            <a:extLst>
-              <a:ext uri="{FF2B5EF4-FFF2-40B4-BE49-F238E27FC236}">
-                <a16:creationId xmlns:a16="http://schemas.microsoft.com/office/drawing/2014/main" id="{2EA8D2A8-8CA5-454D-8B71-0DB5753B6F7D}"/>
+          <p:cNvPr id="17" name="Рисунок 16">
+            <a:extLst>
+              <a:ext uri="{FF2B5EF4-FFF2-40B4-BE49-F238E27FC236}">
+                <a16:creationId xmlns:a16="http://schemas.microsoft.com/office/drawing/2014/main" id="{875AB3FF-67A8-48A5-AC4E-DC10B392D70F}"/>
               </a:ext>
             </a:extLst>
           </p:cNvPr>
@@ -6549,128 +12954,20 @@
         </p:blipFill>
         <p:spPr>
           <a:xfrm>
-            <a:off x="684078" y="4975781"/>
-            <a:ext cx="3038899" cy="676369"/>
+            <a:off x="2129258" y="2249469"/>
+            <a:ext cx="2191056" cy="1009791"/>
           </a:xfrm>
           <a:prstGeom prst="rect">
             <a:avLst/>
           </a:prstGeom>
         </p:spPr>
       </p:pic>
-      <p:sp>
-        <p:nvSpPr>
-          <p:cNvPr id="20" name="TextBox 19">
-            <a:extLst>
-              <a:ext uri="{FF2B5EF4-FFF2-40B4-BE49-F238E27FC236}">
-                <a16:creationId xmlns:a16="http://schemas.microsoft.com/office/drawing/2014/main" id="{748A5867-E0AC-440F-B114-6A657400AB1E}"/>
-              </a:ext>
-            </a:extLst>
-          </p:cNvPr>
-          <p:cNvSpPr txBox="1"/>
-          <p:nvPr/>
-        </p:nvSpPr>
-        <p:spPr>
-          <a:xfrm>
-            <a:off x="681940" y="5769172"/>
-            <a:ext cx="10548312" cy="646331"/>
-          </a:xfrm>
-          <a:prstGeom prst="rect">
-            <a:avLst/>
-          </a:prstGeom>
-          <a:noFill/>
-        </p:spPr>
-        <p:txBody>
-          <a:bodyPr wrap="square">
-            <a:spAutoFit/>
-          </a:bodyPr>
-          <a:lstStyle/>
-          <a:p>
-            <a:r>
-              <a:rPr lang="ru-RU" sz="1800" b="1" dirty="0">
-                <a:solidFill>
-                  <a:schemeClr val="bg1"/>
-                </a:solidFill>
-                <a:latin typeface="Cascadia Code" panose="020B0609020000020004" pitchFamily="49" charset="0"/>
-                <a:cs typeface="Cascadia Code" panose="020B0609020000020004" pitchFamily="49" charset="0"/>
-              </a:rPr>
-              <a:t>-</a:t>
-            </a:r>
-            <a:r>
-              <a:rPr lang="en-US" sz="1800" b="1" dirty="0">
-                <a:solidFill>
-                  <a:schemeClr val="bg1"/>
-                </a:solidFill>
-                <a:latin typeface="Cascadia Code" panose="020B0609020000020004" pitchFamily="49" charset="0"/>
-                <a:cs typeface="Cascadia Code" panose="020B0609020000020004" pitchFamily="49" charset="0"/>
-              </a:rPr>
-              <a:t>w – “watch mode”, </a:t>
-            </a:r>
-            <a:r>
-              <a:rPr lang="ru-RU" sz="1800" b="1" dirty="0">
-                <a:solidFill>
-                  <a:schemeClr val="bg1"/>
-                </a:solidFill>
-                <a:latin typeface="Cascadia Code" panose="020B0609020000020004" pitchFamily="49" charset="0"/>
-                <a:cs typeface="Cascadia Code" panose="020B0609020000020004" pitchFamily="49" charset="0"/>
-              </a:rPr>
-              <a:t>компилятор следит за изменениями в </a:t>
-            </a:r>
-            <a:r>
-              <a:rPr lang="en-US" b="1" dirty="0">
-                <a:solidFill>
-                  <a:schemeClr val="bg1"/>
-                </a:solidFill>
-                <a:latin typeface="Cascadia Code" panose="020B0609020000020004" pitchFamily="49" charset="0"/>
-                <a:cs typeface="Cascadia Code" panose="020B0609020000020004" pitchFamily="49" charset="0"/>
-              </a:rPr>
-              <a:t>TS-</a:t>
-            </a:r>
-            <a:r>
-              <a:rPr lang="ru-RU" sz="1800" b="1" dirty="0">
-                <a:solidFill>
-                  <a:schemeClr val="bg1"/>
-                </a:solidFill>
-                <a:latin typeface="Cascadia Code" panose="020B0609020000020004" pitchFamily="49" charset="0"/>
-                <a:cs typeface="Cascadia Code" panose="020B0609020000020004" pitchFamily="49" charset="0"/>
-              </a:rPr>
-              <a:t>файле и автоматически перекомпилирует при сохранении (</a:t>
-            </a:r>
-            <a:r>
-              <a:rPr lang="en-US" sz="1800" b="1" dirty="0" err="1">
-                <a:solidFill>
-                  <a:schemeClr val="bg1"/>
-                </a:solidFill>
-                <a:latin typeface="Cascadia Code" panose="020B0609020000020004" pitchFamily="49" charset="0"/>
-                <a:cs typeface="Cascadia Code" panose="020B0609020000020004" pitchFamily="49" charset="0"/>
-              </a:rPr>
-              <a:t>Ctrl+S</a:t>
-            </a:r>
-            <a:r>
-              <a:rPr lang="en-US" sz="1800" b="1" dirty="0">
-                <a:solidFill>
-                  <a:schemeClr val="bg1"/>
-                </a:solidFill>
-                <a:latin typeface="Cascadia Code" panose="020B0609020000020004" pitchFamily="49" charset="0"/>
-                <a:cs typeface="Cascadia Code" panose="020B0609020000020004" pitchFamily="49" charset="0"/>
-              </a:rPr>
-              <a:t>)</a:t>
-            </a:r>
-            <a:endParaRPr lang="en-US" sz="1800" dirty="0">
-              <a:solidFill>
-                <a:schemeClr val="bg1"/>
-              </a:solidFill>
-              <a:latin typeface="Cascadia Code" panose="020B0609020000020004" pitchFamily="49" charset="0"/>
-              <a:cs typeface="Cascadia Code" panose="020B0609020000020004" pitchFamily="49" charset="0"/>
-            </a:endParaRPr>
-          </a:p>
-        </p:txBody>
-      </p:sp>
       <p:pic>
         <p:nvPicPr>
-          <p:cNvPr id="21" name="Рисунок 20">
-            <a:extLst>
-              <a:ext uri="{FF2B5EF4-FFF2-40B4-BE49-F238E27FC236}">
-                <a16:creationId xmlns:a16="http://schemas.microsoft.com/office/drawing/2014/main" id="{AA76BD22-F1AF-4CB0-8077-1CB59B93711B}"/>
+          <p:cNvPr id="12" name="Рисунок 11">
+            <a:extLst>
+              <a:ext uri="{FF2B5EF4-FFF2-40B4-BE49-F238E27FC236}">
+                <a16:creationId xmlns:a16="http://schemas.microsoft.com/office/drawing/2014/main" id="{3FD78E37-7522-4EA5-966B-9379571ADE58}"/>
               </a:ext>
             </a:extLst>
           </p:cNvPr>
@@ -6687,8 +12984,8 @@
         </p:blipFill>
         <p:spPr>
           <a:xfrm>
-            <a:off x="681940" y="1607653"/>
-            <a:ext cx="3738241" cy="2593743"/>
+            <a:off x="6189450" y="2242486"/>
+            <a:ext cx="2600688" cy="952633"/>
           </a:xfrm>
           <a:prstGeom prst="rect">
             <a:avLst/>
@@ -6697,10 +12994,10 @@
       </p:pic>
       <p:pic>
         <p:nvPicPr>
-          <p:cNvPr id="23" name="Рисунок 22">
-            <a:extLst>
-              <a:ext uri="{FF2B5EF4-FFF2-40B4-BE49-F238E27FC236}">
-                <a16:creationId xmlns:a16="http://schemas.microsoft.com/office/drawing/2014/main" id="{EF9217B1-6846-402F-A2D1-9A50D360AA5D}"/>
+          <p:cNvPr id="18" name="Рисунок 17">
+            <a:extLst>
+              <a:ext uri="{FF2B5EF4-FFF2-40B4-BE49-F238E27FC236}">
+                <a16:creationId xmlns:a16="http://schemas.microsoft.com/office/drawing/2014/main" id="{8270E061-87C8-4534-BB15-53D62D55AA43}"/>
               </a:ext>
             </a:extLst>
           </p:cNvPr>
@@ -6717,8 +13014,98 @@
         </p:blipFill>
         <p:spPr>
           <a:xfrm>
-            <a:off x="6621797" y="1602901"/>
-            <a:ext cx="3333765" cy="2593743"/>
+            <a:off x="2129258" y="3944618"/>
+            <a:ext cx="3467584" cy="504895"/>
+          </a:xfrm>
+          <a:prstGeom prst="rect">
+            <a:avLst/>
+          </a:prstGeom>
+        </p:spPr>
+      </p:pic>
+      <p:pic>
+        <p:nvPicPr>
+          <p:cNvPr id="22" name="Рисунок 21">
+            <a:extLst>
+              <a:ext uri="{FF2B5EF4-FFF2-40B4-BE49-F238E27FC236}">
+                <a16:creationId xmlns:a16="http://schemas.microsoft.com/office/drawing/2014/main" id="{A3500D28-8C40-45C4-94D9-D895E56DF37E}"/>
+              </a:ext>
+            </a:extLst>
+          </p:cNvPr>
+          <p:cNvPicPr>
+            <a:picLocks noChangeAspect="1"/>
+          </p:cNvPicPr>
+          <p:nvPr/>
+        </p:nvPicPr>
+        <p:blipFill>
+          <a:blip r:embed="rId5"/>
+          <a:stretch>
+            <a:fillRect/>
+          </a:stretch>
+        </p:blipFill>
+        <p:spPr>
+          <a:xfrm>
+            <a:off x="6189450" y="3973196"/>
+            <a:ext cx="2524477" cy="447737"/>
+          </a:xfrm>
+          <a:prstGeom prst="rect">
+            <a:avLst/>
+          </a:prstGeom>
+        </p:spPr>
+      </p:pic>
+      <p:pic>
+        <p:nvPicPr>
+          <p:cNvPr id="25" name="Рисунок 24">
+            <a:extLst>
+              <a:ext uri="{FF2B5EF4-FFF2-40B4-BE49-F238E27FC236}">
+                <a16:creationId xmlns:a16="http://schemas.microsoft.com/office/drawing/2014/main" id="{6E531666-542C-40AB-A705-F48D99D7CC33}"/>
+              </a:ext>
+            </a:extLst>
+          </p:cNvPr>
+          <p:cNvPicPr>
+            <a:picLocks noChangeAspect="1"/>
+          </p:cNvPicPr>
+          <p:nvPr/>
+        </p:nvPicPr>
+        <p:blipFill>
+          <a:blip r:embed="rId6"/>
+          <a:stretch>
+            <a:fillRect/>
+          </a:stretch>
+        </p:blipFill>
+        <p:spPr>
+          <a:xfrm>
+            <a:off x="2129258" y="5610681"/>
+            <a:ext cx="2191056" cy="1009791"/>
+          </a:xfrm>
+          <a:prstGeom prst="rect">
+            <a:avLst/>
+          </a:prstGeom>
+        </p:spPr>
+      </p:pic>
+      <p:pic>
+        <p:nvPicPr>
+          <p:cNvPr id="27" name="Рисунок 26">
+            <a:extLst>
+              <a:ext uri="{FF2B5EF4-FFF2-40B4-BE49-F238E27FC236}">
+                <a16:creationId xmlns:a16="http://schemas.microsoft.com/office/drawing/2014/main" id="{BB49A5CA-E53A-4B7A-991E-D493576B524F}"/>
+              </a:ext>
+            </a:extLst>
+          </p:cNvPr>
+          <p:cNvPicPr>
+            <a:picLocks noChangeAspect="1"/>
+          </p:cNvPicPr>
+          <p:nvPr/>
+        </p:nvPicPr>
+        <p:blipFill>
+          <a:blip r:embed="rId7"/>
+          <a:stretch>
+            <a:fillRect/>
+          </a:stretch>
+        </p:blipFill>
+        <p:spPr>
+          <a:xfrm>
+            <a:off x="6189450" y="5639260"/>
+            <a:ext cx="2534004" cy="981212"/>
           </a:xfrm>
           <a:prstGeom prst="rect">
             <a:avLst/>
@@ -6799,9 +13186,9 @@
                 <a:latin typeface="Cascadia Code" panose="020B0609020000020004" pitchFamily="49" charset="0"/>
                 <a:cs typeface="Cascadia Code" panose="020B0609020000020004" pitchFamily="49" charset="0"/>
               </a:rPr>
-              <a:t>String</a:t>
-            </a:r>
-            <a:endParaRPr lang="ru-BY" b="1" dirty="0">
+              <a:t>Number</a:t>
+            </a:r>
+            <a:endParaRPr lang="x-none" b="1" dirty="0">
               <a:solidFill>
                 <a:schemeClr val="bg1"/>
               </a:solidFill>
@@ -6825,7 +13212,7 @@
         </p:nvSpPr>
         <p:spPr>
           <a:xfrm>
-            <a:off x="605873" y="1200033"/>
+            <a:off x="605873" y="1145297"/>
             <a:ext cx="6094520" cy="523220"/>
           </a:xfrm>
           <a:prstGeom prst="rect">
@@ -6847,9 +13234,9 @@
                 <a:latin typeface="Cascadia Code" panose="020B0609020000020004" pitchFamily="49" charset="0"/>
                 <a:cs typeface="Cascadia Code" panose="020B0609020000020004" pitchFamily="49" charset="0"/>
               </a:rPr>
-              <a:t>string.ts</a:t>
-            </a:r>
-            <a:endParaRPr lang="ru-BY" sz="2800" dirty="0"/>
+              <a:t>number.ts</a:t>
+            </a:r>
+            <a:endParaRPr lang="x-none" sz="2800" dirty="0"/>
           </a:p>
         </p:txBody>
       </p:sp>
@@ -6867,7 +13254,7 @@
         </p:nvSpPr>
         <p:spPr>
           <a:xfrm>
-            <a:off x="605873" y="3786327"/>
+            <a:off x="6524143" y="1100954"/>
             <a:ext cx="6094520" cy="523220"/>
           </a:xfrm>
           <a:prstGeom prst="rect">
@@ -6889,18 +13276,76 @@
                 <a:latin typeface="Cascadia Code" panose="020B0609020000020004" pitchFamily="49" charset="0"/>
                 <a:cs typeface="Cascadia Code" panose="020B0609020000020004" pitchFamily="49" charset="0"/>
               </a:rPr>
-              <a:t>string.js</a:t>
-            </a:r>
-            <a:endParaRPr lang="ru-BY" sz="2800" dirty="0"/>
+              <a:t>number.js</a:t>
+            </a:r>
+            <a:endParaRPr lang="x-none" sz="2800" dirty="0"/>
+          </a:p>
+        </p:txBody>
+      </p:sp>
+      <p:sp>
+        <p:nvSpPr>
+          <p:cNvPr id="15" name="TextBox 14">
+            <a:extLst>
+              <a:ext uri="{FF2B5EF4-FFF2-40B4-BE49-F238E27FC236}">
+                <a16:creationId xmlns:a16="http://schemas.microsoft.com/office/drawing/2014/main" id="{371D0C6D-38BA-4CF5-A2DE-D39E78E34834}"/>
+              </a:ext>
+            </a:extLst>
+          </p:cNvPr>
+          <p:cNvSpPr txBox="1"/>
+          <p:nvPr/>
+        </p:nvSpPr>
+        <p:spPr>
+          <a:xfrm>
+            <a:off x="605873" y="4489427"/>
+            <a:ext cx="6307584" cy="523220"/>
+          </a:xfrm>
+          <a:prstGeom prst="rect">
+            <a:avLst/>
+          </a:prstGeom>
+          <a:noFill/>
+        </p:spPr>
+        <p:txBody>
+          <a:bodyPr wrap="square">
+            <a:spAutoFit/>
+          </a:bodyPr>
+          <a:lstStyle/>
+          <a:p>
+            <a:r>
+              <a:rPr lang="ru-RU" sz="2800" b="1" dirty="0">
+                <a:solidFill>
+                  <a:schemeClr val="bg1"/>
+                </a:solidFill>
+                <a:latin typeface="Cascadia Code" panose="020B0609020000020004" pitchFamily="49" charset="0"/>
+                <a:cs typeface="Cascadia Code" panose="020B0609020000020004" pitchFamily="49" charset="0"/>
+              </a:rPr>
+              <a:t>Компиляция в </a:t>
+            </a:r>
+            <a:r>
+              <a:rPr lang="en-US" sz="2800" b="1" dirty="0">
+                <a:solidFill>
+                  <a:schemeClr val="bg1"/>
+                </a:solidFill>
+                <a:latin typeface="Cascadia Code" panose="020B0609020000020004" pitchFamily="49" charset="0"/>
+                <a:cs typeface="Cascadia Code" panose="020B0609020000020004" pitchFamily="49" charset="0"/>
+              </a:rPr>
+              <a:t>JavaScript</a:t>
+            </a:r>
+            <a:endParaRPr lang="en-US" sz="2800" dirty="0">
+              <a:solidFill>
+                <a:schemeClr val="bg1"/>
+              </a:solidFill>
+              <a:latin typeface="Cascadia Code" panose="020B0609020000020004" pitchFamily="49" charset="0"/>
+              <a:cs typeface="Cascadia Code" panose="020B0609020000020004" pitchFamily="49" charset="0"/>
+            </a:endParaRPr>
           </a:p>
         </p:txBody>
       </p:sp>
       <p:pic>
         <p:nvPicPr>
-          <p:cNvPr id="10" name="Рисунок 9">
-            <a:extLst>
-              <a:ext uri="{FF2B5EF4-FFF2-40B4-BE49-F238E27FC236}">
-                <a16:creationId xmlns:a16="http://schemas.microsoft.com/office/drawing/2014/main" id="{749C0FC7-EEE7-483E-8DBE-EC72D7E8C909}"/>
+          <p:cNvPr id="14" name="Рисунок 13">
+            <a:extLst>
+              <a:ext uri="{FF2B5EF4-FFF2-40B4-BE49-F238E27FC236}">
+                <a16:creationId xmlns:a16="http://schemas.microsoft.com/office/drawing/2014/main" id="{2EA8D2A8-8CA5-454D-8B71-0DB5753B6F7D}"/>
               </a:ext>
             </a:extLst>
           </p:cNvPr>
@@ -6910,27 +13355,135 @@
           <p:nvPr/>
         </p:nvPicPr>
         <p:blipFill>
-          <a:blip r:embed="rId2"/>
+          <a:blip r:embed="rId2" cstate="print"/>
           <a:stretch>
             <a:fillRect/>
           </a:stretch>
         </p:blipFill>
         <p:spPr>
           <a:xfrm>
-            <a:off x="717451" y="1720030"/>
-            <a:ext cx="8821266" cy="1502564"/>
+            <a:off x="684078" y="4975781"/>
+            <a:ext cx="3038899" cy="676369"/>
           </a:xfrm>
           <a:prstGeom prst="rect">
             <a:avLst/>
           </a:prstGeom>
         </p:spPr>
       </p:pic>
+      <p:sp>
+        <p:nvSpPr>
+          <p:cNvPr id="20" name="TextBox 19">
+            <a:extLst>
+              <a:ext uri="{FF2B5EF4-FFF2-40B4-BE49-F238E27FC236}">
+                <a16:creationId xmlns:a16="http://schemas.microsoft.com/office/drawing/2014/main" id="{748A5867-E0AC-440F-B114-6A657400AB1E}"/>
+              </a:ext>
+            </a:extLst>
+          </p:cNvPr>
+          <p:cNvSpPr txBox="1"/>
+          <p:nvPr/>
+        </p:nvSpPr>
+        <p:spPr>
+          <a:xfrm>
+            <a:off x="681940" y="5769172"/>
+            <a:ext cx="10548312" cy="646331"/>
+          </a:xfrm>
+          <a:prstGeom prst="rect">
+            <a:avLst/>
+          </a:prstGeom>
+          <a:noFill/>
+        </p:spPr>
+        <p:txBody>
+          <a:bodyPr wrap="square">
+            <a:spAutoFit/>
+          </a:bodyPr>
+          <a:lstStyle/>
+          <a:p>
+            <a:r>
+              <a:rPr lang="ru-RU" sz="1800" b="1" dirty="0">
+                <a:solidFill>
+                  <a:schemeClr val="bg1"/>
+                </a:solidFill>
+                <a:latin typeface="Cascadia Code" panose="020B0609020000020004" pitchFamily="49" charset="0"/>
+                <a:cs typeface="Cascadia Code" panose="020B0609020000020004" pitchFamily="49" charset="0"/>
+              </a:rPr>
+              <a:t>-</a:t>
+            </a:r>
+            <a:r>
+              <a:rPr lang="en-US" sz="1800" b="1" dirty="0">
+                <a:solidFill>
+                  <a:schemeClr val="bg1"/>
+                </a:solidFill>
+                <a:latin typeface="Cascadia Code" panose="020B0609020000020004" pitchFamily="49" charset="0"/>
+                <a:cs typeface="Cascadia Code" panose="020B0609020000020004" pitchFamily="49" charset="0"/>
+              </a:rPr>
+              <a:t>w – “watch mode”, </a:t>
+            </a:r>
+            <a:r>
+              <a:rPr lang="ru-RU" sz="1800" b="1" dirty="0">
+                <a:solidFill>
+                  <a:schemeClr val="bg1"/>
+                </a:solidFill>
+                <a:latin typeface="Cascadia Code" panose="020B0609020000020004" pitchFamily="49" charset="0"/>
+                <a:cs typeface="Cascadia Code" panose="020B0609020000020004" pitchFamily="49" charset="0"/>
+              </a:rPr>
+              <a:t>компилятор следит за изменениями в </a:t>
+            </a:r>
+            <a:r>
+              <a:rPr lang="en-US" b="1" dirty="0">
+                <a:solidFill>
+                  <a:schemeClr val="bg1"/>
+                </a:solidFill>
+                <a:latin typeface="Cascadia Code" panose="020B0609020000020004" pitchFamily="49" charset="0"/>
+                <a:cs typeface="Cascadia Code" panose="020B0609020000020004" pitchFamily="49" charset="0"/>
+              </a:rPr>
+              <a:t>TS-</a:t>
+            </a:r>
+            <a:r>
+              <a:rPr lang="ru-RU" sz="1800" b="1" dirty="0">
+                <a:solidFill>
+                  <a:schemeClr val="bg1"/>
+                </a:solidFill>
+                <a:latin typeface="Cascadia Code" panose="020B0609020000020004" pitchFamily="49" charset="0"/>
+                <a:cs typeface="Cascadia Code" panose="020B0609020000020004" pitchFamily="49" charset="0"/>
+              </a:rPr>
+              <a:t>файле и автоматически перекомпилирует при сохранении (</a:t>
+            </a:r>
+            <a:r>
+              <a:rPr lang="en-US" sz="1800" b="1" dirty="0" err="1">
+                <a:solidFill>
+                  <a:schemeClr val="bg1"/>
+                </a:solidFill>
+                <a:latin typeface="Cascadia Code" panose="020B0609020000020004" pitchFamily="49" charset="0"/>
+                <a:cs typeface="Cascadia Code" panose="020B0609020000020004" pitchFamily="49" charset="0"/>
+              </a:rPr>
+              <a:t>Ctrl+S</a:t>
+            </a:r>
+            <a:r>
+              <a:rPr lang="en-US" sz="1800" b="1" dirty="0">
+                <a:solidFill>
+                  <a:schemeClr val="bg1"/>
+                </a:solidFill>
+                <a:latin typeface="Cascadia Code" panose="020B0609020000020004" pitchFamily="49" charset="0"/>
+                <a:cs typeface="Cascadia Code" panose="020B0609020000020004" pitchFamily="49" charset="0"/>
+              </a:rPr>
+              <a:t>)</a:t>
+            </a:r>
+            <a:endParaRPr lang="en-US" sz="1800" dirty="0">
+              <a:solidFill>
+                <a:schemeClr val="bg1"/>
+              </a:solidFill>
+              <a:latin typeface="Cascadia Code" panose="020B0609020000020004" pitchFamily="49" charset="0"/>
+              <a:cs typeface="Cascadia Code" panose="020B0609020000020004" pitchFamily="49" charset="0"/>
+            </a:endParaRPr>
+          </a:p>
+        </p:txBody>
+      </p:sp>
       <p:pic>
         <p:nvPicPr>
-          <p:cNvPr id="4" name="Рисунок 3">
-            <a:extLst>
-              <a:ext uri="{FF2B5EF4-FFF2-40B4-BE49-F238E27FC236}">
-                <a16:creationId xmlns:a16="http://schemas.microsoft.com/office/drawing/2014/main" id="{E6354D64-4F28-4613-84A9-4AF9B80B39AE}"/>
+          <p:cNvPr id="21" name="Рисунок 20">
+            <a:extLst>
+              <a:ext uri="{FF2B5EF4-FFF2-40B4-BE49-F238E27FC236}">
+                <a16:creationId xmlns:a16="http://schemas.microsoft.com/office/drawing/2014/main" id="{AA76BD22-F1AF-4CB0-8077-1CB59B93711B}"/>
               </a:ext>
             </a:extLst>
           </p:cNvPr>
@@ -6940,15 +13493,45 @@
           <p:nvPr/>
         </p:nvPicPr>
         <p:blipFill>
-          <a:blip r:embed="rId3"/>
+          <a:blip r:embed="rId3" cstate="print"/>
           <a:stretch>
             <a:fillRect/>
           </a:stretch>
         </p:blipFill>
         <p:spPr>
           <a:xfrm>
-            <a:off x="717451" y="4303102"/>
-            <a:ext cx="9311804" cy="1121154"/>
+            <a:off x="681940" y="1607653"/>
+            <a:ext cx="3738241" cy="2593743"/>
+          </a:xfrm>
+          <a:prstGeom prst="rect">
+            <a:avLst/>
+          </a:prstGeom>
+        </p:spPr>
+      </p:pic>
+      <p:pic>
+        <p:nvPicPr>
+          <p:cNvPr id="23" name="Рисунок 22">
+            <a:extLst>
+              <a:ext uri="{FF2B5EF4-FFF2-40B4-BE49-F238E27FC236}">
+                <a16:creationId xmlns:a16="http://schemas.microsoft.com/office/drawing/2014/main" id="{EF9217B1-6846-402F-A2D1-9A50D360AA5D}"/>
+              </a:ext>
+            </a:extLst>
+          </p:cNvPr>
+          <p:cNvPicPr>
+            <a:picLocks noChangeAspect="1"/>
+          </p:cNvPicPr>
+          <p:nvPr/>
+        </p:nvPicPr>
+        <p:blipFill>
+          <a:blip r:embed="rId4" cstate="print"/>
+          <a:stretch>
+            <a:fillRect/>
+          </a:stretch>
+        </p:blipFill>
+        <p:spPr>
+          <a:xfrm>
+            <a:off x="6621797" y="1602901"/>
+            <a:ext cx="3333765" cy="2593743"/>
           </a:xfrm>
           <a:prstGeom prst="rect">
             <a:avLst/>
@@ -6958,7 +13541,7 @@
     </p:spTree>
     <p:extLst>
       <p:ext uri="{BB962C8B-B14F-4D97-AF65-F5344CB8AC3E}">
-        <p14:creationId xmlns:p14="http://schemas.microsoft.com/office/powerpoint/2010/main" val="561378557"/>
+        <p14:creationId xmlns:p14="http://schemas.microsoft.com/office/powerpoint/2010/main" val="873540508"/>
       </p:ext>
     </p:extLst>
   </p:cSld>
@@ -7029,9 +13612,9 @@
                 <a:latin typeface="Cascadia Code" panose="020B0609020000020004" pitchFamily="49" charset="0"/>
                 <a:cs typeface="Cascadia Code" panose="020B0609020000020004" pitchFamily="49" charset="0"/>
               </a:rPr>
-              <a:t>Boolean</a:t>
-            </a:r>
-            <a:endParaRPr lang="ru-BY" b="1" dirty="0">
+              <a:t>String</a:t>
+            </a:r>
+            <a:endParaRPr lang="x-none" b="1" dirty="0">
               <a:solidFill>
                 <a:schemeClr val="bg1"/>
               </a:solidFill>
@@ -7077,9 +13660,9 @@
                 <a:latin typeface="Cascadia Code" panose="020B0609020000020004" pitchFamily="49" charset="0"/>
                 <a:cs typeface="Cascadia Code" panose="020B0609020000020004" pitchFamily="49" charset="0"/>
               </a:rPr>
-              <a:t>boolean.ts</a:t>
-            </a:r>
-            <a:endParaRPr lang="ru-BY" sz="2800" dirty="0"/>
+              <a:t>string.ts</a:t>
+            </a:r>
+            <a:endParaRPr lang="x-none" sz="2800" dirty="0"/>
           </a:p>
         </p:txBody>
       </p:sp>
@@ -7097,7 +13680,7 @@
         </p:nvSpPr>
         <p:spPr>
           <a:xfrm>
-            <a:off x="605873" y="3210912"/>
+            <a:off x="605873" y="3786327"/>
             <a:ext cx="6094520" cy="523220"/>
           </a:xfrm>
           <a:prstGeom prst="rect">
@@ -7119,18 +13702,18 @@
                 <a:latin typeface="Cascadia Code" panose="020B0609020000020004" pitchFamily="49" charset="0"/>
                 <a:cs typeface="Cascadia Code" panose="020B0609020000020004" pitchFamily="49" charset="0"/>
               </a:rPr>
-              <a:t>boolean.js</a:t>
-            </a:r>
-            <a:endParaRPr lang="ru-BY" sz="2800" dirty="0"/>
+              <a:t>string.js</a:t>
+            </a:r>
+            <a:endParaRPr lang="x-none" sz="2800" dirty="0"/>
           </a:p>
         </p:txBody>
       </p:sp>
       <p:pic>
         <p:nvPicPr>
-          <p:cNvPr id="5" name="Рисунок 4">
-            <a:extLst>
-              <a:ext uri="{FF2B5EF4-FFF2-40B4-BE49-F238E27FC236}">
-                <a16:creationId xmlns:a16="http://schemas.microsoft.com/office/drawing/2014/main" id="{315AF6A6-B917-4C95-9C4B-7C583409E576}"/>
+          <p:cNvPr id="10" name="Рисунок 9">
+            <a:extLst>
+              <a:ext uri="{FF2B5EF4-FFF2-40B4-BE49-F238E27FC236}">
+                <a16:creationId xmlns:a16="http://schemas.microsoft.com/office/drawing/2014/main" id="{749C0FC7-EEE7-483E-8DBE-EC72D7E8C909}"/>
               </a:ext>
             </a:extLst>
           </p:cNvPr>
@@ -7140,15 +13723,15 @@
           <p:nvPr/>
         </p:nvPicPr>
         <p:blipFill>
-          <a:blip r:embed="rId2"/>
+          <a:blip r:embed="rId2" cstate="print"/>
           <a:stretch>
             <a:fillRect/>
           </a:stretch>
         </p:blipFill>
         <p:spPr>
           <a:xfrm>
-            <a:off x="727576" y="1758706"/>
-            <a:ext cx="7811174" cy="1100383"/>
+            <a:off x="717451" y="1720030"/>
+            <a:ext cx="8821266" cy="1502564"/>
           </a:xfrm>
           <a:prstGeom prst="rect">
             <a:avLst/>
@@ -7157,10 +13740,10 @@
       </p:pic>
       <p:pic>
         <p:nvPicPr>
-          <p:cNvPr id="8" name="Рисунок 7">
-            <a:extLst>
-              <a:ext uri="{FF2B5EF4-FFF2-40B4-BE49-F238E27FC236}">
-                <a16:creationId xmlns:a16="http://schemas.microsoft.com/office/drawing/2014/main" id="{65ECB3CA-8B3E-4344-AFAA-E5E03DD999B0}"/>
+          <p:cNvPr id="4" name="Рисунок 3">
+            <a:extLst>
+              <a:ext uri="{FF2B5EF4-FFF2-40B4-BE49-F238E27FC236}">
+                <a16:creationId xmlns:a16="http://schemas.microsoft.com/office/drawing/2014/main" id="{E6354D64-4F28-4613-84A9-4AF9B80B39AE}"/>
               </a:ext>
             </a:extLst>
           </p:cNvPr>
@@ -7169,15 +13752,16 @@
           </p:cNvPicPr>
           <p:nvPr/>
         </p:nvPicPr>
-        <p:blipFill rotWithShape="1">
-          <a:blip r:embed="rId3"/>
-          <a:srcRect t="6341"/>
-          <a:stretch/>
+        <p:blipFill>
+          <a:blip r:embed="rId3" cstate="print"/>
+          <a:stretch>
+            <a:fillRect/>
+          </a:stretch>
         </p:blipFill>
         <p:spPr>
           <a:xfrm>
-            <a:off x="727575" y="3781887"/>
-            <a:ext cx="6823783" cy="1367162"/>
+            <a:off x="717451" y="4303102"/>
+            <a:ext cx="9311804" cy="1121154"/>
           </a:xfrm>
           <a:prstGeom prst="rect">
             <a:avLst/>
@@ -7187,7 +13771,7 @@
     </p:spTree>
     <p:extLst>
       <p:ext uri="{BB962C8B-B14F-4D97-AF65-F5344CB8AC3E}">
-        <p14:creationId xmlns:p14="http://schemas.microsoft.com/office/powerpoint/2010/main" val="3417055121"/>
+        <p14:creationId xmlns:p14="http://schemas.microsoft.com/office/powerpoint/2010/main" val="561378557"/>
       </p:ext>
     </p:extLst>
   </p:cSld>
@@ -7258,9 +13842,9 @@
                 <a:latin typeface="Cascadia Code" panose="020B0609020000020004" pitchFamily="49" charset="0"/>
                 <a:cs typeface="Cascadia Code" panose="020B0609020000020004" pitchFamily="49" charset="0"/>
               </a:rPr>
-              <a:t>Array</a:t>
-            </a:r>
-            <a:endParaRPr lang="ru-BY" b="1" dirty="0">
+              <a:t>Boolean</a:t>
+            </a:r>
+            <a:endParaRPr lang="x-none" b="1" dirty="0">
               <a:solidFill>
                 <a:schemeClr val="bg1"/>
               </a:solidFill>
@@ -7306,9 +13890,9 @@
                 <a:latin typeface="Cascadia Code" panose="020B0609020000020004" pitchFamily="49" charset="0"/>
                 <a:cs typeface="Cascadia Code" panose="020B0609020000020004" pitchFamily="49" charset="0"/>
               </a:rPr>
-              <a:t>array.ts</a:t>
-            </a:r>
-            <a:endParaRPr lang="ru-BY" sz="2800" dirty="0"/>
+              <a:t>boolean.ts</a:t>
+            </a:r>
+            <a:endParaRPr lang="x-none" sz="2800" dirty="0"/>
           </a:p>
         </p:txBody>
       </p:sp>
@@ -7326,7 +13910,7 @@
         </p:nvSpPr>
         <p:spPr>
           <a:xfrm>
-            <a:off x="605873" y="3776011"/>
+            <a:off x="605873" y="3210912"/>
             <a:ext cx="6094520" cy="523220"/>
           </a:xfrm>
           <a:prstGeom prst="rect">
@@ -7348,18 +13932,18 @@
                 <a:latin typeface="Cascadia Code" panose="020B0609020000020004" pitchFamily="49" charset="0"/>
                 <a:cs typeface="Cascadia Code" panose="020B0609020000020004" pitchFamily="49" charset="0"/>
               </a:rPr>
-              <a:t>array.js</a:t>
-            </a:r>
-            <a:endParaRPr lang="ru-BY" sz="2800" dirty="0"/>
+              <a:t>boolean.js</a:t>
+            </a:r>
+            <a:endParaRPr lang="x-none" sz="2800" dirty="0"/>
           </a:p>
         </p:txBody>
       </p:sp>
       <p:pic>
         <p:nvPicPr>
-          <p:cNvPr id="17" name="Рисунок 16">
-            <a:extLst>
-              <a:ext uri="{FF2B5EF4-FFF2-40B4-BE49-F238E27FC236}">
-                <a16:creationId xmlns:a16="http://schemas.microsoft.com/office/drawing/2014/main" id="{E3127348-FE0E-44DC-A271-861C86E56CEF}"/>
+          <p:cNvPr id="5" name="Рисунок 4">
+            <a:extLst>
+              <a:ext uri="{FF2B5EF4-FFF2-40B4-BE49-F238E27FC236}">
+                <a16:creationId xmlns:a16="http://schemas.microsoft.com/office/drawing/2014/main" id="{315AF6A6-B917-4C95-9C4B-7C583409E576}"/>
               </a:ext>
             </a:extLst>
           </p:cNvPr>
@@ -7369,15 +13953,15 @@
           <p:nvPr/>
         </p:nvPicPr>
         <p:blipFill>
-          <a:blip r:embed="rId2"/>
+          <a:blip r:embed="rId2" cstate="print"/>
           <a:stretch>
             <a:fillRect/>
           </a:stretch>
         </p:blipFill>
         <p:spPr>
           <a:xfrm>
-            <a:off x="673986" y="1753488"/>
-            <a:ext cx="10999433" cy="1544215"/>
+            <a:off x="727576" y="1758706"/>
+            <a:ext cx="7811174" cy="1100383"/>
           </a:xfrm>
           <a:prstGeom prst="rect">
             <a:avLst/>
@@ -7386,10 +13970,10 @@
       </p:pic>
       <p:pic>
         <p:nvPicPr>
-          <p:cNvPr id="19" name="Рисунок 18">
-            <a:extLst>
-              <a:ext uri="{FF2B5EF4-FFF2-40B4-BE49-F238E27FC236}">
-                <a16:creationId xmlns:a16="http://schemas.microsoft.com/office/drawing/2014/main" id="{F4F52F4E-8588-4461-BC19-6D86FFC7A812}"/>
+          <p:cNvPr id="8" name="Рисунок 7">
+            <a:extLst>
+              <a:ext uri="{FF2B5EF4-FFF2-40B4-BE49-F238E27FC236}">
+                <a16:creationId xmlns:a16="http://schemas.microsoft.com/office/drawing/2014/main" id="{65ECB3CA-8B3E-4344-AFAA-E5E03DD999B0}"/>
               </a:ext>
             </a:extLst>
           </p:cNvPr>
@@ -7399,14 +13983,14 @@
           <p:nvPr/>
         </p:nvPicPr>
         <p:blipFill rotWithShape="1">
-          <a:blip r:embed="rId3"/>
-          <a:srcRect t="4007"/>
+          <a:blip r:embed="rId3" cstate="print"/>
+          <a:srcRect t="6341"/>
           <a:stretch/>
         </p:blipFill>
         <p:spPr>
           <a:xfrm>
-            <a:off x="673986" y="4421079"/>
-            <a:ext cx="8986324" cy="1236888"/>
+            <a:off x="727575" y="3781887"/>
+            <a:ext cx="6823783" cy="1367162"/>
           </a:xfrm>
           <a:prstGeom prst="rect">
             <a:avLst/>
@@ -7416,7 +14000,7 @@
     </p:spTree>
     <p:extLst>
       <p:ext uri="{BB962C8B-B14F-4D97-AF65-F5344CB8AC3E}">
-        <p14:creationId xmlns:p14="http://schemas.microsoft.com/office/powerpoint/2010/main" val="861301658"/>
+        <p14:creationId xmlns:p14="http://schemas.microsoft.com/office/powerpoint/2010/main" val="3417055121"/>
       </p:ext>
     </p:extLst>
   </p:cSld>
@@ -7469,7 +14053,7 @@
     </a:clrScheme>
     <a:fontScheme name="Стандартная">
       <a:majorFont>
-        <a:latin typeface="Calibri Light" panose="020F0302020204030204"/>
+        <a:latin typeface="Calibri Light"/>
         <a:ea typeface=""/>
         <a:cs typeface=""/>
         <a:font script="Jpan" typeface="游ゴシック Light"/>
@@ -7521,7 +14105,7 @@
         <a:font script="Tfng" typeface="Ebrima"/>
       </a:majorFont>
       <a:minorFont>
-        <a:latin typeface="Calibri" panose="020F0502020204030204"/>
+        <a:latin typeface="Calibri"/>
         <a:ea typeface=""/>
         <a:cs typeface=""/>
         <a:font script="Jpan" typeface="游ゴシック"/>
